--- a/Soziales Netzwerk/Sharit-Präsi.pptx
+++ b/Soziales Netzwerk/Sharit-Präsi.pptx
@@ -6,6 +6,11 @@
   </p:sldMasterIdLst>
   <p:sldIdLst>
     <p:sldId id="256" r:id="rId2"/>
+    <p:sldId id="260" r:id="rId3"/>
+    <p:sldId id="257" r:id="rId4"/>
+    <p:sldId id="258" r:id="rId5"/>
+    <p:sldId id="259" r:id="rId6"/>
+    <p:sldId id="261" r:id="rId7"/>
   </p:sldIdLst>
   <p:sldSz cx="12192000" cy="6858000"/>
   <p:notesSz cx="6858000" cy="9144000"/>
@@ -104,11 +109,572 @@
       </a:defRPr>
     </a:lvl9pPr>
   </p:defaultTextStyle>
+  <p:extLst>
+    <p:ext uri="{EFAFB233-063F-42B5-8137-9DF3F51BA10A}">
+      <p15:sldGuideLst xmlns:p15="http://schemas.microsoft.com/office/powerpoint/2012/main"/>
+    </p:ext>
+  </p:extLst>
 </p:presentation>
+</file>
+
+<file path=ppt/revisionInfo.xml><?xml version="1.0" encoding="utf-8"?>
+<p1510:revInfo xmlns:a="http://schemas.openxmlformats.org/drawingml/2006/main" xmlns:r="http://schemas.openxmlformats.org/officeDocument/2006/relationships" xmlns:p1510="http://schemas.microsoft.com/office/powerpoint/2015/10/main">
+  <p1510:revLst>
+    <p1510:client id="{2F125D50-037A-4150-B892-F87C63A17878}" v="367" dt="2023-12-15T10:16:34.651"/>
+    <p1510:client id="{833E5A1F-2F23-4009-A644-D54E15396C46}" v="1017" dt="2023-12-15T10:18:25.430"/>
+    <p1510:client id="{89514790-007F-4812-AE83-0AF258DDE594}" v="21" dt="2023-12-15T10:17:06.122"/>
+  </p1510:revLst>
+</p1510:revInfo>
 </file>
 
 <file path=ppt/changesInfos/changesInfo1.xml><?xml version="1.0" encoding="utf-8"?>
 <pc:chgInfo xmlns:a="http://schemas.openxmlformats.org/drawingml/2006/main" xmlns:r="http://schemas.openxmlformats.org/officeDocument/2006/relationships" xmlns:ac="http://schemas.microsoft.com/office/drawing/2013/main/command" xmlns:pc="http://schemas.microsoft.com/office/powerpoint/2013/main/command">
+  <pc:docChgLst>
+    <pc:chgData name="Krasniqi Elion" userId="857f8377-6dbe-4852-98f8-6f907e234bfd" providerId="ADAL" clId="{2F125D50-037A-4150-B892-F87C63A17878}"/>
+    <pc:docChg chg="undo custSel addSld modSld sldOrd">
+      <pc:chgData name="Krasniqi Elion" userId="857f8377-6dbe-4852-98f8-6f907e234bfd" providerId="ADAL" clId="{2F125D50-037A-4150-B892-F87C63A17878}" dt="2023-12-15T10:16:34.651" v="366" actId="20577"/>
+      <pc:docMkLst>
+        <pc:docMk/>
+      </pc:docMkLst>
+      <pc:sldChg chg="addSp delSp modSp mod setBg addAnim modAnim">
+        <pc:chgData name="Krasniqi Elion" userId="857f8377-6dbe-4852-98f8-6f907e234bfd" providerId="ADAL" clId="{2F125D50-037A-4150-B892-F87C63A17878}" dt="2023-12-15T10:13:15.019" v="230" actId="20577"/>
+        <pc:sldMkLst>
+          <pc:docMk/>
+          <pc:sldMk cId="663256495" sldId="256"/>
+        </pc:sldMkLst>
+        <pc:spChg chg="mod">
+          <ac:chgData name="Krasniqi Elion" userId="857f8377-6dbe-4852-98f8-6f907e234bfd" providerId="ADAL" clId="{2F125D50-037A-4150-B892-F87C63A17878}" dt="2023-12-15T10:13:15.019" v="230" actId="20577"/>
+          <ac:spMkLst>
+            <pc:docMk/>
+            <pc:sldMk cId="663256495" sldId="256"/>
+            <ac:spMk id="2" creationId="{77384F95-F416-0589-D9CE-E402145D7DB2}"/>
+          </ac:spMkLst>
+        </pc:spChg>
+        <pc:spChg chg="mod">
+          <ac:chgData name="Krasniqi Elion" userId="857f8377-6dbe-4852-98f8-6f907e234bfd" providerId="ADAL" clId="{2F125D50-037A-4150-B892-F87C63A17878}" dt="2023-12-15T10:11:46.030" v="133" actId="1076"/>
+          <ac:spMkLst>
+            <pc:docMk/>
+            <pc:sldMk cId="663256495" sldId="256"/>
+            <ac:spMk id="3" creationId="{DE2E5D2C-B0D3-EEDB-A2EB-17537B08C4D7}"/>
+          </ac:spMkLst>
+        </pc:spChg>
+        <pc:spChg chg="add del">
+          <ac:chgData name="Krasniqi Elion" userId="857f8377-6dbe-4852-98f8-6f907e234bfd" providerId="ADAL" clId="{2F125D50-037A-4150-B892-F87C63A17878}" dt="2023-12-15T10:09:44.336" v="2" actId="26606"/>
+          <ac:spMkLst>
+            <pc:docMk/>
+            <pc:sldMk cId="663256495" sldId="256"/>
+            <ac:spMk id="1031" creationId="{C1DD1A8A-57D5-4A81-AD04-532B043C5611}"/>
+          </ac:spMkLst>
+        </pc:spChg>
+        <pc:spChg chg="add del">
+          <ac:chgData name="Krasniqi Elion" userId="857f8377-6dbe-4852-98f8-6f907e234bfd" providerId="ADAL" clId="{2F125D50-037A-4150-B892-F87C63A17878}" dt="2023-12-15T10:09:44.336" v="2" actId="26606"/>
+          <ac:spMkLst>
+            <pc:docMk/>
+            <pc:sldMk cId="663256495" sldId="256"/>
+            <ac:spMk id="1033" creationId="{007891EC-4501-44ED-A8C8-B11B6DB767AB}"/>
+          </ac:spMkLst>
+        </pc:spChg>
+        <pc:spChg chg="add del">
+          <ac:chgData name="Krasniqi Elion" userId="857f8377-6dbe-4852-98f8-6f907e234bfd" providerId="ADAL" clId="{2F125D50-037A-4150-B892-F87C63A17878}" dt="2023-12-15T10:10:14.851" v="12" actId="26606"/>
+          <ac:spMkLst>
+            <pc:docMk/>
+            <pc:sldMk cId="663256495" sldId="256"/>
+            <ac:spMk id="1037" creationId="{7DB3C429-F8DA-49B9-AF84-21996FCF78B5}"/>
+          </ac:spMkLst>
+        </pc:spChg>
+        <pc:spChg chg="add del">
+          <ac:chgData name="Krasniqi Elion" userId="857f8377-6dbe-4852-98f8-6f907e234bfd" providerId="ADAL" clId="{2F125D50-037A-4150-B892-F87C63A17878}" dt="2023-12-15T10:09:47.456" v="4" actId="26606"/>
+          <ac:spMkLst>
+            <pc:docMk/>
+            <pc:sldMk cId="663256495" sldId="256"/>
+            <ac:spMk id="1039" creationId="{A3363022-C969-41E9-8EB2-E4C94908C1FA}"/>
+          </ac:spMkLst>
+        </pc:spChg>
+        <pc:spChg chg="add del">
+          <ac:chgData name="Krasniqi Elion" userId="857f8377-6dbe-4852-98f8-6f907e234bfd" providerId="ADAL" clId="{2F125D50-037A-4150-B892-F87C63A17878}" dt="2023-12-15T10:09:47.456" v="4" actId="26606"/>
+          <ac:spMkLst>
+            <pc:docMk/>
+            <pc:sldMk cId="663256495" sldId="256"/>
+            <ac:spMk id="1040" creationId="{8D1AD6B3-BE88-4CEB-BA17-790657CC4729}"/>
+          </ac:spMkLst>
+        </pc:spChg>
+        <pc:spChg chg="add del">
+          <ac:chgData name="Krasniqi Elion" userId="857f8377-6dbe-4852-98f8-6f907e234bfd" providerId="ADAL" clId="{2F125D50-037A-4150-B892-F87C63A17878}" dt="2023-12-15T10:09:48.895" v="6" actId="26606"/>
+          <ac:spMkLst>
+            <pc:docMk/>
+            <pc:sldMk cId="663256495" sldId="256"/>
+            <ac:spMk id="1042" creationId="{6F828D28-8E09-41CC-8229-3070B5467A96}"/>
+          </ac:spMkLst>
+        </pc:spChg>
+        <pc:spChg chg="add del">
+          <ac:chgData name="Krasniqi Elion" userId="857f8377-6dbe-4852-98f8-6f907e234bfd" providerId="ADAL" clId="{2F125D50-037A-4150-B892-F87C63A17878}" dt="2023-12-15T10:09:48.895" v="6" actId="26606"/>
+          <ac:spMkLst>
+            <pc:docMk/>
+            <pc:sldMk cId="663256495" sldId="256"/>
+            <ac:spMk id="1043" creationId="{D5B012D8-7F27-4758-9AC6-C889B154BD73}"/>
+          </ac:spMkLst>
+        </pc:spChg>
+        <pc:spChg chg="add del">
+          <ac:chgData name="Krasniqi Elion" userId="857f8377-6dbe-4852-98f8-6f907e234bfd" providerId="ADAL" clId="{2F125D50-037A-4150-B892-F87C63A17878}" dt="2023-12-15T10:09:48.895" v="6" actId="26606"/>
+          <ac:spMkLst>
+            <pc:docMk/>
+            <pc:sldMk cId="663256495" sldId="256"/>
+            <ac:spMk id="1044" creationId="{4063B759-00FC-46D1-9898-8E8625268FAF}"/>
+          </ac:spMkLst>
+        </pc:spChg>
+        <pc:spChg chg="add del">
+          <ac:chgData name="Krasniqi Elion" userId="857f8377-6dbe-4852-98f8-6f907e234bfd" providerId="ADAL" clId="{2F125D50-037A-4150-B892-F87C63A17878}" dt="2023-12-15T10:09:56.285" v="8" actId="26606"/>
+          <ac:spMkLst>
+            <pc:docMk/>
+            <pc:sldMk cId="663256495" sldId="256"/>
+            <ac:spMk id="1046" creationId="{9B7AD9F6-8CE7-4299-8FC6-328F4DCD3FF9}"/>
+          </ac:spMkLst>
+        </pc:spChg>
+        <pc:spChg chg="add del">
+          <ac:chgData name="Krasniqi Elion" userId="857f8377-6dbe-4852-98f8-6f907e234bfd" providerId="ADAL" clId="{2F125D50-037A-4150-B892-F87C63A17878}" dt="2023-12-15T10:09:56.285" v="8" actId="26606"/>
+          <ac:spMkLst>
+            <pc:docMk/>
+            <pc:sldMk cId="663256495" sldId="256"/>
+            <ac:spMk id="1047" creationId="{F49775AF-8896-43EE-92C6-83497D6DC56F}"/>
+          </ac:spMkLst>
+        </pc:spChg>
+        <pc:spChg chg="add del">
+          <ac:chgData name="Krasniqi Elion" userId="857f8377-6dbe-4852-98f8-6f907e234bfd" providerId="ADAL" clId="{2F125D50-037A-4150-B892-F87C63A17878}" dt="2023-12-15T10:10:14.851" v="12" actId="26606"/>
+          <ac:spMkLst>
+            <pc:docMk/>
+            <pc:sldMk cId="663256495" sldId="256"/>
+            <ac:spMk id="1049" creationId="{8D0D6D3E-D7F9-4591-9CA9-DDF4DB1F73DA}"/>
+          </ac:spMkLst>
+        </pc:spChg>
+        <pc:spChg chg="add del">
+          <ac:chgData name="Krasniqi Elion" userId="857f8377-6dbe-4852-98f8-6f907e234bfd" providerId="ADAL" clId="{2F125D50-037A-4150-B892-F87C63A17878}" dt="2023-12-15T10:10:14.851" v="12" actId="26606"/>
+          <ac:spMkLst>
+            <pc:docMk/>
+            <pc:sldMk cId="663256495" sldId="256"/>
+            <ac:spMk id="1050" creationId="{C4C9F2B0-1044-46EB-8AEB-C3BFFDE6C2CC}"/>
+          </ac:spMkLst>
+        </pc:spChg>
+        <pc:spChg chg="add del">
+          <ac:chgData name="Krasniqi Elion" userId="857f8377-6dbe-4852-98f8-6f907e234bfd" providerId="ADAL" clId="{2F125D50-037A-4150-B892-F87C63A17878}" dt="2023-12-15T10:10:14.851" v="12" actId="26606"/>
+          <ac:spMkLst>
+            <pc:docMk/>
+            <pc:sldMk cId="663256495" sldId="256"/>
+            <ac:spMk id="1051" creationId="{D28B54C3-B57B-472A-B96E-1FCB67093DC2}"/>
+          </ac:spMkLst>
+        </pc:spChg>
+        <pc:spChg chg="add del">
+          <ac:chgData name="Krasniqi Elion" userId="857f8377-6dbe-4852-98f8-6f907e234bfd" providerId="ADAL" clId="{2F125D50-037A-4150-B892-F87C63A17878}" dt="2023-12-15T10:10:35.273" v="14" actId="26606"/>
+          <ac:spMkLst>
+            <pc:docMk/>
+            <pc:sldMk cId="663256495" sldId="256"/>
+            <ac:spMk id="1056" creationId="{A8384FB5-9ADC-4DDC-881B-597D56F5B15D}"/>
+          </ac:spMkLst>
+        </pc:spChg>
+        <pc:spChg chg="add del">
+          <ac:chgData name="Krasniqi Elion" userId="857f8377-6dbe-4852-98f8-6f907e234bfd" providerId="ADAL" clId="{2F125D50-037A-4150-B892-F87C63A17878}" dt="2023-12-15T10:10:35.273" v="14" actId="26606"/>
+          <ac:spMkLst>
+            <pc:docMk/>
+            <pc:sldMk cId="663256495" sldId="256"/>
+            <ac:spMk id="1058" creationId="{BC05CA36-AD6A-4ABF-9A05-52E5A143D2BB}"/>
+          </ac:spMkLst>
+        </pc:spChg>
+        <pc:spChg chg="add del">
+          <ac:chgData name="Krasniqi Elion" userId="857f8377-6dbe-4852-98f8-6f907e234bfd" providerId="ADAL" clId="{2F125D50-037A-4150-B892-F87C63A17878}" dt="2023-12-15T10:10:35.273" v="14" actId="26606"/>
+          <ac:spMkLst>
+            <pc:docMk/>
+            <pc:sldMk cId="663256495" sldId="256"/>
+            <ac:spMk id="1060" creationId="{D4331EE8-85A4-4588-8D9E-70E534D477DB}"/>
+          </ac:spMkLst>
+        </pc:spChg>
+        <pc:spChg chg="add del">
+          <ac:chgData name="Krasniqi Elion" userId="857f8377-6dbe-4852-98f8-6f907e234bfd" providerId="ADAL" clId="{2F125D50-037A-4150-B892-F87C63A17878}" dt="2023-12-15T10:10:35.273" v="14" actId="26606"/>
+          <ac:spMkLst>
+            <pc:docMk/>
+            <pc:sldMk cId="663256495" sldId="256"/>
+            <ac:spMk id="1062" creationId="{49D6C862-61CC-4B46-8080-96583D653BAB}"/>
+          </ac:spMkLst>
+        </pc:spChg>
+        <pc:spChg chg="add del">
+          <ac:chgData name="Krasniqi Elion" userId="857f8377-6dbe-4852-98f8-6f907e234bfd" providerId="ADAL" clId="{2F125D50-037A-4150-B892-F87C63A17878}" dt="2023-12-15T10:10:35.273" v="14" actId="26606"/>
+          <ac:spMkLst>
+            <pc:docMk/>
+            <pc:sldMk cId="663256495" sldId="256"/>
+            <ac:spMk id="1064" creationId="{E37EECFC-A684-4391-AE85-4CDAF5565F61}"/>
+          </ac:spMkLst>
+        </pc:spChg>
+        <pc:grpChg chg="add del">
+          <ac:chgData name="Krasniqi Elion" userId="857f8377-6dbe-4852-98f8-6f907e234bfd" providerId="ADAL" clId="{2F125D50-037A-4150-B892-F87C63A17878}" dt="2023-12-15T10:09:47.456" v="4" actId="26606"/>
+          <ac:grpSpMkLst>
+            <pc:docMk/>
+            <pc:sldMk cId="663256495" sldId="256"/>
+            <ac:grpSpMk id="1035" creationId="{89D1390B-7E13-4B4F-9CB2-391063412E54}"/>
+          </ac:grpSpMkLst>
+        </pc:grpChg>
+        <pc:grpChg chg="add">
+          <ac:chgData name="Krasniqi Elion" userId="857f8377-6dbe-4852-98f8-6f907e234bfd" providerId="ADAL" clId="{2F125D50-037A-4150-B892-F87C63A17878}" dt="2023-12-15T10:10:35.273" v="14" actId="26606"/>
+          <ac:grpSpMkLst>
+            <pc:docMk/>
+            <pc:sldMk cId="663256495" sldId="256"/>
+            <ac:grpSpMk id="1069" creationId="{CA16F22E-4716-CA29-1F53-4AAD52955EF1}"/>
+          </ac:grpSpMkLst>
+        </pc:grpChg>
+        <pc:picChg chg="add mod ord">
+          <ac:chgData name="Krasniqi Elion" userId="857f8377-6dbe-4852-98f8-6f907e234bfd" providerId="ADAL" clId="{2F125D50-037A-4150-B892-F87C63A17878}" dt="2023-12-15T10:10:35.273" v="14" actId="26606"/>
+          <ac:picMkLst>
+            <pc:docMk/>
+            <pc:sldMk cId="663256495" sldId="256"/>
+            <ac:picMk id="1026" creationId="{3D481D99-69BF-45D4-36B4-B450E4052FAD}"/>
+          </ac:picMkLst>
+        </pc:picChg>
+      </pc:sldChg>
+      <pc:sldChg chg="modSp mod">
+        <pc:chgData name="Krasniqi Elion" userId="857f8377-6dbe-4852-98f8-6f907e234bfd" providerId="ADAL" clId="{2F125D50-037A-4150-B892-F87C63A17878}" dt="2023-12-15T10:13:27.622" v="258" actId="20577"/>
+        <pc:sldMkLst>
+          <pc:docMk/>
+          <pc:sldMk cId="980266862" sldId="258"/>
+        </pc:sldMkLst>
+        <pc:spChg chg="mod">
+          <ac:chgData name="Krasniqi Elion" userId="857f8377-6dbe-4852-98f8-6f907e234bfd" providerId="ADAL" clId="{2F125D50-037A-4150-B892-F87C63A17878}" dt="2023-12-15T10:13:27.622" v="258" actId="20577"/>
+          <ac:spMkLst>
+            <pc:docMk/>
+            <pc:sldMk cId="980266862" sldId="258"/>
+            <ac:spMk id="2" creationId="{3258E229-C486-D96C-FBBB-AC129B1FC8EE}"/>
+          </ac:spMkLst>
+        </pc:spChg>
+      </pc:sldChg>
+      <pc:sldChg chg="addSp modSp new mod ord">
+        <pc:chgData name="Krasniqi Elion" userId="857f8377-6dbe-4852-98f8-6f907e234bfd" providerId="ADAL" clId="{2F125D50-037A-4150-B892-F87C63A17878}" dt="2023-12-15T10:16:34.651" v="366" actId="20577"/>
+        <pc:sldMkLst>
+          <pc:docMk/>
+          <pc:sldMk cId="4100619207" sldId="260"/>
+        </pc:sldMkLst>
+        <pc:spChg chg="mod">
+          <ac:chgData name="Krasniqi Elion" userId="857f8377-6dbe-4852-98f8-6f907e234bfd" providerId="ADAL" clId="{2F125D50-037A-4150-B892-F87C63A17878}" dt="2023-12-15T10:15:54.500" v="315" actId="14100"/>
+          <ac:spMkLst>
+            <pc:docMk/>
+            <pc:sldMk cId="4100619207" sldId="260"/>
+            <ac:spMk id="2" creationId="{303EFF36-1A3F-2040-A5A9-9E88B2D8FCDA}"/>
+          </ac:spMkLst>
+        </pc:spChg>
+        <pc:spChg chg="mod">
+          <ac:chgData name="Krasniqi Elion" userId="857f8377-6dbe-4852-98f8-6f907e234bfd" providerId="ADAL" clId="{2F125D50-037A-4150-B892-F87C63A17878}" dt="2023-12-15T10:16:34.651" v="366" actId="20577"/>
+          <ac:spMkLst>
+            <pc:docMk/>
+            <pc:sldMk cId="4100619207" sldId="260"/>
+            <ac:spMk id="3" creationId="{FE5318A0-B627-EE39-5D13-82124A74704B}"/>
+          </ac:spMkLst>
+        </pc:spChg>
+        <pc:picChg chg="add">
+          <ac:chgData name="Krasniqi Elion" userId="857f8377-6dbe-4852-98f8-6f907e234bfd" providerId="ADAL" clId="{2F125D50-037A-4150-B892-F87C63A17878}" dt="2023-12-15T10:15:07.756" v="314"/>
+          <ac:picMkLst>
+            <pc:docMk/>
+            <pc:sldMk cId="4100619207" sldId="260"/>
+            <ac:picMk id="2050" creationId="{949B8B60-BB81-DFD1-D032-47F8C107398A}"/>
+          </ac:picMkLst>
+        </pc:picChg>
+      </pc:sldChg>
+    </pc:docChg>
+  </pc:docChgLst>
+  <pc:docChgLst>
+    <pc:chgData name="Tanaskovic Vuk" userId="S::vuk.tanaskovic@edu.tbz.ch::1de608be-8b6d-4fe7-97b4-5f1694d1ad5a" providerId="AD" clId="Web-{89514790-007F-4812-AE83-0AF258DDE594}"/>
+    <pc:docChg chg="modSld sldOrd">
+      <pc:chgData name="Tanaskovic Vuk" userId="S::vuk.tanaskovic@edu.tbz.ch::1de608be-8b6d-4fe7-97b4-5f1694d1ad5a" providerId="AD" clId="Web-{89514790-007F-4812-AE83-0AF258DDE594}" dt="2023-12-15T10:17:24.747" v="27"/>
+      <pc:docMkLst>
+        <pc:docMk/>
+      </pc:docMkLst>
+      <pc:sldChg chg="modSp">
+        <pc:chgData name="Tanaskovic Vuk" userId="S::vuk.tanaskovic@edu.tbz.ch::1de608be-8b6d-4fe7-97b4-5f1694d1ad5a" providerId="AD" clId="Web-{89514790-007F-4812-AE83-0AF258DDE594}" dt="2023-12-15T10:12:54.896" v="9" actId="1076"/>
+        <pc:sldMkLst>
+          <pc:docMk/>
+          <pc:sldMk cId="663256495" sldId="256"/>
+        </pc:sldMkLst>
+        <pc:spChg chg="mod">
+          <ac:chgData name="Tanaskovic Vuk" userId="S::vuk.tanaskovic@edu.tbz.ch::1de608be-8b6d-4fe7-97b4-5f1694d1ad5a" providerId="AD" clId="Web-{89514790-007F-4812-AE83-0AF258DDE594}" dt="2023-12-15T10:12:54.896" v="9" actId="1076"/>
+          <ac:spMkLst>
+            <pc:docMk/>
+            <pc:sldMk cId="663256495" sldId="256"/>
+            <ac:spMk id="2" creationId="{77384F95-F416-0589-D9CE-E402145D7DB2}"/>
+          </ac:spMkLst>
+        </pc:spChg>
+        <pc:spChg chg="mod">
+          <ac:chgData name="Tanaskovic Vuk" userId="S::vuk.tanaskovic@edu.tbz.ch::1de608be-8b6d-4fe7-97b4-5f1694d1ad5a" providerId="AD" clId="Web-{89514790-007F-4812-AE83-0AF258DDE594}" dt="2023-12-15T10:12:10.145" v="6" actId="20577"/>
+          <ac:spMkLst>
+            <pc:docMk/>
+            <pc:sldMk cId="663256495" sldId="256"/>
+            <ac:spMk id="3" creationId="{DE2E5D2C-B0D3-EEDB-A2EB-17537B08C4D7}"/>
+          </ac:spMkLst>
+        </pc:spChg>
+      </pc:sldChg>
+      <pc:sldChg chg="addSp modSp mod setBg">
+        <pc:chgData name="Tanaskovic Vuk" userId="S::vuk.tanaskovic@edu.tbz.ch::1de608be-8b6d-4fe7-97b4-5f1694d1ad5a" providerId="AD" clId="Web-{89514790-007F-4812-AE83-0AF258DDE594}" dt="2023-12-15T10:13:38.413" v="10"/>
+        <pc:sldMkLst>
+          <pc:docMk/>
+          <pc:sldMk cId="2348188411" sldId="257"/>
+        </pc:sldMkLst>
+        <pc:spChg chg="mod">
+          <ac:chgData name="Tanaskovic Vuk" userId="S::vuk.tanaskovic@edu.tbz.ch::1de608be-8b6d-4fe7-97b4-5f1694d1ad5a" providerId="AD" clId="Web-{89514790-007F-4812-AE83-0AF258DDE594}" dt="2023-12-15T10:13:38.413" v="10"/>
+          <ac:spMkLst>
+            <pc:docMk/>
+            <pc:sldMk cId="2348188411" sldId="257"/>
+            <ac:spMk id="2" creationId="{9FFC64C8-7059-602E-A776-8DBDB254C056}"/>
+          </ac:spMkLst>
+        </pc:spChg>
+        <pc:spChg chg="mod">
+          <ac:chgData name="Tanaskovic Vuk" userId="S::vuk.tanaskovic@edu.tbz.ch::1de608be-8b6d-4fe7-97b4-5f1694d1ad5a" providerId="AD" clId="Web-{89514790-007F-4812-AE83-0AF258DDE594}" dt="2023-12-15T10:13:38.413" v="10"/>
+          <ac:spMkLst>
+            <pc:docMk/>
+            <pc:sldMk cId="2348188411" sldId="257"/>
+            <ac:spMk id="3" creationId="{20D99F67-7BE6-E432-A3A2-3A80C0EB9ECD}"/>
+          </ac:spMkLst>
+        </pc:spChg>
+        <pc:spChg chg="add">
+          <ac:chgData name="Tanaskovic Vuk" userId="S::vuk.tanaskovic@edu.tbz.ch::1de608be-8b6d-4fe7-97b4-5f1694d1ad5a" providerId="AD" clId="Web-{89514790-007F-4812-AE83-0AF258DDE594}" dt="2023-12-15T10:13:38.413" v="10"/>
+          <ac:spMkLst>
+            <pc:docMk/>
+            <pc:sldMk cId="2348188411" sldId="257"/>
+            <ac:spMk id="9" creationId="{C0763A76-9F1C-4FC5-82B7-DD475DA461B2}"/>
+          </ac:spMkLst>
+        </pc:spChg>
+        <pc:spChg chg="add">
+          <ac:chgData name="Tanaskovic Vuk" userId="S::vuk.tanaskovic@edu.tbz.ch::1de608be-8b6d-4fe7-97b4-5f1694d1ad5a" providerId="AD" clId="Web-{89514790-007F-4812-AE83-0AF258DDE594}" dt="2023-12-15T10:13:38.413" v="10"/>
+          <ac:spMkLst>
+            <pc:docMk/>
+            <pc:sldMk cId="2348188411" sldId="257"/>
+            <ac:spMk id="11" creationId="{E81BF4F6-F2CF-4984-9D14-D6966D92F99F}"/>
+          </ac:spMkLst>
+        </pc:spChg>
+        <pc:picChg chg="add">
+          <ac:chgData name="Tanaskovic Vuk" userId="S::vuk.tanaskovic@edu.tbz.ch::1de608be-8b6d-4fe7-97b4-5f1694d1ad5a" providerId="AD" clId="Web-{89514790-007F-4812-AE83-0AF258DDE594}" dt="2023-12-15T10:13:38.413" v="10"/>
+          <ac:picMkLst>
+            <pc:docMk/>
+            <pc:sldMk cId="2348188411" sldId="257"/>
+            <ac:picMk id="5" creationId="{90F8A56F-5C16-0C35-6AAD-D61C4B93F899}"/>
+          </ac:picMkLst>
+        </pc:picChg>
+      </pc:sldChg>
+      <pc:sldChg chg="addSp modSp mod setBg">
+        <pc:chgData name="Tanaskovic Vuk" userId="S::vuk.tanaskovic@edu.tbz.ch::1de608be-8b6d-4fe7-97b4-5f1694d1ad5a" providerId="AD" clId="Web-{89514790-007F-4812-AE83-0AF258DDE594}" dt="2023-12-15T10:14:32.649" v="17" actId="14100"/>
+        <pc:sldMkLst>
+          <pc:docMk/>
+          <pc:sldMk cId="980266862" sldId="258"/>
+        </pc:sldMkLst>
+        <pc:spChg chg="mod">
+          <ac:chgData name="Tanaskovic Vuk" userId="S::vuk.tanaskovic@edu.tbz.ch::1de608be-8b6d-4fe7-97b4-5f1694d1ad5a" providerId="AD" clId="Web-{89514790-007F-4812-AE83-0AF258DDE594}" dt="2023-12-15T10:14:13.617" v="16"/>
+          <ac:spMkLst>
+            <pc:docMk/>
+            <pc:sldMk cId="980266862" sldId="258"/>
+            <ac:spMk id="2" creationId="{3258E229-C486-D96C-FBBB-AC129B1FC8EE}"/>
+          </ac:spMkLst>
+        </pc:spChg>
+        <pc:spChg chg="mod">
+          <ac:chgData name="Tanaskovic Vuk" userId="S::vuk.tanaskovic@edu.tbz.ch::1de608be-8b6d-4fe7-97b4-5f1694d1ad5a" providerId="AD" clId="Web-{89514790-007F-4812-AE83-0AF258DDE594}" dt="2023-12-15T10:14:32.649" v="17" actId="14100"/>
+          <ac:spMkLst>
+            <pc:docMk/>
+            <pc:sldMk cId="980266862" sldId="258"/>
+            <ac:spMk id="3" creationId="{2BC30E9F-52E1-745F-8AE7-4D63C415B45A}"/>
+          </ac:spMkLst>
+        </pc:spChg>
+        <pc:spChg chg="add">
+          <ac:chgData name="Tanaskovic Vuk" userId="S::vuk.tanaskovic@edu.tbz.ch::1de608be-8b6d-4fe7-97b4-5f1694d1ad5a" providerId="AD" clId="Web-{89514790-007F-4812-AE83-0AF258DDE594}" dt="2023-12-15T10:14:13.617" v="16"/>
+          <ac:spMkLst>
+            <pc:docMk/>
+            <pc:sldMk cId="980266862" sldId="258"/>
+            <ac:spMk id="9" creationId="{C0763A76-9F1C-4FC5-82B7-DD475DA461B2}"/>
+          </ac:spMkLst>
+        </pc:spChg>
+        <pc:spChg chg="add">
+          <ac:chgData name="Tanaskovic Vuk" userId="S::vuk.tanaskovic@edu.tbz.ch::1de608be-8b6d-4fe7-97b4-5f1694d1ad5a" providerId="AD" clId="Web-{89514790-007F-4812-AE83-0AF258DDE594}" dt="2023-12-15T10:14:13.617" v="16"/>
+          <ac:spMkLst>
+            <pc:docMk/>
+            <pc:sldMk cId="980266862" sldId="258"/>
+            <ac:spMk id="11" creationId="{E81BF4F6-F2CF-4984-9D14-D6966D92F99F}"/>
+          </ac:spMkLst>
+        </pc:spChg>
+        <pc:picChg chg="add">
+          <ac:chgData name="Tanaskovic Vuk" userId="S::vuk.tanaskovic@edu.tbz.ch::1de608be-8b6d-4fe7-97b4-5f1694d1ad5a" providerId="AD" clId="Web-{89514790-007F-4812-AE83-0AF258DDE594}" dt="2023-12-15T10:14:13.617" v="16"/>
+          <ac:picMkLst>
+            <pc:docMk/>
+            <pc:sldMk cId="980266862" sldId="258"/>
+            <ac:picMk id="5" creationId="{2516A2E7-4C12-CC34-964E-DBFF9792D2EA}"/>
+          </ac:picMkLst>
+        </pc:picChg>
+      </pc:sldChg>
+      <pc:sldChg chg="addSp delSp modSp mod setBg">
+        <pc:chgData name="Tanaskovic Vuk" userId="S::vuk.tanaskovic@edu.tbz.ch::1de608be-8b6d-4fe7-97b4-5f1694d1ad5a" providerId="AD" clId="Web-{89514790-007F-4812-AE83-0AF258DDE594}" dt="2023-12-15T10:14:45.118" v="18"/>
+        <pc:sldMkLst>
+          <pc:docMk/>
+          <pc:sldMk cId="3112544847" sldId="259"/>
+        </pc:sldMkLst>
+        <pc:spChg chg="mod">
+          <ac:chgData name="Tanaskovic Vuk" userId="S::vuk.tanaskovic@edu.tbz.ch::1de608be-8b6d-4fe7-97b4-5f1694d1ad5a" providerId="AD" clId="Web-{89514790-007F-4812-AE83-0AF258DDE594}" dt="2023-12-15T10:14:45.118" v="18"/>
+          <ac:spMkLst>
+            <pc:docMk/>
+            <pc:sldMk cId="3112544847" sldId="259"/>
+            <ac:spMk id="2" creationId="{22033292-4990-DF40-35CB-4AE85F05DD1E}"/>
+          </ac:spMkLst>
+        </pc:spChg>
+        <pc:spChg chg="del">
+          <ac:chgData name="Tanaskovic Vuk" userId="S::vuk.tanaskovic@edu.tbz.ch::1de608be-8b6d-4fe7-97b4-5f1694d1ad5a" providerId="AD" clId="Web-{89514790-007F-4812-AE83-0AF258DDE594}" dt="2023-12-15T10:14:45.118" v="18"/>
+          <ac:spMkLst>
+            <pc:docMk/>
+            <pc:sldMk cId="3112544847" sldId="259"/>
+            <ac:spMk id="3" creationId="{13553D3D-267A-3D84-4E20-872ECCFDD634}"/>
+          </ac:spMkLst>
+        </pc:spChg>
+        <pc:spChg chg="add">
+          <ac:chgData name="Tanaskovic Vuk" userId="S::vuk.tanaskovic@edu.tbz.ch::1de608be-8b6d-4fe7-97b4-5f1694d1ad5a" providerId="AD" clId="Web-{89514790-007F-4812-AE83-0AF258DDE594}" dt="2023-12-15T10:14:45.118" v="18"/>
+          <ac:spMkLst>
+            <pc:docMk/>
+            <pc:sldMk cId="3112544847" sldId="259"/>
+            <ac:spMk id="10" creationId="{B50AB553-2A96-4A92-96F2-93548E096954}"/>
+          </ac:spMkLst>
+        </pc:spChg>
+        <pc:graphicFrameChg chg="add">
+          <ac:chgData name="Tanaskovic Vuk" userId="S::vuk.tanaskovic@edu.tbz.ch::1de608be-8b6d-4fe7-97b4-5f1694d1ad5a" providerId="AD" clId="Web-{89514790-007F-4812-AE83-0AF258DDE594}" dt="2023-12-15T10:14:45.118" v="18"/>
+          <ac:graphicFrameMkLst>
+            <pc:docMk/>
+            <pc:sldMk cId="3112544847" sldId="259"/>
+            <ac:graphicFrameMk id="5" creationId="{8E3CACCF-B231-4F2D-7BCC-3418509E1588}"/>
+          </ac:graphicFrameMkLst>
+        </pc:graphicFrameChg>
+        <pc:picChg chg="add">
+          <ac:chgData name="Tanaskovic Vuk" userId="S::vuk.tanaskovic@edu.tbz.ch::1de608be-8b6d-4fe7-97b4-5f1694d1ad5a" providerId="AD" clId="Web-{89514790-007F-4812-AE83-0AF258DDE594}" dt="2023-12-15T10:14:45.118" v="18"/>
+          <ac:picMkLst>
+            <pc:docMk/>
+            <pc:sldMk cId="3112544847" sldId="259"/>
+            <ac:picMk id="6" creationId="{65FB823D-7E75-BB23-A641-A87A828A6F55}"/>
+          </ac:picMkLst>
+        </pc:picChg>
+      </pc:sldChg>
+      <pc:sldChg chg="addSp delSp modSp mod ord setBg">
+        <pc:chgData name="Tanaskovic Vuk" userId="S::vuk.tanaskovic@edu.tbz.ch::1de608be-8b6d-4fe7-97b4-5f1694d1ad5a" providerId="AD" clId="Web-{89514790-007F-4812-AE83-0AF258DDE594}" dt="2023-12-15T10:17:24.747" v="27"/>
+        <pc:sldMkLst>
+          <pc:docMk/>
+          <pc:sldMk cId="4100619207" sldId="260"/>
+        </pc:sldMkLst>
+        <pc:spChg chg="mod ord">
+          <ac:chgData name="Tanaskovic Vuk" userId="S::vuk.tanaskovic@edu.tbz.ch::1de608be-8b6d-4fe7-97b4-5f1694d1ad5a" providerId="AD" clId="Web-{89514790-007F-4812-AE83-0AF258DDE594}" dt="2023-12-15T10:17:24.747" v="27"/>
+          <ac:spMkLst>
+            <pc:docMk/>
+            <pc:sldMk cId="4100619207" sldId="260"/>
+            <ac:spMk id="2" creationId="{303EFF36-1A3F-2040-A5A9-9E88B2D8FCDA}"/>
+          </ac:spMkLst>
+        </pc:spChg>
+        <pc:spChg chg="add del mod">
+          <ac:chgData name="Tanaskovic Vuk" userId="S::vuk.tanaskovic@edu.tbz.ch::1de608be-8b6d-4fe7-97b4-5f1694d1ad5a" providerId="AD" clId="Web-{89514790-007F-4812-AE83-0AF258DDE594}" dt="2023-12-15T10:17:14.684" v="26"/>
+          <ac:spMkLst>
+            <pc:docMk/>
+            <pc:sldMk cId="4100619207" sldId="260"/>
+            <ac:spMk id="3" creationId="{FE5318A0-B627-EE39-5D13-82124A74704B}"/>
+          </ac:spMkLst>
+        </pc:spChg>
+        <pc:spChg chg="add del">
+          <ac:chgData name="Tanaskovic Vuk" userId="S::vuk.tanaskovic@edu.tbz.ch::1de608be-8b6d-4fe7-97b4-5f1694d1ad5a" providerId="AD" clId="Web-{89514790-007F-4812-AE83-0AF258DDE594}" dt="2023-12-15T10:15:43.275" v="23"/>
+          <ac:spMkLst>
+            <pc:docMk/>
+            <pc:sldMk cId="4100619207" sldId="260"/>
+            <ac:spMk id="2055" creationId="{04C21BAE-6866-4C7A-A7EC-C1B2E572D5BE}"/>
+          </ac:spMkLst>
+        </pc:spChg>
+        <pc:spChg chg="add del">
+          <ac:chgData name="Tanaskovic Vuk" userId="S::vuk.tanaskovic@edu.tbz.ch::1de608be-8b6d-4fe7-97b4-5f1694d1ad5a" providerId="AD" clId="Web-{89514790-007F-4812-AE83-0AF258DDE594}" dt="2023-12-15T10:15:43.275" v="23"/>
+          <ac:spMkLst>
+            <pc:docMk/>
+            <pc:sldMk cId="4100619207" sldId="260"/>
+            <ac:spMk id="2057" creationId="{7E7D0C94-08B4-48AE-8813-CC4D60294F42}"/>
+          </ac:spMkLst>
+        </pc:spChg>
+        <pc:spChg chg="add del">
+          <ac:chgData name="Tanaskovic Vuk" userId="S::vuk.tanaskovic@edu.tbz.ch::1de608be-8b6d-4fe7-97b4-5f1694d1ad5a" providerId="AD" clId="Web-{89514790-007F-4812-AE83-0AF258DDE594}" dt="2023-12-15T10:15:43.275" v="23"/>
+          <ac:spMkLst>
+            <pc:docMk/>
+            <pc:sldMk cId="4100619207" sldId="260"/>
+            <ac:spMk id="2059" creationId="{F0C518C2-0AA4-470C-87B9-9CBF428FBA25}"/>
+          </ac:spMkLst>
+        </pc:spChg>
+        <pc:spChg chg="add del">
+          <ac:chgData name="Tanaskovic Vuk" userId="S::vuk.tanaskovic@edu.tbz.ch::1de608be-8b6d-4fe7-97b4-5f1694d1ad5a" providerId="AD" clId="Web-{89514790-007F-4812-AE83-0AF258DDE594}" dt="2023-12-15T10:17:14.684" v="26"/>
+          <ac:spMkLst>
+            <pc:docMk/>
+            <pc:sldMk cId="4100619207" sldId="260"/>
+            <ac:spMk id="2064" creationId="{04812C46-200A-4DEB-A05E-3ED6C68C2387}"/>
+          </ac:spMkLst>
+        </pc:spChg>
+        <pc:spChg chg="add del">
+          <ac:chgData name="Tanaskovic Vuk" userId="S::vuk.tanaskovic@edu.tbz.ch::1de608be-8b6d-4fe7-97b4-5f1694d1ad5a" providerId="AD" clId="Web-{89514790-007F-4812-AE83-0AF258DDE594}" dt="2023-12-15T10:17:14.684" v="26"/>
+          <ac:spMkLst>
+            <pc:docMk/>
+            <pc:sldMk cId="4100619207" sldId="260"/>
+            <ac:spMk id="2066" creationId="{D1EA859B-E555-4109-94F3-6700E046E008}"/>
+          </ac:spMkLst>
+        </pc:spChg>
+        <pc:spChg chg="add mod">
+          <ac:chgData name="Tanaskovic Vuk" userId="S::vuk.tanaskovic@edu.tbz.ch::1de608be-8b6d-4fe7-97b4-5f1694d1ad5a" providerId="AD" clId="Web-{89514790-007F-4812-AE83-0AF258DDE594}" dt="2023-12-15T10:17:24.747" v="27"/>
+          <ac:spMkLst>
+            <pc:docMk/>
+            <pc:sldMk cId="4100619207" sldId="260"/>
+            <ac:spMk id="2070" creationId="{FE5318A0-B627-EE39-5D13-82124A74704B}"/>
+          </ac:spMkLst>
+        </pc:spChg>
+        <pc:spChg chg="add">
+          <ac:chgData name="Tanaskovic Vuk" userId="S::vuk.tanaskovic@edu.tbz.ch::1de608be-8b6d-4fe7-97b4-5f1694d1ad5a" providerId="AD" clId="Web-{89514790-007F-4812-AE83-0AF258DDE594}" dt="2023-12-15T10:17:24.747" v="27"/>
+          <ac:spMkLst>
+            <pc:docMk/>
+            <pc:sldMk cId="4100619207" sldId="260"/>
+            <ac:spMk id="2078" creationId="{8181FC64-B306-4821-98E2-780662EFC486}"/>
+          </ac:spMkLst>
+        </pc:spChg>
+        <pc:spChg chg="add">
+          <ac:chgData name="Tanaskovic Vuk" userId="S::vuk.tanaskovic@edu.tbz.ch::1de608be-8b6d-4fe7-97b4-5f1694d1ad5a" providerId="AD" clId="Web-{89514790-007F-4812-AE83-0AF258DDE594}" dt="2023-12-15T10:17:24.747" v="27"/>
+          <ac:spMkLst>
+            <pc:docMk/>
+            <pc:sldMk cId="4100619207" sldId="260"/>
+            <ac:spMk id="2080" creationId="{5871FC61-DD4E-47D4-81FD-8A7E7D12B371}"/>
+          </ac:spMkLst>
+        </pc:spChg>
+        <pc:spChg chg="add">
+          <ac:chgData name="Tanaskovic Vuk" userId="S::vuk.tanaskovic@edu.tbz.ch::1de608be-8b6d-4fe7-97b4-5f1694d1ad5a" providerId="AD" clId="Web-{89514790-007F-4812-AE83-0AF258DDE594}" dt="2023-12-15T10:17:24.747" v="27"/>
+          <ac:spMkLst>
+            <pc:docMk/>
+            <pc:sldMk cId="4100619207" sldId="260"/>
+            <ac:spMk id="2082" creationId="{F9EC3F91-A75C-4F74-867E-E4C28C13546B}"/>
+          </ac:spMkLst>
+        </pc:spChg>
+        <pc:spChg chg="add">
+          <ac:chgData name="Tanaskovic Vuk" userId="S::vuk.tanaskovic@edu.tbz.ch::1de608be-8b6d-4fe7-97b4-5f1694d1ad5a" providerId="AD" clId="Web-{89514790-007F-4812-AE83-0AF258DDE594}" dt="2023-12-15T10:17:24.747" v="27"/>
+          <ac:spMkLst>
+            <pc:docMk/>
+            <pc:sldMk cId="4100619207" sldId="260"/>
+            <ac:spMk id="2084" creationId="{829A1E2C-5AC8-40FC-99E9-832069D39792}"/>
+          </ac:spMkLst>
+        </pc:spChg>
+        <pc:grpChg chg="add del">
+          <ac:chgData name="Tanaskovic Vuk" userId="S::vuk.tanaskovic@edu.tbz.ch::1de608be-8b6d-4fe7-97b4-5f1694d1ad5a" providerId="AD" clId="Web-{89514790-007F-4812-AE83-0AF258DDE594}" dt="2023-12-15T10:17:24.747" v="27"/>
+          <ac:grpSpMkLst>
+            <pc:docMk/>
+            <pc:sldMk cId="4100619207" sldId="260"/>
+            <ac:grpSpMk id="2071" creationId="{5EFBDE31-BB3E-6CFC-23CD-B5976DA38438}"/>
+          </ac:grpSpMkLst>
+        </pc:grpChg>
+        <pc:graphicFrameChg chg="add del">
+          <ac:chgData name="Tanaskovic Vuk" userId="S::vuk.tanaskovic@edu.tbz.ch::1de608be-8b6d-4fe7-97b4-5f1694d1ad5a" providerId="AD" clId="Web-{89514790-007F-4812-AE83-0AF258DDE594}" dt="2023-12-15T10:17:14.684" v="25"/>
+          <ac:graphicFrameMkLst>
+            <pc:docMk/>
+            <pc:sldMk cId="4100619207" sldId="260"/>
+            <ac:graphicFrameMk id="2068" creationId="{6C02DCB9-E24B-466A-2C7B-5190DE1C3A72}"/>
+          </ac:graphicFrameMkLst>
+        </pc:graphicFrameChg>
+        <pc:picChg chg="mod ord">
+          <ac:chgData name="Tanaskovic Vuk" userId="S::vuk.tanaskovic@edu.tbz.ch::1de608be-8b6d-4fe7-97b4-5f1694d1ad5a" providerId="AD" clId="Web-{89514790-007F-4812-AE83-0AF258DDE594}" dt="2023-12-15T10:17:24.747" v="27"/>
+          <ac:picMkLst>
+            <pc:docMk/>
+            <pc:sldMk cId="4100619207" sldId="260"/>
+            <ac:picMk id="2050" creationId="{949B8B60-BB81-DFD1-D032-47F8C107398A}"/>
+          </ac:picMkLst>
+        </pc:picChg>
+      </pc:sldChg>
+    </pc:docChg>
+  </pc:docChgLst>
   <pc:docChgLst>
     <pc:chgData name="Grüter Lukas" userId="e1723727-ff1e-422f-b9b7-0a2b54b2edbd" providerId="ADAL" clId="{36DB5991-2742-4C46-BFC5-7789A400B117}"/>
     <pc:docChg chg="addSld modSld">
@@ -133,7 +699,2877 @@
       </pc:sldChg>
     </pc:docChg>
   </pc:docChgLst>
+  <pc:docChgLst>
+    <pc:chgData name="Grüter Lukas" userId="e1723727-ff1e-422f-b9b7-0a2b54b2edbd" providerId="ADAL" clId="{833E5A1F-2F23-4009-A644-D54E15396C46}"/>
+    <pc:docChg chg="custSel addSld modSld">
+      <pc:chgData name="Grüter Lukas" userId="e1723727-ff1e-422f-b9b7-0a2b54b2edbd" providerId="ADAL" clId="{833E5A1F-2F23-4009-A644-D54E15396C46}" dt="2023-12-15T10:18:25.430" v="1020" actId="26606"/>
+      <pc:docMkLst>
+        <pc:docMk/>
+      </pc:docMkLst>
+      <pc:sldChg chg="modSp mod">
+        <pc:chgData name="Grüter Lukas" userId="e1723727-ff1e-422f-b9b7-0a2b54b2edbd" providerId="ADAL" clId="{833E5A1F-2F23-4009-A644-D54E15396C46}" dt="2023-12-15T10:07:13.772" v="3" actId="20577"/>
+        <pc:sldMkLst>
+          <pc:docMk/>
+          <pc:sldMk cId="663256495" sldId="256"/>
+        </pc:sldMkLst>
+        <pc:spChg chg="mod">
+          <ac:chgData name="Grüter Lukas" userId="e1723727-ff1e-422f-b9b7-0a2b54b2edbd" providerId="ADAL" clId="{833E5A1F-2F23-4009-A644-D54E15396C46}" dt="2023-12-15T10:07:13.772" v="3" actId="20577"/>
+          <ac:spMkLst>
+            <pc:docMk/>
+            <pc:sldMk cId="663256495" sldId="256"/>
+            <ac:spMk id="2" creationId="{77384F95-F416-0589-D9CE-E402145D7DB2}"/>
+          </ac:spMkLst>
+        </pc:spChg>
+      </pc:sldChg>
+      <pc:sldChg chg="modSp new mod">
+        <pc:chgData name="Grüter Lukas" userId="e1723727-ff1e-422f-b9b7-0a2b54b2edbd" providerId="ADAL" clId="{833E5A1F-2F23-4009-A644-D54E15396C46}" dt="2023-12-15T10:13:10.736" v="546" actId="20577"/>
+        <pc:sldMkLst>
+          <pc:docMk/>
+          <pc:sldMk cId="2348188411" sldId="257"/>
+        </pc:sldMkLst>
+        <pc:spChg chg="mod">
+          <ac:chgData name="Grüter Lukas" userId="e1723727-ff1e-422f-b9b7-0a2b54b2edbd" providerId="ADAL" clId="{833E5A1F-2F23-4009-A644-D54E15396C46}" dt="2023-12-15T10:07:56.269" v="18" actId="20577"/>
+          <ac:spMkLst>
+            <pc:docMk/>
+            <pc:sldMk cId="2348188411" sldId="257"/>
+            <ac:spMk id="2" creationId="{9FFC64C8-7059-602E-A776-8DBDB254C056}"/>
+          </ac:spMkLst>
+        </pc:spChg>
+        <pc:spChg chg="mod">
+          <ac:chgData name="Grüter Lukas" userId="e1723727-ff1e-422f-b9b7-0a2b54b2edbd" providerId="ADAL" clId="{833E5A1F-2F23-4009-A644-D54E15396C46}" dt="2023-12-15T10:13:10.736" v="546" actId="20577"/>
+          <ac:spMkLst>
+            <pc:docMk/>
+            <pc:sldMk cId="2348188411" sldId="257"/>
+            <ac:spMk id="3" creationId="{20D99F67-7BE6-E432-A3A2-3A80C0EB9ECD}"/>
+          </ac:spMkLst>
+        </pc:spChg>
+      </pc:sldChg>
+      <pc:sldChg chg="modSp new mod">
+        <pc:chgData name="Grüter Lukas" userId="e1723727-ff1e-422f-b9b7-0a2b54b2edbd" providerId="ADAL" clId="{833E5A1F-2F23-4009-A644-D54E15396C46}" dt="2023-12-15T10:15:35.884" v="785" actId="20577"/>
+        <pc:sldMkLst>
+          <pc:docMk/>
+          <pc:sldMk cId="980266862" sldId="258"/>
+        </pc:sldMkLst>
+        <pc:spChg chg="mod">
+          <ac:chgData name="Grüter Lukas" userId="e1723727-ff1e-422f-b9b7-0a2b54b2edbd" providerId="ADAL" clId="{833E5A1F-2F23-4009-A644-D54E15396C46}" dt="2023-12-15T10:10:40.144" v="275" actId="20577"/>
+          <ac:spMkLst>
+            <pc:docMk/>
+            <pc:sldMk cId="980266862" sldId="258"/>
+            <ac:spMk id="2" creationId="{3258E229-C486-D96C-FBBB-AC129B1FC8EE}"/>
+          </ac:spMkLst>
+        </pc:spChg>
+        <pc:spChg chg="mod">
+          <ac:chgData name="Grüter Lukas" userId="e1723727-ff1e-422f-b9b7-0a2b54b2edbd" providerId="ADAL" clId="{833E5A1F-2F23-4009-A644-D54E15396C46}" dt="2023-12-15T10:15:35.884" v="785" actId="20577"/>
+          <ac:spMkLst>
+            <pc:docMk/>
+            <pc:sldMk cId="980266862" sldId="258"/>
+            <ac:spMk id="3" creationId="{2BC30E9F-52E1-745F-8AE7-4D63C415B45A}"/>
+          </ac:spMkLst>
+        </pc:spChg>
+      </pc:sldChg>
+      <pc:sldChg chg="modSp new mod">
+        <pc:chgData name="Grüter Lukas" userId="e1723727-ff1e-422f-b9b7-0a2b54b2edbd" providerId="ADAL" clId="{833E5A1F-2F23-4009-A644-D54E15396C46}" dt="2023-12-15T10:14:18.328" v="629" actId="20577"/>
+        <pc:sldMkLst>
+          <pc:docMk/>
+          <pc:sldMk cId="3112544847" sldId="259"/>
+        </pc:sldMkLst>
+        <pc:spChg chg="mod">
+          <ac:chgData name="Grüter Lukas" userId="e1723727-ff1e-422f-b9b7-0a2b54b2edbd" providerId="ADAL" clId="{833E5A1F-2F23-4009-A644-D54E15396C46}" dt="2023-12-15T10:13:43.510" v="558" actId="20577"/>
+          <ac:spMkLst>
+            <pc:docMk/>
+            <pc:sldMk cId="3112544847" sldId="259"/>
+            <ac:spMk id="2" creationId="{22033292-4990-DF40-35CB-4AE85F05DD1E}"/>
+          </ac:spMkLst>
+        </pc:spChg>
+        <pc:spChg chg="mod">
+          <ac:chgData name="Grüter Lukas" userId="e1723727-ff1e-422f-b9b7-0a2b54b2edbd" providerId="ADAL" clId="{833E5A1F-2F23-4009-A644-D54E15396C46}" dt="2023-12-15T10:14:18.328" v="629" actId="20577"/>
+          <ac:spMkLst>
+            <pc:docMk/>
+            <pc:sldMk cId="3112544847" sldId="259"/>
+            <ac:spMk id="3" creationId="{13553D3D-267A-3D84-4E20-872ECCFDD634}"/>
+          </ac:spMkLst>
+        </pc:spChg>
+      </pc:sldChg>
+      <pc:sldChg chg="addSp modSp new mod setBg">
+        <pc:chgData name="Grüter Lukas" userId="e1723727-ff1e-422f-b9b7-0a2b54b2edbd" providerId="ADAL" clId="{833E5A1F-2F23-4009-A644-D54E15396C46}" dt="2023-12-15T10:18:25.430" v="1020" actId="26606"/>
+        <pc:sldMkLst>
+          <pc:docMk/>
+          <pc:sldMk cId="1108453538" sldId="261"/>
+        </pc:sldMkLst>
+        <pc:spChg chg="mod">
+          <ac:chgData name="Grüter Lukas" userId="e1723727-ff1e-422f-b9b7-0a2b54b2edbd" providerId="ADAL" clId="{833E5A1F-2F23-4009-A644-D54E15396C46}" dt="2023-12-15T10:18:25.430" v="1020" actId="26606"/>
+          <ac:spMkLst>
+            <pc:docMk/>
+            <pc:sldMk cId="1108453538" sldId="261"/>
+            <ac:spMk id="2" creationId="{DD7DADCC-D7CC-2DFA-058C-C31D573D9629}"/>
+          </ac:spMkLst>
+        </pc:spChg>
+        <pc:spChg chg="mod">
+          <ac:chgData name="Grüter Lukas" userId="e1723727-ff1e-422f-b9b7-0a2b54b2edbd" providerId="ADAL" clId="{833E5A1F-2F23-4009-A644-D54E15396C46}" dt="2023-12-15T10:18:25.430" v="1020" actId="26606"/>
+          <ac:spMkLst>
+            <pc:docMk/>
+            <pc:sldMk cId="1108453538" sldId="261"/>
+            <ac:spMk id="3" creationId="{D0D59446-0FB1-B132-667C-43E58B18BB14}"/>
+          </ac:spMkLst>
+        </pc:spChg>
+        <pc:spChg chg="add">
+          <ac:chgData name="Grüter Lukas" userId="e1723727-ff1e-422f-b9b7-0a2b54b2edbd" providerId="ADAL" clId="{833E5A1F-2F23-4009-A644-D54E15396C46}" dt="2023-12-15T10:18:25.430" v="1020" actId="26606"/>
+          <ac:spMkLst>
+            <pc:docMk/>
+            <pc:sldMk cId="1108453538" sldId="261"/>
+            <ac:spMk id="9" creationId="{C0763A76-9F1C-4FC5-82B7-DD475DA461B2}"/>
+          </ac:spMkLst>
+        </pc:spChg>
+        <pc:spChg chg="add">
+          <ac:chgData name="Grüter Lukas" userId="e1723727-ff1e-422f-b9b7-0a2b54b2edbd" providerId="ADAL" clId="{833E5A1F-2F23-4009-A644-D54E15396C46}" dt="2023-12-15T10:18:25.430" v="1020" actId="26606"/>
+          <ac:spMkLst>
+            <pc:docMk/>
+            <pc:sldMk cId="1108453538" sldId="261"/>
+            <ac:spMk id="11" creationId="{E81BF4F6-F2CF-4984-9D14-D6966D92F99F}"/>
+          </ac:spMkLst>
+        </pc:spChg>
+        <pc:picChg chg="add">
+          <ac:chgData name="Grüter Lukas" userId="e1723727-ff1e-422f-b9b7-0a2b54b2edbd" providerId="ADAL" clId="{833E5A1F-2F23-4009-A644-D54E15396C46}" dt="2023-12-15T10:18:25.430" v="1020" actId="26606"/>
+          <ac:picMkLst>
+            <pc:docMk/>
+            <pc:sldMk cId="1108453538" sldId="261"/>
+            <ac:picMk id="5" creationId="{011F414B-376A-8DA5-6C2F-C62B5F17B788}"/>
+          </ac:picMkLst>
+        </pc:picChg>
+      </pc:sldChg>
+    </pc:docChg>
+  </pc:docChgLst>
 </pc:chgInfo>
+</file>
+
+<file path=ppt/diagrams/colors1.xml><?xml version="1.0" encoding="utf-8"?>
+<dgm:colorsDef xmlns:dgm="http://schemas.openxmlformats.org/drawingml/2006/diagram" xmlns:a="http://schemas.openxmlformats.org/drawingml/2006/main" uniqueId="urn:microsoft.com/office/officeart/2005/8/colors/colorful5">
+  <dgm:title val=""/>
+  <dgm:desc val=""/>
+  <dgm:catLst>
+    <dgm:cat type="colorful" pri="10500"/>
+  </dgm:catLst>
+  <dgm:styleLbl name="node0">
+    <dgm:fillClrLst meth="repeat">
+      <a:schemeClr val="accent4"/>
+    </dgm:fillClrLst>
+    <dgm:linClrLst meth="repeat">
+      <a:schemeClr val="lt1"/>
+    </dgm:linClrLst>
+    <dgm:effectClrLst/>
+    <dgm:txLinClrLst/>
+    <dgm:txFillClrLst/>
+    <dgm:txEffectClrLst/>
+  </dgm:styleLbl>
+  <dgm:styleLbl name="node1">
+    <dgm:fillClrLst>
+      <a:schemeClr val="accent5"/>
+      <a:schemeClr val="accent6"/>
+    </dgm:fillClrLst>
+    <dgm:linClrLst meth="repeat">
+      <a:schemeClr val="lt1"/>
+    </dgm:linClrLst>
+    <dgm:effectClrLst/>
+    <dgm:txLinClrLst/>
+    <dgm:txFillClrLst/>
+    <dgm:txEffectClrLst/>
+  </dgm:styleLbl>
+  <dgm:styleLbl name="alignNode1">
+    <dgm:fillClrLst>
+      <a:schemeClr val="accent5"/>
+      <a:schemeClr val="accent6"/>
+    </dgm:fillClrLst>
+    <dgm:linClrLst>
+      <a:schemeClr val="accent5"/>
+      <a:schemeClr val="accent6"/>
+    </dgm:linClrLst>
+    <dgm:effectClrLst/>
+    <dgm:txLinClrLst/>
+    <dgm:txFillClrLst/>
+    <dgm:txEffectClrLst/>
+  </dgm:styleLbl>
+  <dgm:styleLbl name="lnNode1">
+    <dgm:fillClrLst>
+      <a:schemeClr val="accent5"/>
+      <a:schemeClr val="accent6"/>
+    </dgm:fillClrLst>
+    <dgm:linClrLst meth="repeat">
+      <a:schemeClr val="lt1"/>
+    </dgm:linClrLst>
+    <dgm:effectClrLst/>
+    <dgm:txLinClrLst/>
+    <dgm:txFillClrLst/>
+    <dgm:txEffectClrLst/>
+  </dgm:styleLbl>
+  <dgm:styleLbl name="vennNode1">
+    <dgm:fillClrLst>
+      <a:schemeClr val="accent5">
+        <a:alpha val="50000"/>
+      </a:schemeClr>
+      <a:schemeClr val="accent6">
+        <a:alpha val="50000"/>
+      </a:schemeClr>
+    </dgm:fillClrLst>
+    <dgm:linClrLst meth="repeat">
+      <a:schemeClr val="lt1"/>
+    </dgm:linClrLst>
+    <dgm:effectClrLst/>
+    <dgm:txLinClrLst/>
+    <dgm:txFillClrLst/>
+    <dgm:txEffectClrLst/>
+  </dgm:styleLbl>
+  <dgm:styleLbl name="node2">
+    <dgm:fillClrLst>
+      <a:schemeClr val="accent6"/>
+    </dgm:fillClrLst>
+    <dgm:linClrLst meth="repeat">
+      <a:schemeClr val="lt1"/>
+    </dgm:linClrLst>
+    <dgm:effectClrLst/>
+    <dgm:txLinClrLst/>
+    <dgm:txFillClrLst/>
+    <dgm:txEffectClrLst/>
+  </dgm:styleLbl>
+  <dgm:styleLbl name="node3">
+    <dgm:fillClrLst>
+      <a:schemeClr val="accent1"/>
+    </dgm:fillClrLst>
+    <dgm:linClrLst meth="repeat">
+      <a:schemeClr val="lt1"/>
+    </dgm:linClrLst>
+    <dgm:effectClrLst/>
+    <dgm:txLinClrLst/>
+    <dgm:txFillClrLst/>
+    <dgm:txEffectClrLst/>
+  </dgm:styleLbl>
+  <dgm:styleLbl name="node4">
+    <dgm:fillClrLst>
+      <a:schemeClr val="accent2"/>
+    </dgm:fillClrLst>
+    <dgm:linClrLst meth="repeat">
+      <a:schemeClr val="lt1"/>
+    </dgm:linClrLst>
+    <dgm:effectClrLst/>
+    <dgm:txLinClrLst/>
+    <dgm:txFillClrLst/>
+    <dgm:txEffectClrLst/>
+  </dgm:styleLbl>
+  <dgm:styleLbl name="fgImgPlace1">
+    <dgm:fillClrLst>
+      <a:schemeClr val="accent5">
+        <a:tint val="50000"/>
+      </a:schemeClr>
+      <a:schemeClr val="accent6">
+        <a:tint val="50000"/>
+      </a:schemeClr>
+    </dgm:fillClrLst>
+    <dgm:linClrLst meth="repeat">
+      <a:schemeClr val="lt1"/>
+    </dgm:linClrLst>
+    <dgm:effectClrLst/>
+    <dgm:txLinClrLst/>
+    <dgm:txFillClrLst meth="repeat">
+      <a:schemeClr val="lt1"/>
+    </dgm:txFillClrLst>
+    <dgm:txEffectClrLst/>
+  </dgm:styleLbl>
+  <dgm:styleLbl name="alignImgPlace1">
+    <dgm:fillClrLst>
+      <a:schemeClr val="accent5">
+        <a:tint val="50000"/>
+      </a:schemeClr>
+      <a:schemeClr val="accent6">
+        <a:tint val="20000"/>
+      </a:schemeClr>
+    </dgm:fillClrLst>
+    <dgm:linClrLst meth="repeat">
+      <a:schemeClr val="lt1"/>
+    </dgm:linClrLst>
+    <dgm:effectClrLst/>
+    <dgm:txLinClrLst/>
+    <dgm:txFillClrLst meth="repeat">
+      <a:schemeClr val="lt1"/>
+    </dgm:txFillClrLst>
+    <dgm:txEffectClrLst/>
+  </dgm:styleLbl>
+  <dgm:styleLbl name="bgImgPlace1">
+    <dgm:fillClrLst>
+      <a:schemeClr val="accent5">
+        <a:tint val="50000"/>
+      </a:schemeClr>
+      <a:schemeClr val="accent6">
+        <a:tint val="20000"/>
+      </a:schemeClr>
+    </dgm:fillClrLst>
+    <dgm:linClrLst meth="repeat">
+      <a:schemeClr val="lt1"/>
+    </dgm:linClrLst>
+    <dgm:effectClrLst/>
+    <dgm:txLinClrLst/>
+    <dgm:txFillClrLst meth="repeat">
+      <a:schemeClr val="lt1"/>
+    </dgm:txFillClrLst>
+    <dgm:txEffectClrLst/>
+  </dgm:styleLbl>
+  <dgm:styleLbl name="sibTrans2D1">
+    <dgm:fillClrLst>
+      <a:schemeClr val="accent5"/>
+      <a:schemeClr val="accent6"/>
+    </dgm:fillClrLst>
+    <dgm:linClrLst meth="repeat">
+      <a:schemeClr val="lt1"/>
+    </dgm:linClrLst>
+    <dgm:effectClrLst/>
+    <dgm:txLinClrLst/>
+    <dgm:txFillClrLst/>
+    <dgm:txEffectClrLst/>
+  </dgm:styleLbl>
+  <dgm:styleLbl name="fgSibTrans2D1">
+    <dgm:fillClrLst>
+      <a:schemeClr val="accent5"/>
+      <a:schemeClr val="accent6"/>
+    </dgm:fillClrLst>
+    <dgm:linClrLst meth="repeat">
+      <a:schemeClr val="lt1"/>
+    </dgm:linClrLst>
+    <dgm:effectClrLst/>
+    <dgm:txLinClrLst/>
+    <dgm:txFillClrLst meth="repeat">
+      <a:schemeClr val="lt1"/>
+    </dgm:txFillClrLst>
+    <dgm:txEffectClrLst/>
+  </dgm:styleLbl>
+  <dgm:styleLbl name="bgSibTrans2D1">
+    <dgm:fillClrLst>
+      <a:schemeClr val="accent5"/>
+      <a:schemeClr val="accent6"/>
+    </dgm:fillClrLst>
+    <dgm:linClrLst meth="repeat">
+      <a:schemeClr val="lt1"/>
+    </dgm:linClrLst>
+    <dgm:effectClrLst/>
+    <dgm:txLinClrLst/>
+    <dgm:txFillClrLst meth="repeat">
+      <a:schemeClr val="lt1"/>
+    </dgm:txFillClrLst>
+    <dgm:txEffectClrLst/>
+  </dgm:styleLbl>
+  <dgm:styleLbl name="sibTrans1D1">
+    <dgm:fillClrLst/>
+    <dgm:linClrLst>
+      <a:schemeClr val="accent5"/>
+      <a:schemeClr val="accent6"/>
+    </dgm:linClrLst>
+    <dgm:effectClrLst/>
+    <dgm:txLinClrLst/>
+    <dgm:txFillClrLst meth="repeat">
+      <a:schemeClr val="tx1"/>
+    </dgm:txFillClrLst>
+    <dgm:txEffectClrLst/>
+  </dgm:styleLbl>
+  <dgm:styleLbl name="callout">
+    <dgm:fillClrLst meth="repeat">
+      <a:schemeClr val="accent5"/>
+    </dgm:fillClrLst>
+    <dgm:linClrLst meth="repeat">
+      <a:schemeClr val="accent5">
+        <a:tint val="50000"/>
+      </a:schemeClr>
+    </dgm:linClrLst>
+    <dgm:effectClrLst/>
+    <dgm:txLinClrLst/>
+    <dgm:txFillClrLst meth="repeat">
+      <a:schemeClr val="tx1"/>
+    </dgm:txFillClrLst>
+    <dgm:txEffectClrLst/>
+  </dgm:styleLbl>
+  <dgm:styleLbl name="asst0">
+    <dgm:fillClrLst meth="repeat">
+      <a:schemeClr val="accent5"/>
+    </dgm:fillClrLst>
+    <dgm:linClrLst meth="repeat">
+      <a:schemeClr val="lt1">
+        <a:shade val="80000"/>
+      </a:schemeClr>
+    </dgm:linClrLst>
+    <dgm:effectClrLst/>
+    <dgm:txLinClrLst/>
+    <dgm:txFillClrLst/>
+    <dgm:txEffectClrLst/>
+  </dgm:styleLbl>
+  <dgm:styleLbl name="asst1">
+    <dgm:fillClrLst meth="repeat">
+      <a:schemeClr val="accent6"/>
+    </dgm:fillClrLst>
+    <dgm:linClrLst meth="repeat">
+      <a:schemeClr val="lt1">
+        <a:shade val="80000"/>
+      </a:schemeClr>
+    </dgm:linClrLst>
+    <dgm:effectClrLst/>
+    <dgm:txLinClrLst/>
+    <dgm:txFillClrLst/>
+    <dgm:txEffectClrLst/>
+  </dgm:styleLbl>
+  <dgm:styleLbl name="asst2">
+    <dgm:fillClrLst>
+      <a:schemeClr val="accent1"/>
+    </dgm:fillClrLst>
+    <dgm:linClrLst meth="repeat">
+      <a:schemeClr val="lt1"/>
+    </dgm:linClrLst>
+    <dgm:effectClrLst/>
+    <dgm:txLinClrLst/>
+    <dgm:txFillClrLst/>
+    <dgm:txEffectClrLst/>
+  </dgm:styleLbl>
+  <dgm:styleLbl name="asst3">
+    <dgm:fillClrLst>
+      <a:schemeClr val="accent2"/>
+    </dgm:fillClrLst>
+    <dgm:linClrLst meth="repeat">
+      <a:schemeClr val="lt1"/>
+    </dgm:linClrLst>
+    <dgm:effectClrLst/>
+    <dgm:txLinClrLst/>
+    <dgm:txFillClrLst/>
+    <dgm:txEffectClrLst/>
+  </dgm:styleLbl>
+  <dgm:styleLbl name="asst4">
+    <dgm:fillClrLst>
+      <a:schemeClr val="accent3"/>
+    </dgm:fillClrLst>
+    <dgm:linClrLst meth="repeat">
+      <a:schemeClr val="lt1"/>
+    </dgm:linClrLst>
+    <dgm:effectClrLst/>
+    <dgm:txLinClrLst/>
+    <dgm:txFillClrLst/>
+    <dgm:txEffectClrLst/>
+  </dgm:styleLbl>
+  <dgm:styleLbl name="parChTrans2D1">
+    <dgm:fillClrLst meth="repeat">
+      <a:schemeClr val="accent5"/>
+    </dgm:fillClrLst>
+    <dgm:linClrLst meth="repeat">
+      <a:schemeClr val="lt1"/>
+    </dgm:linClrLst>
+    <dgm:effectClrLst/>
+    <dgm:txLinClrLst/>
+    <dgm:txFillClrLst meth="repeat">
+      <a:schemeClr val="lt1"/>
+    </dgm:txFillClrLst>
+    <dgm:txEffectClrLst/>
+  </dgm:styleLbl>
+  <dgm:styleLbl name="parChTrans2D2">
+    <dgm:fillClrLst meth="repeat">
+      <a:schemeClr val="accent6"/>
+    </dgm:fillClrLst>
+    <dgm:linClrLst meth="repeat">
+      <a:schemeClr val="lt1"/>
+    </dgm:linClrLst>
+    <dgm:effectClrLst/>
+    <dgm:txLinClrLst/>
+    <dgm:txFillClrLst/>
+    <dgm:txEffectClrLst/>
+  </dgm:styleLbl>
+  <dgm:styleLbl name="parChTrans2D3">
+    <dgm:fillClrLst meth="repeat">
+      <a:schemeClr val="accent6"/>
+    </dgm:fillClrLst>
+    <dgm:linClrLst meth="repeat">
+      <a:schemeClr val="lt1"/>
+    </dgm:linClrLst>
+    <dgm:effectClrLst/>
+    <dgm:txLinClrLst/>
+    <dgm:txFillClrLst/>
+    <dgm:txEffectClrLst/>
+  </dgm:styleLbl>
+  <dgm:styleLbl name="parChTrans2D4">
+    <dgm:fillClrLst meth="repeat">
+      <a:schemeClr val="accent1"/>
+    </dgm:fillClrLst>
+    <dgm:linClrLst meth="repeat">
+      <a:schemeClr val="lt1"/>
+    </dgm:linClrLst>
+    <dgm:effectClrLst/>
+    <dgm:txLinClrLst/>
+    <dgm:txFillClrLst meth="repeat">
+      <a:schemeClr val="lt1"/>
+    </dgm:txFillClrLst>
+    <dgm:txEffectClrLst/>
+  </dgm:styleLbl>
+  <dgm:styleLbl name="parChTrans1D1">
+    <dgm:fillClrLst meth="repeat">
+      <a:schemeClr val="accent5"/>
+    </dgm:fillClrLst>
+    <dgm:linClrLst meth="repeat">
+      <a:schemeClr val="accent5"/>
+    </dgm:linClrLst>
+    <dgm:effectClrLst/>
+    <dgm:txLinClrLst/>
+    <dgm:txFillClrLst meth="repeat">
+      <a:schemeClr val="tx1"/>
+    </dgm:txFillClrLst>
+    <dgm:txEffectClrLst/>
+  </dgm:styleLbl>
+  <dgm:styleLbl name="parChTrans1D2">
+    <dgm:fillClrLst meth="repeat">
+      <a:schemeClr val="accent6">
+        <a:tint val="90000"/>
+      </a:schemeClr>
+    </dgm:fillClrLst>
+    <dgm:linClrLst meth="repeat">
+      <a:schemeClr val="accent6"/>
+    </dgm:linClrLst>
+    <dgm:effectClrLst/>
+    <dgm:txLinClrLst/>
+    <dgm:txFillClrLst meth="repeat">
+      <a:schemeClr val="tx1"/>
+    </dgm:txFillClrLst>
+    <dgm:txEffectClrLst/>
+  </dgm:styleLbl>
+  <dgm:styleLbl name="parChTrans1D3">
+    <dgm:fillClrLst meth="repeat">
+      <a:schemeClr val="accent6">
+        <a:tint val="70000"/>
+      </a:schemeClr>
+    </dgm:fillClrLst>
+    <dgm:linClrLst meth="repeat">
+      <a:schemeClr val="accent1"/>
+    </dgm:linClrLst>
+    <dgm:effectClrLst/>
+    <dgm:txLinClrLst/>
+    <dgm:txFillClrLst meth="repeat">
+      <a:schemeClr val="tx1"/>
+    </dgm:txFillClrLst>
+    <dgm:txEffectClrLst/>
+  </dgm:styleLbl>
+  <dgm:styleLbl name="parChTrans1D4">
+    <dgm:fillClrLst meth="repeat">
+      <a:schemeClr val="accent6">
+        <a:tint val="50000"/>
+      </a:schemeClr>
+    </dgm:fillClrLst>
+    <dgm:linClrLst meth="repeat">
+      <a:schemeClr val="accent2"/>
+    </dgm:linClrLst>
+    <dgm:effectClrLst/>
+    <dgm:txLinClrLst/>
+    <dgm:txFillClrLst meth="repeat">
+      <a:schemeClr val="tx1"/>
+    </dgm:txFillClrLst>
+    <dgm:txEffectClrLst/>
+  </dgm:styleLbl>
+  <dgm:styleLbl name="fgAcc1">
+    <dgm:fillClrLst meth="repeat">
+      <a:schemeClr val="lt1">
+        <a:alpha val="90000"/>
+      </a:schemeClr>
+    </dgm:fillClrLst>
+    <dgm:linClrLst>
+      <a:schemeClr val="accent5"/>
+      <a:schemeClr val="accent6"/>
+    </dgm:linClrLst>
+    <dgm:effectClrLst/>
+    <dgm:txLinClrLst/>
+    <dgm:txFillClrLst meth="repeat">
+      <a:schemeClr val="dk1"/>
+    </dgm:txFillClrLst>
+    <dgm:txEffectClrLst/>
+  </dgm:styleLbl>
+  <dgm:styleLbl name="conFgAcc1">
+    <dgm:fillClrLst meth="repeat">
+      <a:schemeClr val="lt1">
+        <a:alpha val="90000"/>
+      </a:schemeClr>
+    </dgm:fillClrLst>
+    <dgm:linClrLst>
+      <a:schemeClr val="accent5"/>
+      <a:schemeClr val="accent6"/>
+    </dgm:linClrLst>
+    <dgm:effectClrLst/>
+    <dgm:txLinClrLst/>
+    <dgm:txFillClrLst meth="repeat">
+      <a:schemeClr val="dk1"/>
+    </dgm:txFillClrLst>
+    <dgm:txEffectClrLst/>
+  </dgm:styleLbl>
+  <dgm:styleLbl name="alignAcc1">
+    <dgm:fillClrLst meth="repeat">
+      <a:schemeClr val="lt1">
+        <a:alpha val="90000"/>
+      </a:schemeClr>
+    </dgm:fillClrLst>
+    <dgm:linClrLst>
+      <a:schemeClr val="accent5"/>
+      <a:schemeClr val="accent6"/>
+    </dgm:linClrLst>
+    <dgm:effectClrLst/>
+    <dgm:txLinClrLst/>
+    <dgm:txFillClrLst meth="repeat">
+      <a:schemeClr val="dk1"/>
+    </dgm:txFillClrLst>
+    <dgm:txEffectClrLst/>
+  </dgm:styleLbl>
+  <dgm:styleLbl name="trAlignAcc1">
+    <dgm:fillClrLst meth="repeat">
+      <a:schemeClr val="lt1">
+        <a:alpha val="40000"/>
+      </a:schemeClr>
+    </dgm:fillClrLst>
+    <dgm:linClrLst meth="repeat">
+      <a:schemeClr val="accent5"/>
+    </dgm:linClrLst>
+    <dgm:effectClrLst/>
+    <dgm:txLinClrLst/>
+    <dgm:txFillClrLst meth="repeat">
+      <a:schemeClr val="dk1"/>
+    </dgm:txFillClrLst>
+    <dgm:txEffectClrLst/>
+  </dgm:styleLbl>
+  <dgm:styleLbl name="bgAcc1">
+    <dgm:fillClrLst meth="repeat">
+      <a:schemeClr val="lt1">
+        <a:alpha val="90000"/>
+      </a:schemeClr>
+    </dgm:fillClrLst>
+    <dgm:linClrLst>
+      <a:schemeClr val="accent5"/>
+      <a:schemeClr val="accent6"/>
+    </dgm:linClrLst>
+    <dgm:effectClrLst/>
+    <dgm:txLinClrLst/>
+    <dgm:txFillClrLst meth="repeat">
+      <a:schemeClr val="dk1"/>
+    </dgm:txFillClrLst>
+    <dgm:txEffectClrLst/>
+  </dgm:styleLbl>
+  <dgm:styleLbl name="solidFgAcc1">
+    <dgm:fillClrLst meth="repeat">
+      <a:schemeClr val="lt1"/>
+    </dgm:fillClrLst>
+    <dgm:linClrLst>
+      <a:schemeClr val="accent5"/>
+      <a:schemeClr val="accent6"/>
+    </dgm:linClrLst>
+    <dgm:effectClrLst/>
+    <dgm:txLinClrLst/>
+    <dgm:txFillClrLst meth="repeat">
+      <a:schemeClr val="dk1"/>
+    </dgm:txFillClrLst>
+    <dgm:txEffectClrLst/>
+  </dgm:styleLbl>
+  <dgm:styleLbl name="solidAlignAcc1">
+    <dgm:fillClrLst meth="repeat">
+      <a:schemeClr val="lt1"/>
+    </dgm:fillClrLst>
+    <dgm:linClrLst>
+      <a:schemeClr val="accent5"/>
+      <a:schemeClr val="accent6"/>
+    </dgm:linClrLst>
+    <dgm:effectClrLst/>
+    <dgm:txLinClrLst/>
+    <dgm:txFillClrLst meth="repeat">
+      <a:schemeClr val="dk1"/>
+    </dgm:txFillClrLst>
+    <dgm:txEffectClrLst/>
+  </dgm:styleLbl>
+  <dgm:styleLbl name="solidBgAcc1">
+    <dgm:fillClrLst meth="repeat">
+      <a:schemeClr val="lt1"/>
+    </dgm:fillClrLst>
+    <dgm:linClrLst>
+      <a:schemeClr val="accent5"/>
+      <a:schemeClr val="accent6"/>
+    </dgm:linClrLst>
+    <dgm:effectClrLst/>
+    <dgm:txLinClrLst/>
+    <dgm:txFillClrLst meth="repeat">
+      <a:schemeClr val="dk1"/>
+    </dgm:txFillClrLst>
+    <dgm:txEffectClrLst/>
+  </dgm:styleLbl>
+  <dgm:styleLbl name="fgAccFollowNode1">
+    <dgm:fillClrLst>
+      <a:schemeClr val="accent5">
+        <a:tint val="40000"/>
+        <a:alpha val="90000"/>
+      </a:schemeClr>
+      <a:schemeClr val="accent6">
+        <a:tint val="40000"/>
+        <a:alpha val="90000"/>
+      </a:schemeClr>
+    </dgm:fillClrLst>
+    <dgm:linClrLst>
+      <a:schemeClr val="accent5">
+        <a:tint val="40000"/>
+        <a:alpha val="90000"/>
+      </a:schemeClr>
+      <a:schemeClr val="accent5">
+        <a:tint val="40000"/>
+        <a:alpha val="90000"/>
+      </a:schemeClr>
+    </dgm:linClrLst>
+    <dgm:effectClrLst/>
+    <dgm:txLinClrLst/>
+    <dgm:txFillClrLst meth="repeat">
+      <a:schemeClr val="dk1"/>
+    </dgm:txFillClrLst>
+    <dgm:txEffectClrLst/>
+  </dgm:styleLbl>
+  <dgm:styleLbl name="alignAccFollowNode1">
+    <dgm:fillClrLst>
+      <a:schemeClr val="accent5">
+        <a:tint val="40000"/>
+        <a:alpha val="90000"/>
+      </a:schemeClr>
+      <a:schemeClr val="accent6">
+        <a:tint val="40000"/>
+        <a:alpha val="90000"/>
+      </a:schemeClr>
+    </dgm:fillClrLst>
+    <dgm:linClrLst>
+      <a:schemeClr val="accent5">
+        <a:tint val="40000"/>
+        <a:alpha val="90000"/>
+      </a:schemeClr>
+      <a:schemeClr val="accent6">
+        <a:tint val="40000"/>
+        <a:alpha val="90000"/>
+      </a:schemeClr>
+    </dgm:linClrLst>
+    <dgm:effectClrLst/>
+    <dgm:txLinClrLst/>
+    <dgm:txFillClrLst meth="repeat">
+      <a:schemeClr val="dk1"/>
+    </dgm:txFillClrLst>
+    <dgm:txEffectClrLst/>
+  </dgm:styleLbl>
+  <dgm:styleLbl name="bgAccFollowNode1">
+    <dgm:fillClrLst>
+      <a:schemeClr val="accent5">
+        <a:tint val="40000"/>
+        <a:alpha val="90000"/>
+      </a:schemeClr>
+      <a:schemeClr val="accent6">
+        <a:tint val="40000"/>
+        <a:alpha val="90000"/>
+      </a:schemeClr>
+    </dgm:fillClrLst>
+    <dgm:linClrLst>
+      <a:schemeClr val="accent5">
+        <a:tint val="40000"/>
+        <a:alpha val="90000"/>
+      </a:schemeClr>
+      <a:schemeClr val="accent6">
+        <a:tint val="40000"/>
+        <a:alpha val="90000"/>
+      </a:schemeClr>
+    </dgm:linClrLst>
+    <dgm:effectClrLst/>
+    <dgm:txLinClrLst/>
+    <dgm:txFillClrLst meth="repeat">
+      <a:schemeClr val="dk1"/>
+    </dgm:txFillClrLst>
+    <dgm:txEffectClrLst/>
+  </dgm:styleLbl>
+  <dgm:styleLbl name="fgAcc0">
+    <dgm:fillClrLst meth="repeat">
+      <a:schemeClr val="lt1">
+        <a:alpha val="90000"/>
+      </a:schemeClr>
+    </dgm:fillClrLst>
+    <dgm:linClrLst>
+      <a:schemeClr val="accent4"/>
+    </dgm:linClrLst>
+    <dgm:effectClrLst/>
+    <dgm:txLinClrLst/>
+    <dgm:txFillClrLst meth="repeat">
+      <a:schemeClr val="dk1"/>
+    </dgm:txFillClrLst>
+    <dgm:txEffectClrLst/>
+  </dgm:styleLbl>
+  <dgm:styleLbl name="fgAcc2">
+    <dgm:fillClrLst meth="repeat">
+      <a:schemeClr val="lt1">
+        <a:alpha val="90000"/>
+      </a:schemeClr>
+    </dgm:fillClrLst>
+    <dgm:linClrLst>
+      <a:schemeClr val="accent6"/>
+    </dgm:linClrLst>
+    <dgm:effectClrLst/>
+    <dgm:txLinClrLst/>
+    <dgm:txFillClrLst meth="repeat">
+      <a:schemeClr val="dk1"/>
+    </dgm:txFillClrLst>
+    <dgm:txEffectClrLst/>
+  </dgm:styleLbl>
+  <dgm:styleLbl name="fgAcc3">
+    <dgm:fillClrLst meth="repeat">
+      <a:schemeClr val="lt1">
+        <a:alpha val="90000"/>
+      </a:schemeClr>
+    </dgm:fillClrLst>
+    <dgm:linClrLst>
+      <a:schemeClr val="accent1"/>
+    </dgm:linClrLst>
+    <dgm:effectClrLst/>
+    <dgm:txLinClrLst/>
+    <dgm:txFillClrLst meth="repeat">
+      <a:schemeClr val="dk1"/>
+    </dgm:txFillClrLst>
+    <dgm:txEffectClrLst/>
+  </dgm:styleLbl>
+  <dgm:styleLbl name="fgAcc4">
+    <dgm:fillClrLst meth="repeat">
+      <a:schemeClr val="lt1">
+        <a:alpha val="90000"/>
+      </a:schemeClr>
+    </dgm:fillClrLst>
+    <dgm:linClrLst>
+      <a:schemeClr val="accent2"/>
+    </dgm:linClrLst>
+    <dgm:effectClrLst/>
+    <dgm:txLinClrLst/>
+    <dgm:txFillClrLst meth="repeat">
+      <a:schemeClr val="dk1"/>
+    </dgm:txFillClrLst>
+    <dgm:txEffectClrLst/>
+  </dgm:styleLbl>
+  <dgm:styleLbl name="bgShp">
+    <dgm:fillClrLst meth="repeat">
+      <a:schemeClr val="accent5">
+        <a:tint val="40000"/>
+      </a:schemeClr>
+    </dgm:fillClrLst>
+    <dgm:linClrLst meth="repeat">
+      <a:schemeClr val="dk1"/>
+    </dgm:linClrLst>
+    <dgm:effectClrLst/>
+    <dgm:txLinClrLst/>
+    <dgm:txFillClrLst meth="repeat">
+      <a:schemeClr val="dk1"/>
+    </dgm:txFillClrLst>
+    <dgm:txEffectClrLst/>
+  </dgm:styleLbl>
+  <dgm:styleLbl name="dkBgShp">
+    <dgm:fillClrLst meth="repeat">
+      <a:schemeClr val="accent5">
+        <a:shade val="90000"/>
+      </a:schemeClr>
+    </dgm:fillClrLst>
+    <dgm:linClrLst meth="repeat">
+      <a:schemeClr val="dk1"/>
+    </dgm:linClrLst>
+    <dgm:effectClrLst/>
+    <dgm:txLinClrLst/>
+    <dgm:txFillClrLst meth="repeat">
+      <a:schemeClr val="lt1"/>
+    </dgm:txFillClrLst>
+    <dgm:txEffectClrLst/>
+  </dgm:styleLbl>
+  <dgm:styleLbl name="trBgShp">
+    <dgm:fillClrLst meth="repeat">
+      <a:schemeClr val="accent5">
+        <a:tint val="50000"/>
+        <a:alpha val="40000"/>
+      </a:schemeClr>
+    </dgm:fillClrLst>
+    <dgm:linClrLst meth="repeat">
+      <a:schemeClr val="accent5"/>
+    </dgm:linClrLst>
+    <dgm:effectClrLst/>
+    <dgm:txLinClrLst/>
+    <dgm:txFillClrLst meth="repeat">
+      <a:schemeClr val="lt1"/>
+    </dgm:txFillClrLst>
+    <dgm:txEffectClrLst/>
+  </dgm:styleLbl>
+  <dgm:styleLbl name="fgShp">
+    <dgm:fillClrLst meth="repeat">
+      <a:schemeClr val="accent5">
+        <a:tint val="40000"/>
+      </a:schemeClr>
+    </dgm:fillClrLst>
+    <dgm:linClrLst meth="repeat">
+      <a:schemeClr val="lt1"/>
+    </dgm:linClrLst>
+    <dgm:effectClrLst/>
+    <dgm:txLinClrLst/>
+    <dgm:txFillClrLst meth="repeat">
+      <a:schemeClr val="dk1"/>
+    </dgm:txFillClrLst>
+    <dgm:txEffectClrLst/>
+  </dgm:styleLbl>
+  <dgm:styleLbl name="revTx">
+    <dgm:fillClrLst meth="repeat">
+      <a:schemeClr val="lt1">
+        <a:alpha val="0"/>
+      </a:schemeClr>
+    </dgm:fillClrLst>
+    <dgm:linClrLst meth="repeat">
+      <a:schemeClr val="dk1">
+        <a:alpha val="0"/>
+      </a:schemeClr>
+    </dgm:linClrLst>
+    <dgm:effectClrLst/>
+    <dgm:txLinClrLst/>
+    <dgm:txFillClrLst meth="repeat">
+      <a:schemeClr val="tx1"/>
+    </dgm:txFillClrLst>
+    <dgm:txEffectClrLst/>
+  </dgm:styleLbl>
+</dgm:colorsDef>
+</file>
+
+<file path=ppt/diagrams/data1.xml><?xml version="1.0" encoding="utf-8"?>
+<dgm:dataModel xmlns:dgm="http://schemas.openxmlformats.org/drawingml/2006/diagram" xmlns:a="http://schemas.openxmlformats.org/drawingml/2006/main">
+  <dgm:ptLst>
+    <dgm:pt modelId="{9159D16F-9220-44EC-8C7D-D8CBF766C759}" type="doc">
+      <dgm:prSet loTypeId="urn:microsoft.com/office/officeart/2005/8/layout/vList5" loCatId="list" qsTypeId="urn:microsoft.com/office/officeart/2005/8/quickstyle/simple4" qsCatId="simple" csTypeId="urn:microsoft.com/office/officeart/2005/8/colors/colorful5" csCatId="colorful"/>
+      <dgm:spPr/>
+      <dgm:t>
+        <a:bodyPr/>
+        <a:lstStyle/>
+        <a:p>
+          <a:endParaRPr lang="en-US"/>
+        </a:p>
+      </dgm:t>
+    </dgm:pt>
+    <dgm:pt modelId="{E12BDB32-AA42-40C8-BDC8-49DFA610FF29}">
+      <dgm:prSet/>
+      <dgm:spPr/>
+      <dgm:t>
+        <a:bodyPr/>
+        <a:lstStyle/>
+        <a:p>
+          <a:r>
+            <a:rPr lang="de-CH"/>
+            <a:t>Vor-/ Nachname</a:t>
+          </a:r>
+          <a:endParaRPr lang="en-US"/>
+        </a:p>
+      </dgm:t>
+    </dgm:pt>
+    <dgm:pt modelId="{A5A993C7-71D7-4D7C-A389-A163DC634C0F}" type="parTrans" cxnId="{95D95569-49A1-43FA-B3BF-1324EE582A8F}">
+      <dgm:prSet/>
+      <dgm:spPr/>
+      <dgm:t>
+        <a:bodyPr/>
+        <a:lstStyle/>
+        <a:p>
+          <a:endParaRPr lang="en-US"/>
+        </a:p>
+      </dgm:t>
+    </dgm:pt>
+    <dgm:pt modelId="{A6E6AB63-04A9-47FF-98B2-2D02EE6C2ADF}" type="sibTrans" cxnId="{95D95569-49A1-43FA-B3BF-1324EE582A8F}">
+      <dgm:prSet/>
+      <dgm:spPr/>
+      <dgm:t>
+        <a:bodyPr/>
+        <a:lstStyle/>
+        <a:p>
+          <a:endParaRPr lang="en-US"/>
+        </a:p>
+      </dgm:t>
+    </dgm:pt>
+    <dgm:pt modelId="{740ED9B9-0396-4B6A-AD58-DB8F6BEF5294}">
+      <dgm:prSet/>
+      <dgm:spPr/>
+      <dgm:t>
+        <a:bodyPr/>
+        <a:lstStyle/>
+        <a:p>
+          <a:r>
+            <a:rPr lang="de-CH"/>
+            <a:t>Eigener Nutzername</a:t>
+          </a:r>
+          <a:endParaRPr lang="en-US"/>
+        </a:p>
+      </dgm:t>
+    </dgm:pt>
+    <dgm:pt modelId="{20AADC71-6677-41CD-8BC8-974B79F94D71}" type="parTrans" cxnId="{1856B556-CB71-499E-992B-6C2AF76415CE}">
+      <dgm:prSet/>
+      <dgm:spPr/>
+      <dgm:t>
+        <a:bodyPr/>
+        <a:lstStyle/>
+        <a:p>
+          <a:endParaRPr lang="en-US"/>
+        </a:p>
+      </dgm:t>
+    </dgm:pt>
+    <dgm:pt modelId="{E4E4833C-3D4D-4EF4-9C1D-FCD550FE2DA6}" type="sibTrans" cxnId="{1856B556-CB71-499E-992B-6C2AF76415CE}">
+      <dgm:prSet/>
+      <dgm:spPr/>
+      <dgm:t>
+        <a:bodyPr/>
+        <a:lstStyle/>
+        <a:p>
+          <a:endParaRPr lang="en-US"/>
+        </a:p>
+      </dgm:t>
+    </dgm:pt>
+    <dgm:pt modelId="{21F60149-6B5D-4F6A-BF6F-7457C0D56D00}">
+      <dgm:prSet/>
+      <dgm:spPr/>
+      <dgm:t>
+        <a:bodyPr/>
+        <a:lstStyle/>
+        <a:p>
+          <a:r>
+            <a:rPr lang="de-CH"/>
+            <a:t>E-Mail (verifiziert)</a:t>
+          </a:r>
+          <a:endParaRPr lang="en-US"/>
+        </a:p>
+      </dgm:t>
+    </dgm:pt>
+    <dgm:pt modelId="{C5B56E78-E594-42E4-A075-68771BB2DA91}" type="parTrans" cxnId="{B7724D8F-4466-4EB6-8CC7-B7062254B228}">
+      <dgm:prSet/>
+      <dgm:spPr/>
+      <dgm:t>
+        <a:bodyPr/>
+        <a:lstStyle/>
+        <a:p>
+          <a:endParaRPr lang="en-US"/>
+        </a:p>
+      </dgm:t>
+    </dgm:pt>
+    <dgm:pt modelId="{5365C4DD-A107-4581-90C1-B65865DEA4B5}" type="sibTrans" cxnId="{B7724D8F-4466-4EB6-8CC7-B7062254B228}">
+      <dgm:prSet/>
+      <dgm:spPr/>
+      <dgm:t>
+        <a:bodyPr/>
+        <a:lstStyle/>
+        <a:p>
+          <a:endParaRPr lang="en-US"/>
+        </a:p>
+      </dgm:t>
+    </dgm:pt>
+    <dgm:pt modelId="{EE34FABA-8632-45A8-8D08-A009FDD34DB4}">
+      <dgm:prSet/>
+      <dgm:spPr/>
+      <dgm:t>
+        <a:bodyPr/>
+        <a:lstStyle/>
+        <a:p>
+          <a:r>
+            <a:rPr lang="de-CH"/>
+            <a:t>Passwort</a:t>
+          </a:r>
+          <a:endParaRPr lang="en-US"/>
+        </a:p>
+      </dgm:t>
+    </dgm:pt>
+    <dgm:pt modelId="{B70C27EE-9269-433B-BA42-BFDCB0BE4AE0}" type="parTrans" cxnId="{6D989477-96A1-470A-BBB1-61648EACB12C}">
+      <dgm:prSet/>
+      <dgm:spPr/>
+      <dgm:t>
+        <a:bodyPr/>
+        <a:lstStyle/>
+        <a:p>
+          <a:endParaRPr lang="en-US"/>
+        </a:p>
+      </dgm:t>
+    </dgm:pt>
+    <dgm:pt modelId="{E3CC1A2D-D282-4301-9BDA-D115F7E43489}" type="sibTrans" cxnId="{6D989477-96A1-470A-BBB1-61648EACB12C}">
+      <dgm:prSet/>
+      <dgm:spPr/>
+      <dgm:t>
+        <a:bodyPr/>
+        <a:lstStyle/>
+        <a:p>
+          <a:endParaRPr lang="en-US"/>
+        </a:p>
+      </dgm:t>
+    </dgm:pt>
+    <dgm:pt modelId="{D9DEAB97-4FAA-4921-8DEA-E4C90DC223FF}" type="pres">
+      <dgm:prSet presAssocID="{9159D16F-9220-44EC-8C7D-D8CBF766C759}" presName="Name0" presStyleCnt="0">
+        <dgm:presLayoutVars>
+          <dgm:dir/>
+          <dgm:animLvl val="lvl"/>
+          <dgm:resizeHandles val="exact"/>
+        </dgm:presLayoutVars>
+      </dgm:prSet>
+      <dgm:spPr/>
+    </dgm:pt>
+    <dgm:pt modelId="{F7919494-4899-4E00-B9BE-D8166B70AD9A}" type="pres">
+      <dgm:prSet presAssocID="{E12BDB32-AA42-40C8-BDC8-49DFA610FF29}" presName="linNode" presStyleCnt="0"/>
+      <dgm:spPr/>
+    </dgm:pt>
+    <dgm:pt modelId="{9B725283-DD77-4156-97E9-9772674DC441}" type="pres">
+      <dgm:prSet presAssocID="{E12BDB32-AA42-40C8-BDC8-49DFA610FF29}" presName="parentText" presStyleLbl="node1" presStyleIdx="0" presStyleCnt="4">
+        <dgm:presLayoutVars>
+          <dgm:chMax val="1"/>
+          <dgm:bulletEnabled val="1"/>
+        </dgm:presLayoutVars>
+      </dgm:prSet>
+      <dgm:spPr/>
+    </dgm:pt>
+    <dgm:pt modelId="{3CD536A7-541A-4D59-94EA-16B610FA171E}" type="pres">
+      <dgm:prSet presAssocID="{A6E6AB63-04A9-47FF-98B2-2D02EE6C2ADF}" presName="sp" presStyleCnt="0"/>
+      <dgm:spPr/>
+    </dgm:pt>
+    <dgm:pt modelId="{61FEEF06-1B58-40E7-BDC8-4C7E825503CA}" type="pres">
+      <dgm:prSet presAssocID="{740ED9B9-0396-4B6A-AD58-DB8F6BEF5294}" presName="linNode" presStyleCnt="0"/>
+      <dgm:spPr/>
+    </dgm:pt>
+    <dgm:pt modelId="{FD768936-5AE1-4249-B351-4E3E5FECF5A6}" type="pres">
+      <dgm:prSet presAssocID="{740ED9B9-0396-4B6A-AD58-DB8F6BEF5294}" presName="parentText" presStyleLbl="node1" presStyleIdx="1" presStyleCnt="4">
+        <dgm:presLayoutVars>
+          <dgm:chMax val="1"/>
+          <dgm:bulletEnabled val="1"/>
+        </dgm:presLayoutVars>
+      </dgm:prSet>
+      <dgm:spPr/>
+    </dgm:pt>
+    <dgm:pt modelId="{038CF979-00B1-410B-8191-CC4773AFE3F0}" type="pres">
+      <dgm:prSet presAssocID="{E4E4833C-3D4D-4EF4-9C1D-FCD550FE2DA6}" presName="sp" presStyleCnt="0"/>
+      <dgm:spPr/>
+    </dgm:pt>
+    <dgm:pt modelId="{E84EDB2B-4286-4556-8FD1-A91A925310E7}" type="pres">
+      <dgm:prSet presAssocID="{21F60149-6B5D-4F6A-BF6F-7457C0D56D00}" presName="linNode" presStyleCnt="0"/>
+      <dgm:spPr/>
+    </dgm:pt>
+    <dgm:pt modelId="{85A21D4A-0B67-48CC-A177-D2958833E05E}" type="pres">
+      <dgm:prSet presAssocID="{21F60149-6B5D-4F6A-BF6F-7457C0D56D00}" presName="parentText" presStyleLbl="node1" presStyleIdx="2" presStyleCnt="4">
+        <dgm:presLayoutVars>
+          <dgm:chMax val="1"/>
+          <dgm:bulletEnabled val="1"/>
+        </dgm:presLayoutVars>
+      </dgm:prSet>
+      <dgm:spPr/>
+    </dgm:pt>
+    <dgm:pt modelId="{CF685D30-353C-4CC6-916B-3B8DFD00D460}" type="pres">
+      <dgm:prSet presAssocID="{5365C4DD-A107-4581-90C1-B65865DEA4B5}" presName="sp" presStyleCnt="0"/>
+      <dgm:spPr/>
+    </dgm:pt>
+    <dgm:pt modelId="{925F4E27-9080-4F7F-B51D-DFACBAA4CCD8}" type="pres">
+      <dgm:prSet presAssocID="{EE34FABA-8632-45A8-8D08-A009FDD34DB4}" presName="linNode" presStyleCnt="0"/>
+      <dgm:spPr/>
+    </dgm:pt>
+    <dgm:pt modelId="{744057CF-2695-422A-857B-A8749A61E8AE}" type="pres">
+      <dgm:prSet presAssocID="{EE34FABA-8632-45A8-8D08-A009FDD34DB4}" presName="parentText" presStyleLbl="node1" presStyleIdx="3" presStyleCnt="4">
+        <dgm:presLayoutVars>
+          <dgm:chMax val="1"/>
+          <dgm:bulletEnabled val="1"/>
+        </dgm:presLayoutVars>
+      </dgm:prSet>
+      <dgm:spPr/>
+    </dgm:pt>
+  </dgm:ptLst>
+  <dgm:cxnLst>
+    <dgm:cxn modelId="{BF794239-6352-46CD-B89F-CF2F7A9C7C5E}" type="presOf" srcId="{EE34FABA-8632-45A8-8D08-A009FDD34DB4}" destId="{744057CF-2695-422A-857B-A8749A61E8AE}" srcOrd="0" destOrd="0" presId="urn:microsoft.com/office/officeart/2005/8/layout/vList5"/>
+    <dgm:cxn modelId="{95D95569-49A1-43FA-B3BF-1324EE582A8F}" srcId="{9159D16F-9220-44EC-8C7D-D8CBF766C759}" destId="{E12BDB32-AA42-40C8-BDC8-49DFA610FF29}" srcOrd="0" destOrd="0" parTransId="{A5A993C7-71D7-4D7C-A389-A163DC634C0F}" sibTransId="{A6E6AB63-04A9-47FF-98B2-2D02EE6C2ADF}"/>
+    <dgm:cxn modelId="{1856B556-CB71-499E-992B-6C2AF76415CE}" srcId="{9159D16F-9220-44EC-8C7D-D8CBF766C759}" destId="{740ED9B9-0396-4B6A-AD58-DB8F6BEF5294}" srcOrd="1" destOrd="0" parTransId="{20AADC71-6677-41CD-8BC8-974B79F94D71}" sibTransId="{E4E4833C-3D4D-4EF4-9C1D-FCD550FE2DA6}"/>
+    <dgm:cxn modelId="{6D989477-96A1-470A-BBB1-61648EACB12C}" srcId="{9159D16F-9220-44EC-8C7D-D8CBF766C759}" destId="{EE34FABA-8632-45A8-8D08-A009FDD34DB4}" srcOrd="3" destOrd="0" parTransId="{B70C27EE-9269-433B-BA42-BFDCB0BE4AE0}" sibTransId="{E3CC1A2D-D282-4301-9BDA-D115F7E43489}"/>
+    <dgm:cxn modelId="{2B71F27C-873D-4F01-BC33-527D3D594ABF}" type="presOf" srcId="{E12BDB32-AA42-40C8-BDC8-49DFA610FF29}" destId="{9B725283-DD77-4156-97E9-9772674DC441}" srcOrd="0" destOrd="0" presId="urn:microsoft.com/office/officeart/2005/8/layout/vList5"/>
+    <dgm:cxn modelId="{6CE93983-201A-4D1F-AB56-ADF6C611A27B}" type="presOf" srcId="{9159D16F-9220-44EC-8C7D-D8CBF766C759}" destId="{D9DEAB97-4FAA-4921-8DEA-E4C90DC223FF}" srcOrd="0" destOrd="0" presId="urn:microsoft.com/office/officeart/2005/8/layout/vList5"/>
+    <dgm:cxn modelId="{0DB4ED88-5378-4CA7-B98B-D2C9D4F0D89B}" type="presOf" srcId="{740ED9B9-0396-4B6A-AD58-DB8F6BEF5294}" destId="{FD768936-5AE1-4249-B351-4E3E5FECF5A6}" srcOrd="0" destOrd="0" presId="urn:microsoft.com/office/officeart/2005/8/layout/vList5"/>
+    <dgm:cxn modelId="{B7724D8F-4466-4EB6-8CC7-B7062254B228}" srcId="{9159D16F-9220-44EC-8C7D-D8CBF766C759}" destId="{21F60149-6B5D-4F6A-BF6F-7457C0D56D00}" srcOrd="2" destOrd="0" parTransId="{C5B56E78-E594-42E4-A075-68771BB2DA91}" sibTransId="{5365C4DD-A107-4581-90C1-B65865DEA4B5}"/>
+    <dgm:cxn modelId="{A1285C95-CEF6-498A-9A37-3361CFE3FAEA}" type="presOf" srcId="{21F60149-6B5D-4F6A-BF6F-7457C0D56D00}" destId="{85A21D4A-0B67-48CC-A177-D2958833E05E}" srcOrd="0" destOrd="0" presId="urn:microsoft.com/office/officeart/2005/8/layout/vList5"/>
+    <dgm:cxn modelId="{D21DD84C-0E5D-4D13-A7C4-751134A12C87}" type="presParOf" srcId="{D9DEAB97-4FAA-4921-8DEA-E4C90DC223FF}" destId="{F7919494-4899-4E00-B9BE-D8166B70AD9A}" srcOrd="0" destOrd="0" presId="urn:microsoft.com/office/officeart/2005/8/layout/vList5"/>
+    <dgm:cxn modelId="{29F48B68-BF73-47FA-895E-58A4C03A4E3E}" type="presParOf" srcId="{F7919494-4899-4E00-B9BE-D8166B70AD9A}" destId="{9B725283-DD77-4156-97E9-9772674DC441}" srcOrd="0" destOrd="0" presId="urn:microsoft.com/office/officeart/2005/8/layout/vList5"/>
+    <dgm:cxn modelId="{64CFAAAB-3F8F-4F04-A15B-E9037839A4B8}" type="presParOf" srcId="{D9DEAB97-4FAA-4921-8DEA-E4C90DC223FF}" destId="{3CD536A7-541A-4D59-94EA-16B610FA171E}" srcOrd="1" destOrd="0" presId="urn:microsoft.com/office/officeart/2005/8/layout/vList5"/>
+    <dgm:cxn modelId="{4CCF4151-6AE5-438A-B4AD-953B95549F48}" type="presParOf" srcId="{D9DEAB97-4FAA-4921-8DEA-E4C90DC223FF}" destId="{61FEEF06-1B58-40E7-BDC8-4C7E825503CA}" srcOrd="2" destOrd="0" presId="urn:microsoft.com/office/officeart/2005/8/layout/vList5"/>
+    <dgm:cxn modelId="{07C8A4BA-18AB-4BB0-9171-D95E6980FF12}" type="presParOf" srcId="{61FEEF06-1B58-40E7-BDC8-4C7E825503CA}" destId="{FD768936-5AE1-4249-B351-4E3E5FECF5A6}" srcOrd="0" destOrd="0" presId="urn:microsoft.com/office/officeart/2005/8/layout/vList5"/>
+    <dgm:cxn modelId="{59E4E364-1838-40EC-8B96-6AEE7500B35E}" type="presParOf" srcId="{D9DEAB97-4FAA-4921-8DEA-E4C90DC223FF}" destId="{038CF979-00B1-410B-8191-CC4773AFE3F0}" srcOrd="3" destOrd="0" presId="urn:microsoft.com/office/officeart/2005/8/layout/vList5"/>
+    <dgm:cxn modelId="{00BDBE1A-DA61-463A-982B-743A48B58AC8}" type="presParOf" srcId="{D9DEAB97-4FAA-4921-8DEA-E4C90DC223FF}" destId="{E84EDB2B-4286-4556-8FD1-A91A925310E7}" srcOrd="4" destOrd="0" presId="urn:microsoft.com/office/officeart/2005/8/layout/vList5"/>
+    <dgm:cxn modelId="{12C0F040-9B8C-44B7-9C74-5E1E842F58C2}" type="presParOf" srcId="{E84EDB2B-4286-4556-8FD1-A91A925310E7}" destId="{85A21D4A-0B67-48CC-A177-D2958833E05E}" srcOrd="0" destOrd="0" presId="urn:microsoft.com/office/officeart/2005/8/layout/vList5"/>
+    <dgm:cxn modelId="{CC3B3ADD-12B3-4FA4-9DF9-91D727FDF2E8}" type="presParOf" srcId="{D9DEAB97-4FAA-4921-8DEA-E4C90DC223FF}" destId="{CF685D30-353C-4CC6-916B-3B8DFD00D460}" srcOrd="5" destOrd="0" presId="urn:microsoft.com/office/officeart/2005/8/layout/vList5"/>
+    <dgm:cxn modelId="{0037F9D5-0DB5-421E-9E26-2F3F9E245145}" type="presParOf" srcId="{D9DEAB97-4FAA-4921-8DEA-E4C90DC223FF}" destId="{925F4E27-9080-4F7F-B51D-DFACBAA4CCD8}" srcOrd="6" destOrd="0" presId="urn:microsoft.com/office/officeart/2005/8/layout/vList5"/>
+    <dgm:cxn modelId="{BBC2B6A9-E61F-4290-9586-32BB1D871391}" type="presParOf" srcId="{925F4E27-9080-4F7F-B51D-DFACBAA4CCD8}" destId="{744057CF-2695-422A-857B-A8749A61E8AE}" srcOrd="0" destOrd="0" presId="urn:microsoft.com/office/officeart/2005/8/layout/vList5"/>
+  </dgm:cxnLst>
+  <dgm:bg/>
+  <dgm:whole/>
+  <dgm:extLst>
+    <a:ext uri="http://schemas.microsoft.com/office/drawing/2008/diagram">
+      <dsp:dataModelExt xmlns:dsp="http://schemas.microsoft.com/office/drawing/2008/diagram" relId="rId7" minVer="http://schemas.openxmlformats.org/drawingml/2006/diagram"/>
+    </a:ext>
+  </dgm:extLst>
+</dgm:dataModel>
+</file>
+
+<file path=ppt/diagrams/drawing1.xml><?xml version="1.0" encoding="utf-8"?>
+<dsp:drawing xmlns:dgm="http://schemas.openxmlformats.org/drawingml/2006/diagram" xmlns:dsp="http://schemas.microsoft.com/office/drawing/2008/diagram" xmlns:a="http://schemas.openxmlformats.org/drawingml/2006/main">
+  <dsp:spTree>
+    <dsp:nvGrpSpPr>
+      <dsp:cNvPr id="0" name=""/>
+      <dsp:cNvGrpSpPr/>
+    </dsp:nvGrpSpPr>
+    <dsp:grpSpPr/>
+    <dsp:sp modelId="{9B725283-DD77-4156-97E9-9772674DC441}">
+      <dsp:nvSpPr>
+        <dsp:cNvPr id="0" name=""/>
+        <dsp:cNvSpPr/>
+      </dsp:nvSpPr>
+      <dsp:spPr>
+        <a:xfrm>
+          <a:off x="3364992" y="2177"/>
+          <a:ext cx="3785616" cy="1047465"/>
+        </a:xfrm>
+        <a:prstGeom prst="roundRect">
+          <a:avLst/>
+        </a:prstGeom>
+        <a:gradFill rotWithShape="0">
+          <a:gsLst>
+            <a:gs pos="0">
+              <a:schemeClr val="accent5">
+                <a:hueOff val="0"/>
+                <a:satOff val="0"/>
+                <a:lumOff val="0"/>
+                <a:alphaOff val="0"/>
+                <a:satMod val="103000"/>
+                <a:lumMod val="102000"/>
+                <a:tint val="94000"/>
+              </a:schemeClr>
+            </a:gs>
+            <a:gs pos="50000">
+              <a:schemeClr val="accent5">
+                <a:hueOff val="0"/>
+                <a:satOff val="0"/>
+                <a:lumOff val="0"/>
+                <a:alphaOff val="0"/>
+                <a:satMod val="110000"/>
+                <a:lumMod val="100000"/>
+                <a:shade val="100000"/>
+              </a:schemeClr>
+            </a:gs>
+            <a:gs pos="100000">
+              <a:schemeClr val="accent5">
+                <a:hueOff val="0"/>
+                <a:satOff val="0"/>
+                <a:lumOff val="0"/>
+                <a:alphaOff val="0"/>
+                <a:lumMod val="99000"/>
+                <a:satMod val="120000"/>
+                <a:shade val="78000"/>
+              </a:schemeClr>
+            </a:gs>
+          </a:gsLst>
+          <a:lin ang="5400000" scaled="0"/>
+        </a:gradFill>
+        <a:ln>
+          <a:noFill/>
+        </a:ln>
+        <a:effectLst/>
+      </dsp:spPr>
+      <dsp:style>
+        <a:lnRef idx="0">
+          <a:scrgbClr r="0" g="0" b="0"/>
+        </a:lnRef>
+        <a:fillRef idx="3">
+          <a:scrgbClr r="0" g="0" b="0"/>
+        </a:fillRef>
+        <a:effectRef idx="2">
+          <a:scrgbClr r="0" g="0" b="0"/>
+        </a:effectRef>
+        <a:fontRef idx="minor">
+          <a:schemeClr val="lt1"/>
+        </a:fontRef>
+      </dsp:style>
+      <dsp:txBody>
+        <a:bodyPr spcFirstLastPara="0" vert="horz" wrap="square" lIns="121920" tIns="60960" rIns="121920" bIns="60960" numCol="1" spcCol="1270" anchor="ctr" anchorCtr="0">
+          <a:noAutofit/>
+        </a:bodyPr>
+        <a:lstStyle/>
+        <a:p>
+          <a:pPr marL="0" lvl="0" indent="0" algn="ctr" defTabSz="1422400">
+            <a:lnSpc>
+              <a:spcPct val="90000"/>
+            </a:lnSpc>
+            <a:spcBef>
+              <a:spcPct val="0"/>
+            </a:spcBef>
+            <a:spcAft>
+              <a:spcPct val="35000"/>
+            </a:spcAft>
+            <a:buNone/>
+          </a:pPr>
+          <a:r>
+            <a:rPr lang="de-CH" sz="3200" kern="1200"/>
+            <a:t>Vor-/ Nachname</a:t>
+          </a:r>
+          <a:endParaRPr lang="en-US" sz="3200" kern="1200"/>
+        </a:p>
+      </dsp:txBody>
+      <dsp:txXfrm>
+        <a:off x="3416125" y="53310"/>
+        <a:ext cx="3683350" cy="945199"/>
+      </dsp:txXfrm>
+    </dsp:sp>
+    <dsp:sp modelId="{FD768936-5AE1-4249-B351-4E3E5FECF5A6}">
+      <dsp:nvSpPr>
+        <dsp:cNvPr id="0" name=""/>
+        <dsp:cNvSpPr/>
+      </dsp:nvSpPr>
+      <dsp:spPr>
+        <a:xfrm>
+          <a:off x="3364992" y="1102016"/>
+          <a:ext cx="3785616" cy="1047465"/>
+        </a:xfrm>
+        <a:prstGeom prst="roundRect">
+          <a:avLst/>
+        </a:prstGeom>
+        <a:gradFill rotWithShape="0">
+          <a:gsLst>
+            <a:gs pos="0">
+              <a:schemeClr val="accent5">
+                <a:hueOff val="-2252848"/>
+                <a:satOff val="-5806"/>
+                <a:lumOff val="-3922"/>
+                <a:alphaOff val="0"/>
+                <a:satMod val="103000"/>
+                <a:lumMod val="102000"/>
+                <a:tint val="94000"/>
+              </a:schemeClr>
+            </a:gs>
+            <a:gs pos="50000">
+              <a:schemeClr val="accent5">
+                <a:hueOff val="-2252848"/>
+                <a:satOff val="-5806"/>
+                <a:lumOff val="-3922"/>
+                <a:alphaOff val="0"/>
+                <a:satMod val="110000"/>
+                <a:lumMod val="100000"/>
+                <a:shade val="100000"/>
+              </a:schemeClr>
+            </a:gs>
+            <a:gs pos="100000">
+              <a:schemeClr val="accent5">
+                <a:hueOff val="-2252848"/>
+                <a:satOff val="-5806"/>
+                <a:lumOff val="-3922"/>
+                <a:alphaOff val="0"/>
+                <a:lumMod val="99000"/>
+                <a:satMod val="120000"/>
+                <a:shade val="78000"/>
+              </a:schemeClr>
+            </a:gs>
+          </a:gsLst>
+          <a:lin ang="5400000" scaled="0"/>
+        </a:gradFill>
+        <a:ln>
+          <a:noFill/>
+        </a:ln>
+        <a:effectLst/>
+      </dsp:spPr>
+      <dsp:style>
+        <a:lnRef idx="0">
+          <a:scrgbClr r="0" g="0" b="0"/>
+        </a:lnRef>
+        <a:fillRef idx="3">
+          <a:scrgbClr r="0" g="0" b="0"/>
+        </a:fillRef>
+        <a:effectRef idx="2">
+          <a:scrgbClr r="0" g="0" b="0"/>
+        </a:effectRef>
+        <a:fontRef idx="minor">
+          <a:schemeClr val="lt1"/>
+        </a:fontRef>
+      </dsp:style>
+      <dsp:txBody>
+        <a:bodyPr spcFirstLastPara="0" vert="horz" wrap="square" lIns="121920" tIns="60960" rIns="121920" bIns="60960" numCol="1" spcCol="1270" anchor="ctr" anchorCtr="0">
+          <a:noAutofit/>
+        </a:bodyPr>
+        <a:lstStyle/>
+        <a:p>
+          <a:pPr marL="0" lvl="0" indent="0" algn="ctr" defTabSz="1422400">
+            <a:lnSpc>
+              <a:spcPct val="90000"/>
+            </a:lnSpc>
+            <a:spcBef>
+              <a:spcPct val="0"/>
+            </a:spcBef>
+            <a:spcAft>
+              <a:spcPct val="35000"/>
+            </a:spcAft>
+            <a:buNone/>
+          </a:pPr>
+          <a:r>
+            <a:rPr lang="de-CH" sz="3200" kern="1200"/>
+            <a:t>Eigener Nutzername</a:t>
+          </a:r>
+          <a:endParaRPr lang="en-US" sz="3200" kern="1200"/>
+        </a:p>
+      </dsp:txBody>
+      <dsp:txXfrm>
+        <a:off x="3416125" y="1153149"/>
+        <a:ext cx="3683350" cy="945199"/>
+      </dsp:txXfrm>
+    </dsp:sp>
+    <dsp:sp modelId="{85A21D4A-0B67-48CC-A177-D2958833E05E}">
+      <dsp:nvSpPr>
+        <dsp:cNvPr id="0" name=""/>
+        <dsp:cNvSpPr/>
+      </dsp:nvSpPr>
+      <dsp:spPr>
+        <a:xfrm>
+          <a:off x="3364992" y="2201855"/>
+          <a:ext cx="3785616" cy="1047465"/>
+        </a:xfrm>
+        <a:prstGeom prst="roundRect">
+          <a:avLst/>
+        </a:prstGeom>
+        <a:gradFill rotWithShape="0">
+          <a:gsLst>
+            <a:gs pos="0">
+              <a:schemeClr val="accent5">
+                <a:hueOff val="-4505695"/>
+                <a:satOff val="-11613"/>
+                <a:lumOff val="-7843"/>
+                <a:alphaOff val="0"/>
+                <a:satMod val="103000"/>
+                <a:lumMod val="102000"/>
+                <a:tint val="94000"/>
+              </a:schemeClr>
+            </a:gs>
+            <a:gs pos="50000">
+              <a:schemeClr val="accent5">
+                <a:hueOff val="-4505695"/>
+                <a:satOff val="-11613"/>
+                <a:lumOff val="-7843"/>
+                <a:alphaOff val="0"/>
+                <a:satMod val="110000"/>
+                <a:lumMod val="100000"/>
+                <a:shade val="100000"/>
+              </a:schemeClr>
+            </a:gs>
+            <a:gs pos="100000">
+              <a:schemeClr val="accent5">
+                <a:hueOff val="-4505695"/>
+                <a:satOff val="-11613"/>
+                <a:lumOff val="-7843"/>
+                <a:alphaOff val="0"/>
+                <a:lumMod val="99000"/>
+                <a:satMod val="120000"/>
+                <a:shade val="78000"/>
+              </a:schemeClr>
+            </a:gs>
+          </a:gsLst>
+          <a:lin ang="5400000" scaled="0"/>
+        </a:gradFill>
+        <a:ln>
+          <a:noFill/>
+        </a:ln>
+        <a:effectLst/>
+      </dsp:spPr>
+      <dsp:style>
+        <a:lnRef idx="0">
+          <a:scrgbClr r="0" g="0" b="0"/>
+        </a:lnRef>
+        <a:fillRef idx="3">
+          <a:scrgbClr r="0" g="0" b="0"/>
+        </a:fillRef>
+        <a:effectRef idx="2">
+          <a:scrgbClr r="0" g="0" b="0"/>
+        </a:effectRef>
+        <a:fontRef idx="minor">
+          <a:schemeClr val="lt1"/>
+        </a:fontRef>
+      </dsp:style>
+      <dsp:txBody>
+        <a:bodyPr spcFirstLastPara="0" vert="horz" wrap="square" lIns="121920" tIns="60960" rIns="121920" bIns="60960" numCol="1" spcCol="1270" anchor="ctr" anchorCtr="0">
+          <a:noAutofit/>
+        </a:bodyPr>
+        <a:lstStyle/>
+        <a:p>
+          <a:pPr marL="0" lvl="0" indent="0" algn="ctr" defTabSz="1422400">
+            <a:lnSpc>
+              <a:spcPct val="90000"/>
+            </a:lnSpc>
+            <a:spcBef>
+              <a:spcPct val="0"/>
+            </a:spcBef>
+            <a:spcAft>
+              <a:spcPct val="35000"/>
+            </a:spcAft>
+            <a:buNone/>
+          </a:pPr>
+          <a:r>
+            <a:rPr lang="de-CH" sz="3200" kern="1200"/>
+            <a:t>E-Mail (verifiziert)</a:t>
+          </a:r>
+          <a:endParaRPr lang="en-US" sz="3200" kern="1200"/>
+        </a:p>
+      </dsp:txBody>
+      <dsp:txXfrm>
+        <a:off x="3416125" y="2252988"/>
+        <a:ext cx="3683350" cy="945199"/>
+      </dsp:txXfrm>
+    </dsp:sp>
+    <dsp:sp modelId="{744057CF-2695-422A-857B-A8749A61E8AE}">
+      <dsp:nvSpPr>
+        <dsp:cNvPr id="0" name=""/>
+        <dsp:cNvSpPr/>
+      </dsp:nvSpPr>
+      <dsp:spPr>
+        <a:xfrm>
+          <a:off x="3364992" y="3301694"/>
+          <a:ext cx="3785616" cy="1047465"/>
+        </a:xfrm>
+        <a:prstGeom prst="roundRect">
+          <a:avLst/>
+        </a:prstGeom>
+        <a:gradFill rotWithShape="0">
+          <a:gsLst>
+            <a:gs pos="0">
+              <a:schemeClr val="accent5">
+                <a:hueOff val="-6758543"/>
+                <a:satOff val="-17419"/>
+                <a:lumOff val="-11765"/>
+                <a:alphaOff val="0"/>
+                <a:satMod val="103000"/>
+                <a:lumMod val="102000"/>
+                <a:tint val="94000"/>
+              </a:schemeClr>
+            </a:gs>
+            <a:gs pos="50000">
+              <a:schemeClr val="accent5">
+                <a:hueOff val="-6758543"/>
+                <a:satOff val="-17419"/>
+                <a:lumOff val="-11765"/>
+                <a:alphaOff val="0"/>
+                <a:satMod val="110000"/>
+                <a:lumMod val="100000"/>
+                <a:shade val="100000"/>
+              </a:schemeClr>
+            </a:gs>
+            <a:gs pos="100000">
+              <a:schemeClr val="accent5">
+                <a:hueOff val="-6758543"/>
+                <a:satOff val="-17419"/>
+                <a:lumOff val="-11765"/>
+                <a:alphaOff val="0"/>
+                <a:lumMod val="99000"/>
+                <a:satMod val="120000"/>
+                <a:shade val="78000"/>
+              </a:schemeClr>
+            </a:gs>
+          </a:gsLst>
+          <a:lin ang="5400000" scaled="0"/>
+        </a:gradFill>
+        <a:ln>
+          <a:noFill/>
+        </a:ln>
+        <a:effectLst/>
+      </dsp:spPr>
+      <dsp:style>
+        <a:lnRef idx="0">
+          <a:scrgbClr r="0" g="0" b="0"/>
+        </a:lnRef>
+        <a:fillRef idx="3">
+          <a:scrgbClr r="0" g="0" b="0"/>
+        </a:fillRef>
+        <a:effectRef idx="2">
+          <a:scrgbClr r="0" g="0" b="0"/>
+        </a:effectRef>
+        <a:fontRef idx="minor">
+          <a:schemeClr val="lt1"/>
+        </a:fontRef>
+      </dsp:style>
+      <dsp:txBody>
+        <a:bodyPr spcFirstLastPara="0" vert="horz" wrap="square" lIns="121920" tIns="60960" rIns="121920" bIns="60960" numCol="1" spcCol="1270" anchor="ctr" anchorCtr="0">
+          <a:noAutofit/>
+        </a:bodyPr>
+        <a:lstStyle/>
+        <a:p>
+          <a:pPr marL="0" lvl="0" indent="0" algn="ctr" defTabSz="1422400">
+            <a:lnSpc>
+              <a:spcPct val="90000"/>
+            </a:lnSpc>
+            <a:spcBef>
+              <a:spcPct val="0"/>
+            </a:spcBef>
+            <a:spcAft>
+              <a:spcPct val="35000"/>
+            </a:spcAft>
+            <a:buNone/>
+          </a:pPr>
+          <a:r>
+            <a:rPr lang="de-CH" sz="3200" kern="1200"/>
+            <a:t>Passwort</a:t>
+          </a:r>
+          <a:endParaRPr lang="en-US" sz="3200" kern="1200"/>
+        </a:p>
+      </dsp:txBody>
+      <dsp:txXfrm>
+        <a:off x="3416125" y="3352827"/>
+        <a:ext cx="3683350" cy="945199"/>
+      </dsp:txXfrm>
+    </dsp:sp>
+  </dsp:spTree>
+</dsp:drawing>
+</file>
+
+<file path=ppt/diagrams/layout1.xml><?xml version="1.0" encoding="utf-8"?>
+<dgm:layoutDef xmlns:dgm="http://schemas.openxmlformats.org/drawingml/2006/diagram" xmlns:a="http://schemas.openxmlformats.org/drawingml/2006/main" uniqueId="urn:microsoft.com/office/officeart/2005/8/layout/vList5">
+  <dgm:title val=""/>
+  <dgm:desc val=""/>
+  <dgm:catLst>
+    <dgm:cat type="list" pri="15000"/>
+    <dgm:cat type="convert" pri="2000"/>
+  </dgm:catLst>
+  <dgm:sampData>
+    <dgm:dataModel>
+      <dgm:ptLst>
+        <dgm:pt modelId="0" type="doc"/>
+        <dgm:pt modelId="1">
+          <dgm:prSet phldr="1"/>
+        </dgm:pt>
+        <dgm:pt modelId="11">
+          <dgm:prSet phldr="1"/>
+        </dgm:pt>
+        <dgm:pt modelId="12">
+          <dgm:prSet phldr="1"/>
+        </dgm:pt>
+        <dgm:pt modelId="2">
+          <dgm:prSet phldr="1"/>
+        </dgm:pt>
+        <dgm:pt modelId="21">
+          <dgm:prSet phldr="1"/>
+        </dgm:pt>
+        <dgm:pt modelId="22">
+          <dgm:prSet phldr="1"/>
+        </dgm:pt>
+        <dgm:pt modelId="3">
+          <dgm:prSet phldr="1"/>
+        </dgm:pt>
+        <dgm:pt modelId="31">
+          <dgm:prSet phldr="1"/>
+        </dgm:pt>
+        <dgm:pt modelId="32">
+          <dgm:prSet phldr="1"/>
+        </dgm:pt>
+      </dgm:ptLst>
+      <dgm:cxnLst>
+        <dgm:cxn modelId="4" srcId="0" destId="1" srcOrd="0" destOrd="0"/>
+        <dgm:cxn modelId="5" srcId="0" destId="2" srcOrd="1" destOrd="0"/>
+        <dgm:cxn modelId="6" srcId="0" destId="3" srcOrd="2" destOrd="0"/>
+        <dgm:cxn modelId="13" srcId="1" destId="11" srcOrd="0" destOrd="0"/>
+        <dgm:cxn modelId="14" srcId="1" destId="12" srcOrd="1" destOrd="0"/>
+        <dgm:cxn modelId="23" srcId="2" destId="21" srcOrd="0" destOrd="0"/>
+        <dgm:cxn modelId="24" srcId="2" destId="22" srcOrd="1" destOrd="0"/>
+        <dgm:cxn modelId="33" srcId="3" destId="31" srcOrd="0" destOrd="0"/>
+        <dgm:cxn modelId="34" srcId="3" destId="32" srcOrd="1" destOrd="0"/>
+      </dgm:cxnLst>
+      <dgm:bg/>
+      <dgm:whole/>
+    </dgm:dataModel>
+  </dgm:sampData>
+  <dgm:styleData>
+    <dgm:dataModel>
+      <dgm:ptLst>
+        <dgm:pt modelId="0" type="doc"/>
+        <dgm:pt modelId="1"/>
+        <dgm:pt modelId="11"/>
+        <dgm:pt modelId="2"/>
+        <dgm:pt modelId="21"/>
+      </dgm:ptLst>
+      <dgm:cxnLst>
+        <dgm:cxn modelId="4" srcId="0" destId="1" srcOrd="0" destOrd="0"/>
+        <dgm:cxn modelId="5" srcId="0" destId="2" srcOrd="1" destOrd="0"/>
+        <dgm:cxn modelId="13" srcId="1" destId="11" srcOrd="0" destOrd="0"/>
+        <dgm:cxn modelId="23" srcId="2" destId="21" srcOrd="0" destOrd="0"/>
+      </dgm:cxnLst>
+      <dgm:bg/>
+      <dgm:whole/>
+    </dgm:dataModel>
+  </dgm:styleData>
+  <dgm:clrData>
+    <dgm:dataModel>
+      <dgm:ptLst>
+        <dgm:pt modelId="0" type="doc"/>
+        <dgm:pt modelId="1"/>
+        <dgm:pt modelId="11"/>
+        <dgm:pt modelId="2"/>
+        <dgm:pt modelId="21"/>
+        <dgm:pt modelId="3"/>
+        <dgm:pt modelId="31"/>
+        <dgm:pt modelId="4"/>
+        <dgm:pt modelId="41"/>
+      </dgm:ptLst>
+      <dgm:cxnLst>
+        <dgm:cxn modelId="5" srcId="0" destId="1" srcOrd="0" destOrd="0"/>
+        <dgm:cxn modelId="6" srcId="0" destId="2" srcOrd="1" destOrd="0"/>
+        <dgm:cxn modelId="7" srcId="0" destId="3" srcOrd="2" destOrd="0"/>
+        <dgm:cxn modelId="8" srcId="0" destId="4" srcOrd="3" destOrd="0"/>
+        <dgm:cxn modelId="13" srcId="1" destId="11" srcOrd="0" destOrd="0"/>
+        <dgm:cxn modelId="23" srcId="2" destId="21" srcOrd="0" destOrd="0"/>
+        <dgm:cxn modelId="33" srcId="3" destId="31" srcOrd="0" destOrd="0"/>
+        <dgm:cxn modelId="43" srcId="4" destId="41" srcOrd="0" destOrd="0"/>
+      </dgm:cxnLst>
+      <dgm:bg/>
+      <dgm:whole/>
+    </dgm:dataModel>
+  </dgm:clrData>
+  <dgm:layoutNode name="Name0">
+    <dgm:varLst>
+      <dgm:dir/>
+      <dgm:animLvl val="lvl"/>
+      <dgm:resizeHandles val="exact"/>
+    </dgm:varLst>
+    <dgm:choose name="Name1">
+      <dgm:if name="Name2" func="var" arg="dir" op="equ" val="norm">
+        <dgm:alg type="lin">
+          <dgm:param type="linDir" val="fromT"/>
+          <dgm:param type="nodeHorzAlign" val="l"/>
+        </dgm:alg>
+      </dgm:if>
+      <dgm:else name="Name3">
+        <dgm:alg type="lin">
+          <dgm:param type="linDir" val="fromT"/>
+          <dgm:param type="nodeHorzAlign" val="r"/>
+        </dgm:alg>
+      </dgm:else>
+    </dgm:choose>
+    <dgm:shape xmlns:r="http://schemas.openxmlformats.org/officeDocument/2006/relationships" r:blip="">
+      <dgm:adjLst/>
+    </dgm:shape>
+    <dgm:presOf/>
+    <dgm:constrLst>
+      <dgm:constr type="h" for="ch" forName="linNode" refType="h"/>
+      <dgm:constr type="w" for="ch" forName="linNode" refType="w"/>
+      <dgm:constr type="h" for="ch" forName="sp" refType="h" fact="0.05"/>
+      <dgm:constr type="primFontSz" for="des" forName="parentText" op="equ" val="65"/>
+      <dgm:constr type="secFontSz" for="des" forName="descendantText" op="equ"/>
+    </dgm:constrLst>
+    <dgm:ruleLst/>
+    <dgm:forEach name="Name4" axis="ch" ptType="node">
+      <dgm:layoutNode name="linNode">
+        <dgm:choose name="Name5">
+          <dgm:if name="Name6" func="var" arg="dir" op="equ" val="norm">
+            <dgm:alg type="lin">
+              <dgm:param type="linDir" val="fromL"/>
+            </dgm:alg>
+          </dgm:if>
+          <dgm:else name="Name7">
+            <dgm:alg type="lin">
+              <dgm:param type="linDir" val="fromR"/>
+            </dgm:alg>
+          </dgm:else>
+        </dgm:choose>
+        <dgm:shape xmlns:r="http://schemas.openxmlformats.org/officeDocument/2006/relationships" r:blip="">
+          <dgm:adjLst/>
+        </dgm:shape>
+        <dgm:presOf/>
+        <dgm:constrLst>
+          <dgm:constr type="w" for="ch" forName="parentText" refType="w" fact="0.36"/>
+          <dgm:constr type="w" for="ch" forName="descendantText" refType="w" fact="0.64"/>
+          <dgm:constr type="h" for="ch" forName="parentText" refType="h"/>
+          <dgm:constr type="h" for="ch" forName="descendantText" refType="h" refFor="ch" refForName="parentText" fact="0.8"/>
+        </dgm:constrLst>
+        <dgm:ruleLst/>
+        <dgm:layoutNode name="parentText">
+          <dgm:varLst>
+            <dgm:chMax val="1"/>
+            <dgm:bulletEnabled val="1"/>
+          </dgm:varLst>
+          <dgm:alg type="tx"/>
+          <dgm:shape xmlns:r="http://schemas.openxmlformats.org/officeDocument/2006/relationships" type="roundRect" r:blip="" zOrderOff="3">
+            <dgm:adjLst/>
+          </dgm:shape>
+          <dgm:presOf axis="self" ptType="node"/>
+          <dgm:constrLst>
+            <dgm:constr type="tMarg" refType="primFontSz" fact="0.15"/>
+            <dgm:constr type="bMarg" refType="primFontSz" fact="0.15"/>
+            <dgm:constr type="lMarg" refType="primFontSz" fact="0.3"/>
+            <dgm:constr type="rMarg" refType="primFontSz" fact="0.3"/>
+          </dgm:constrLst>
+          <dgm:ruleLst>
+            <dgm:rule type="primFontSz" val="5" fact="NaN" max="NaN"/>
+          </dgm:ruleLst>
+        </dgm:layoutNode>
+        <dgm:choose name="Name8">
+          <dgm:if name="Name9" axis="ch" ptType="node" func="cnt" op="gte" val="1">
+            <dgm:layoutNode name="descendantText" styleLbl="alignAccFollowNode1">
+              <dgm:varLst>
+                <dgm:bulletEnabled val="1"/>
+              </dgm:varLst>
+              <dgm:alg type="tx">
+                <dgm:param type="stBulletLvl" val="1"/>
+                <dgm:param type="txAnchorVertCh" val="mid"/>
+              </dgm:alg>
+              <dgm:choose name="Name10">
+                <dgm:if name="Name11" func="var" arg="dir" op="equ" val="norm">
+                  <dgm:shape xmlns:r="http://schemas.openxmlformats.org/officeDocument/2006/relationships" rot="90" type="round2SameRect" r:blip="">
+                    <dgm:adjLst/>
+                  </dgm:shape>
+                </dgm:if>
+                <dgm:else name="Name12">
+                  <dgm:shape xmlns:r="http://schemas.openxmlformats.org/officeDocument/2006/relationships" rot="-90" type="round2SameRect" r:blip="">
+                    <dgm:adjLst/>
+                  </dgm:shape>
+                </dgm:else>
+              </dgm:choose>
+              <dgm:presOf axis="des" ptType="node"/>
+              <dgm:constrLst>
+                <dgm:constr type="secFontSz" val="65"/>
+                <dgm:constr type="primFontSz" refType="secFontSz"/>
+                <dgm:constr type="lMarg" refType="secFontSz" fact="0.3"/>
+                <dgm:constr type="rMarg" refType="secFontSz" fact="0.3"/>
+                <dgm:constr type="tMarg" refType="secFontSz" fact="0.15"/>
+                <dgm:constr type="bMarg" refType="secFontSz" fact="0.15"/>
+              </dgm:constrLst>
+              <dgm:ruleLst>
+                <dgm:rule type="secFontSz" val="5" fact="NaN" max="NaN"/>
+              </dgm:ruleLst>
+            </dgm:layoutNode>
+          </dgm:if>
+          <dgm:else name="Name13"/>
+        </dgm:choose>
+      </dgm:layoutNode>
+      <dgm:forEach name="Name14" axis="followSib" ptType="sibTrans" cnt="1">
+        <dgm:layoutNode name="sp">
+          <dgm:alg type="sp"/>
+          <dgm:shape xmlns:r="http://schemas.openxmlformats.org/officeDocument/2006/relationships" r:blip="">
+            <dgm:adjLst/>
+          </dgm:shape>
+          <dgm:presOf/>
+          <dgm:constrLst/>
+          <dgm:ruleLst/>
+        </dgm:layoutNode>
+      </dgm:forEach>
+    </dgm:forEach>
+  </dgm:layoutNode>
+</dgm:layoutDef>
+</file>
+
+<file path=ppt/diagrams/quickStyle1.xml><?xml version="1.0" encoding="utf-8"?>
+<dgm:styleDef xmlns:dgm="http://schemas.openxmlformats.org/drawingml/2006/diagram" xmlns:a="http://schemas.openxmlformats.org/drawingml/2006/main" uniqueId="urn:microsoft.com/office/officeart/2005/8/quickstyle/simple4">
+  <dgm:title val=""/>
+  <dgm:desc val=""/>
+  <dgm:catLst>
+    <dgm:cat type="simple" pri="10400"/>
+  </dgm:catLst>
+  <dgm:scene3d>
+    <a:camera prst="orthographicFront"/>
+    <a:lightRig rig="threePt" dir="t"/>
+  </dgm:scene3d>
+  <dgm:styleLbl name="node0">
+    <dgm:scene3d>
+      <a:camera prst="orthographicFront"/>
+      <a:lightRig rig="threePt" dir="t"/>
+    </dgm:scene3d>
+    <dgm:sp3d/>
+    <dgm:txPr/>
+    <dgm:style>
+      <a:lnRef idx="0">
+        <a:scrgbClr r="0" g="0" b="0"/>
+      </a:lnRef>
+      <a:fillRef idx="3">
+        <a:scrgbClr r="0" g="0" b="0"/>
+      </a:fillRef>
+      <a:effectRef idx="2">
+        <a:scrgbClr r="0" g="0" b="0"/>
+      </a:effectRef>
+      <a:fontRef idx="minor">
+        <a:schemeClr val="lt1"/>
+      </a:fontRef>
+    </dgm:style>
+  </dgm:styleLbl>
+  <dgm:styleLbl name="lnNode1">
+    <dgm:scene3d>
+      <a:camera prst="orthographicFront"/>
+      <a:lightRig rig="threePt" dir="t"/>
+    </dgm:scene3d>
+    <dgm:sp3d/>
+    <dgm:txPr/>
+    <dgm:style>
+      <a:lnRef idx="1">
+        <a:scrgbClr r="0" g="0" b="0"/>
+      </a:lnRef>
+      <a:fillRef idx="3">
+        <a:scrgbClr r="0" g="0" b="0"/>
+      </a:fillRef>
+      <a:effectRef idx="2">
+        <a:scrgbClr r="0" g="0" b="0"/>
+      </a:effectRef>
+      <a:fontRef idx="minor">
+        <a:schemeClr val="lt1"/>
+      </a:fontRef>
+    </dgm:style>
+  </dgm:styleLbl>
+  <dgm:styleLbl name="vennNode1">
+    <dgm:scene3d>
+      <a:camera prst="orthographicFront"/>
+      <a:lightRig rig="threePt" dir="t"/>
+    </dgm:scene3d>
+    <dgm:sp3d/>
+    <dgm:txPr/>
+    <dgm:style>
+      <a:lnRef idx="0">
+        <a:scrgbClr r="0" g="0" b="0"/>
+      </a:lnRef>
+      <a:fillRef idx="3">
+        <a:scrgbClr r="0" g="0" b="0"/>
+      </a:fillRef>
+      <a:effectRef idx="0">
+        <a:scrgbClr r="0" g="0" b="0"/>
+      </a:effectRef>
+      <a:fontRef idx="minor">
+        <a:schemeClr val="tx1"/>
+      </a:fontRef>
+    </dgm:style>
+  </dgm:styleLbl>
+  <dgm:styleLbl name="alignNode1">
+    <dgm:scene3d>
+      <a:camera prst="orthographicFront"/>
+      <a:lightRig rig="threePt" dir="t"/>
+    </dgm:scene3d>
+    <dgm:sp3d/>
+    <dgm:txPr/>
+    <dgm:style>
+      <a:lnRef idx="1">
+        <a:scrgbClr r="0" g="0" b="0"/>
+      </a:lnRef>
+      <a:fillRef idx="3">
+        <a:scrgbClr r="0" g="0" b="0"/>
+      </a:fillRef>
+      <a:effectRef idx="2">
+        <a:scrgbClr r="0" g="0" b="0"/>
+      </a:effectRef>
+      <a:fontRef idx="minor">
+        <a:schemeClr val="lt1"/>
+      </a:fontRef>
+    </dgm:style>
+  </dgm:styleLbl>
+  <dgm:styleLbl name="node1">
+    <dgm:scene3d>
+      <a:camera prst="orthographicFront"/>
+      <a:lightRig rig="threePt" dir="t"/>
+    </dgm:scene3d>
+    <dgm:sp3d/>
+    <dgm:txPr/>
+    <dgm:style>
+      <a:lnRef idx="0">
+        <a:scrgbClr r="0" g="0" b="0"/>
+      </a:lnRef>
+      <a:fillRef idx="3">
+        <a:scrgbClr r="0" g="0" b="0"/>
+      </a:fillRef>
+      <a:effectRef idx="2">
+        <a:scrgbClr r="0" g="0" b="0"/>
+      </a:effectRef>
+      <a:fontRef idx="minor">
+        <a:schemeClr val="lt1"/>
+      </a:fontRef>
+    </dgm:style>
+  </dgm:styleLbl>
+  <dgm:styleLbl name="node2">
+    <dgm:scene3d>
+      <a:camera prst="orthographicFront"/>
+      <a:lightRig rig="threePt" dir="t"/>
+    </dgm:scene3d>
+    <dgm:sp3d/>
+    <dgm:txPr/>
+    <dgm:style>
+      <a:lnRef idx="0">
+        <a:scrgbClr r="0" g="0" b="0"/>
+      </a:lnRef>
+      <a:fillRef idx="3">
+        <a:scrgbClr r="0" g="0" b="0"/>
+      </a:fillRef>
+      <a:effectRef idx="2">
+        <a:scrgbClr r="0" g="0" b="0"/>
+      </a:effectRef>
+      <a:fontRef idx="minor">
+        <a:schemeClr val="lt1"/>
+      </a:fontRef>
+    </dgm:style>
+  </dgm:styleLbl>
+  <dgm:styleLbl name="node3">
+    <dgm:scene3d>
+      <a:camera prst="orthographicFront"/>
+      <a:lightRig rig="threePt" dir="t"/>
+    </dgm:scene3d>
+    <dgm:sp3d/>
+    <dgm:txPr/>
+    <dgm:style>
+      <a:lnRef idx="0">
+        <a:scrgbClr r="0" g="0" b="0"/>
+      </a:lnRef>
+      <a:fillRef idx="3">
+        <a:scrgbClr r="0" g="0" b="0"/>
+      </a:fillRef>
+      <a:effectRef idx="2">
+        <a:scrgbClr r="0" g="0" b="0"/>
+      </a:effectRef>
+      <a:fontRef idx="minor">
+        <a:schemeClr val="lt1"/>
+      </a:fontRef>
+    </dgm:style>
+  </dgm:styleLbl>
+  <dgm:styleLbl name="node4">
+    <dgm:scene3d>
+      <a:camera prst="orthographicFront"/>
+      <a:lightRig rig="threePt" dir="t"/>
+    </dgm:scene3d>
+    <dgm:sp3d/>
+    <dgm:txPr/>
+    <dgm:style>
+      <a:lnRef idx="0">
+        <a:scrgbClr r="0" g="0" b="0"/>
+      </a:lnRef>
+      <a:fillRef idx="3">
+        <a:scrgbClr r="0" g="0" b="0"/>
+      </a:fillRef>
+      <a:effectRef idx="2">
+        <a:scrgbClr r="0" g="0" b="0"/>
+      </a:effectRef>
+      <a:fontRef idx="minor">
+        <a:schemeClr val="lt1"/>
+      </a:fontRef>
+    </dgm:style>
+  </dgm:styleLbl>
+  <dgm:styleLbl name="fgImgPlace1">
+    <dgm:scene3d>
+      <a:camera prst="orthographicFront"/>
+      <a:lightRig rig="threePt" dir="t"/>
+    </dgm:scene3d>
+    <dgm:sp3d/>
+    <dgm:txPr/>
+    <dgm:style>
+      <a:lnRef idx="0">
+        <a:scrgbClr r="0" g="0" b="0"/>
+      </a:lnRef>
+      <a:fillRef idx="1">
+        <a:scrgbClr r="0" g="0" b="0"/>
+      </a:fillRef>
+      <a:effectRef idx="2">
+        <a:scrgbClr r="0" g="0" b="0"/>
+      </a:effectRef>
+      <a:fontRef idx="minor"/>
+    </dgm:style>
+  </dgm:styleLbl>
+  <dgm:styleLbl name="alignImgPlace1">
+    <dgm:scene3d>
+      <a:camera prst="orthographicFront"/>
+      <a:lightRig rig="threePt" dir="t"/>
+    </dgm:scene3d>
+    <dgm:sp3d/>
+    <dgm:txPr/>
+    <dgm:style>
+      <a:lnRef idx="0">
+        <a:scrgbClr r="0" g="0" b="0"/>
+      </a:lnRef>
+      <a:fillRef idx="1">
+        <a:scrgbClr r="0" g="0" b="0"/>
+      </a:fillRef>
+      <a:effectRef idx="2">
+        <a:scrgbClr r="0" g="0" b="0"/>
+      </a:effectRef>
+      <a:fontRef idx="minor"/>
+    </dgm:style>
+  </dgm:styleLbl>
+  <dgm:styleLbl name="bgImgPlace1">
+    <dgm:scene3d>
+      <a:camera prst="orthographicFront"/>
+      <a:lightRig rig="threePt" dir="t"/>
+    </dgm:scene3d>
+    <dgm:sp3d/>
+    <dgm:txPr/>
+    <dgm:style>
+      <a:lnRef idx="0">
+        <a:scrgbClr r="0" g="0" b="0"/>
+      </a:lnRef>
+      <a:fillRef idx="1">
+        <a:scrgbClr r="0" g="0" b="0"/>
+      </a:fillRef>
+      <a:effectRef idx="2">
+        <a:scrgbClr r="0" g="0" b="0"/>
+      </a:effectRef>
+      <a:fontRef idx="minor"/>
+    </dgm:style>
+  </dgm:styleLbl>
+  <dgm:styleLbl name="sibTrans2D1">
+    <dgm:scene3d>
+      <a:camera prst="orthographicFront"/>
+      <a:lightRig rig="threePt" dir="t"/>
+    </dgm:scene3d>
+    <dgm:sp3d/>
+    <dgm:txPr/>
+    <dgm:style>
+      <a:lnRef idx="0">
+        <a:scrgbClr r="0" g="0" b="0"/>
+      </a:lnRef>
+      <a:fillRef idx="3">
+        <a:scrgbClr r="0" g="0" b="0"/>
+      </a:fillRef>
+      <a:effectRef idx="2">
+        <a:scrgbClr r="0" g="0" b="0"/>
+      </a:effectRef>
+      <a:fontRef idx="minor">
+        <a:schemeClr val="lt1"/>
+      </a:fontRef>
+    </dgm:style>
+  </dgm:styleLbl>
+  <dgm:styleLbl name="fgSibTrans2D1">
+    <dgm:scene3d>
+      <a:camera prst="orthographicFront"/>
+      <a:lightRig rig="threePt" dir="t"/>
+    </dgm:scene3d>
+    <dgm:sp3d/>
+    <dgm:txPr/>
+    <dgm:style>
+      <a:lnRef idx="0">
+        <a:scrgbClr r="0" g="0" b="0"/>
+      </a:lnRef>
+      <a:fillRef idx="3">
+        <a:scrgbClr r="0" g="0" b="0"/>
+      </a:fillRef>
+      <a:effectRef idx="2">
+        <a:scrgbClr r="0" g="0" b="0"/>
+      </a:effectRef>
+      <a:fontRef idx="minor">
+        <a:schemeClr val="lt1"/>
+      </a:fontRef>
+    </dgm:style>
+  </dgm:styleLbl>
+  <dgm:styleLbl name="bgSibTrans2D1">
+    <dgm:scene3d>
+      <a:camera prst="orthographicFront"/>
+      <a:lightRig rig="threePt" dir="t"/>
+    </dgm:scene3d>
+    <dgm:sp3d/>
+    <dgm:txPr/>
+    <dgm:style>
+      <a:lnRef idx="0">
+        <a:scrgbClr r="0" g="0" b="0"/>
+      </a:lnRef>
+      <a:fillRef idx="3">
+        <a:scrgbClr r="0" g="0" b="0"/>
+      </a:fillRef>
+      <a:effectRef idx="2">
+        <a:scrgbClr r="0" g="0" b="0"/>
+      </a:effectRef>
+      <a:fontRef idx="minor">
+        <a:schemeClr val="lt1"/>
+      </a:fontRef>
+    </dgm:style>
+  </dgm:styleLbl>
+  <dgm:styleLbl name="sibTrans1D1">
+    <dgm:scene3d>
+      <a:camera prst="orthographicFront"/>
+      <a:lightRig rig="threePt" dir="t"/>
+    </dgm:scene3d>
+    <dgm:sp3d/>
+    <dgm:txPr/>
+    <dgm:style>
+      <a:lnRef idx="1">
+        <a:scrgbClr r="0" g="0" b="0"/>
+      </a:lnRef>
+      <a:fillRef idx="0">
+        <a:scrgbClr r="0" g="0" b="0"/>
+      </a:fillRef>
+      <a:effectRef idx="0">
+        <a:scrgbClr r="0" g="0" b="0"/>
+      </a:effectRef>
+      <a:fontRef idx="minor"/>
+    </dgm:style>
+  </dgm:styleLbl>
+  <dgm:styleLbl name="callout">
+    <dgm:scene3d>
+      <a:camera prst="orthographicFront"/>
+      <a:lightRig rig="threePt" dir="t"/>
+    </dgm:scene3d>
+    <dgm:sp3d/>
+    <dgm:txPr/>
+    <dgm:style>
+      <a:lnRef idx="2">
+        <a:scrgbClr r="0" g="0" b="0"/>
+      </a:lnRef>
+      <a:fillRef idx="1">
+        <a:scrgbClr r="0" g="0" b="0"/>
+      </a:fillRef>
+      <a:effectRef idx="1">
+        <a:scrgbClr r="0" g="0" b="0"/>
+      </a:effectRef>
+      <a:fontRef idx="minor"/>
+    </dgm:style>
+  </dgm:styleLbl>
+  <dgm:styleLbl name="asst0">
+    <dgm:scene3d>
+      <a:camera prst="orthographicFront"/>
+      <a:lightRig rig="threePt" dir="t"/>
+    </dgm:scene3d>
+    <dgm:sp3d/>
+    <dgm:txPr/>
+    <dgm:style>
+      <a:lnRef idx="0">
+        <a:scrgbClr r="0" g="0" b="0"/>
+      </a:lnRef>
+      <a:fillRef idx="3">
+        <a:scrgbClr r="0" g="0" b="0"/>
+      </a:fillRef>
+      <a:effectRef idx="2">
+        <a:scrgbClr r="0" g="0" b="0"/>
+      </a:effectRef>
+      <a:fontRef idx="minor">
+        <a:schemeClr val="lt1"/>
+      </a:fontRef>
+    </dgm:style>
+  </dgm:styleLbl>
+  <dgm:styleLbl name="asst1">
+    <dgm:scene3d>
+      <a:camera prst="orthographicFront"/>
+      <a:lightRig rig="threePt" dir="t"/>
+    </dgm:scene3d>
+    <dgm:sp3d/>
+    <dgm:txPr/>
+    <dgm:style>
+      <a:lnRef idx="0">
+        <a:scrgbClr r="0" g="0" b="0"/>
+      </a:lnRef>
+      <a:fillRef idx="3">
+        <a:scrgbClr r="0" g="0" b="0"/>
+      </a:fillRef>
+      <a:effectRef idx="2">
+        <a:scrgbClr r="0" g="0" b="0"/>
+      </a:effectRef>
+      <a:fontRef idx="minor">
+        <a:schemeClr val="lt1"/>
+      </a:fontRef>
+    </dgm:style>
+  </dgm:styleLbl>
+  <dgm:styleLbl name="asst2">
+    <dgm:scene3d>
+      <a:camera prst="orthographicFront"/>
+      <a:lightRig rig="threePt" dir="t"/>
+    </dgm:scene3d>
+    <dgm:sp3d/>
+    <dgm:txPr/>
+    <dgm:style>
+      <a:lnRef idx="0">
+        <a:scrgbClr r="0" g="0" b="0"/>
+      </a:lnRef>
+      <a:fillRef idx="3">
+        <a:scrgbClr r="0" g="0" b="0"/>
+      </a:fillRef>
+      <a:effectRef idx="2">
+        <a:scrgbClr r="0" g="0" b="0"/>
+      </a:effectRef>
+      <a:fontRef idx="minor">
+        <a:schemeClr val="lt1"/>
+      </a:fontRef>
+    </dgm:style>
+  </dgm:styleLbl>
+  <dgm:styleLbl name="asst3">
+    <dgm:scene3d>
+      <a:camera prst="orthographicFront"/>
+      <a:lightRig rig="threePt" dir="t"/>
+    </dgm:scene3d>
+    <dgm:sp3d/>
+    <dgm:txPr/>
+    <dgm:style>
+      <a:lnRef idx="0">
+        <a:scrgbClr r="0" g="0" b="0"/>
+      </a:lnRef>
+      <a:fillRef idx="3">
+        <a:scrgbClr r="0" g="0" b="0"/>
+      </a:fillRef>
+      <a:effectRef idx="2">
+        <a:scrgbClr r="0" g="0" b="0"/>
+      </a:effectRef>
+      <a:fontRef idx="minor">
+        <a:schemeClr val="lt1"/>
+      </a:fontRef>
+    </dgm:style>
+  </dgm:styleLbl>
+  <dgm:styleLbl name="asst4">
+    <dgm:scene3d>
+      <a:camera prst="orthographicFront"/>
+      <a:lightRig rig="threePt" dir="t"/>
+    </dgm:scene3d>
+    <dgm:sp3d/>
+    <dgm:txPr/>
+    <dgm:style>
+      <a:lnRef idx="0">
+        <a:scrgbClr r="0" g="0" b="0"/>
+      </a:lnRef>
+      <a:fillRef idx="3">
+        <a:scrgbClr r="0" g="0" b="0"/>
+      </a:fillRef>
+      <a:effectRef idx="2">
+        <a:scrgbClr r="0" g="0" b="0"/>
+      </a:effectRef>
+      <a:fontRef idx="minor">
+        <a:schemeClr val="lt1"/>
+      </a:fontRef>
+    </dgm:style>
+  </dgm:styleLbl>
+  <dgm:styleLbl name="parChTrans2D1">
+    <dgm:scene3d>
+      <a:camera prst="orthographicFront"/>
+      <a:lightRig rig="threePt" dir="t"/>
+    </dgm:scene3d>
+    <dgm:sp3d/>
+    <dgm:txPr/>
+    <dgm:style>
+      <a:lnRef idx="0">
+        <a:scrgbClr r="0" g="0" b="0"/>
+      </a:lnRef>
+      <a:fillRef idx="3">
+        <a:scrgbClr r="0" g="0" b="0"/>
+      </a:fillRef>
+      <a:effectRef idx="2">
+        <a:scrgbClr r="0" g="0" b="0"/>
+      </a:effectRef>
+      <a:fontRef idx="minor">
+        <a:schemeClr val="lt1"/>
+      </a:fontRef>
+    </dgm:style>
+  </dgm:styleLbl>
+  <dgm:styleLbl name="parChTrans2D2">
+    <dgm:scene3d>
+      <a:camera prst="orthographicFront"/>
+      <a:lightRig rig="threePt" dir="t"/>
+    </dgm:scene3d>
+    <dgm:sp3d/>
+    <dgm:txPr/>
+    <dgm:style>
+      <a:lnRef idx="0">
+        <a:scrgbClr r="0" g="0" b="0"/>
+      </a:lnRef>
+      <a:fillRef idx="3">
+        <a:scrgbClr r="0" g="0" b="0"/>
+      </a:fillRef>
+      <a:effectRef idx="2">
+        <a:scrgbClr r="0" g="0" b="0"/>
+      </a:effectRef>
+      <a:fontRef idx="minor">
+        <a:schemeClr val="lt1"/>
+      </a:fontRef>
+    </dgm:style>
+  </dgm:styleLbl>
+  <dgm:styleLbl name="parChTrans2D3">
+    <dgm:scene3d>
+      <a:camera prst="orthographicFront"/>
+      <a:lightRig rig="threePt" dir="t"/>
+    </dgm:scene3d>
+    <dgm:sp3d/>
+    <dgm:txPr/>
+    <dgm:style>
+      <a:lnRef idx="1">
+        <a:scrgbClr r="0" g="0" b="0"/>
+      </a:lnRef>
+      <a:fillRef idx="3">
+        <a:scrgbClr r="0" g="0" b="0"/>
+      </a:fillRef>
+      <a:effectRef idx="2">
+        <a:scrgbClr r="0" g="0" b="0"/>
+      </a:effectRef>
+      <a:fontRef idx="minor">
+        <a:schemeClr val="lt1"/>
+      </a:fontRef>
+    </dgm:style>
+  </dgm:styleLbl>
+  <dgm:styleLbl name="parChTrans2D4">
+    <dgm:scene3d>
+      <a:camera prst="orthographicFront"/>
+      <a:lightRig rig="threePt" dir="t"/>
+    </dgm:scene3d>
+    <dgm:sp3d/>
+    <dgm:txPr/>
+    <dgm:style>
+      <a:lnRef idx="1">
+        <a:scrgbClr r="0" g="0" b="0"/>
+      </a:lnRef>
+      <a:fillRef idx="3">
+        <a:scrgbClr r="0" g="0" b="0"/>
+      </a:fillRef>
+      <a:effectRef idx="2">
+        <a:scrgbClr r="0" g="0" b="0"/>
+      </a:effectRef>
+      <a:fontRef idx="minor">
+        <a:schemeClr val="lt1"/>
+      </a:fontRef>
+    </dgm:style>
+  </dgm:styleLbl>
+  <dgm:styleLbl name="parChTrans1D1">
+    <dgm:scene3d>
+      <a:camera prst="orthographicFront"/>
+      <a:lightRig rig="threePt" dir="t"/>
+    </dgm:scene3d>
+    <dgm:sp3d/>
+    <dgm:txPr/>
+    <dgm:style>
+      <a:lnRef idx="1">
+        <a:scrgbClr r="0" g="0" b="0"/>
+      </a:lnRef>
+      <a:fillRef idx="0">
+        <a:scrgbClr r="0" g="0" b="0"/>
+      </a:fillRef>
+      <a:effectRef idx="0">
+        <a:scrgbClr r="0" g="0" b="0"/>
+      </a:effectRef>
+      <a:fontRef idx="minor"/>
+    </dgm:style>
+  </dgm:styleLbl>
+  <dgm:styleLbl name="parChTrans1D2">
+    <dgm:scene3d>
+      <a:camera prst="orthographicFront"/>
+      <a:lightRig rig="threePt" dir="t"/>
+    </dgm:scene3d>
+    <dgm:sp3d/>
+    <dgm:txPr/>
+    <dgm:style>
+      <a:lnRef idx="1">
+        <a:scrgbClr r="0" g="0" b="0"/>
+      </a:lnRef>
+      <a:fillRef idx="0">
+        <a:scrgbClr r="0" g="0" b="0"/>
+      </a:fillRef>
+      <a:effectRef idx="0">
+        <a:scrgbClr r="0" g="0" b="0"/>
+      </a:effectRef>
+      <a:fontRef idx="minor"/>
+    </dgm:style>
+  </dgm:styleLbl>
+  <dgm:styleLbl name="parChTrans1D3">
+    <dgm:scene3d>
+      <a:camera prst="orthographicFront"/>
+      <a:lightRig rig="threePt" dir="t"/>
+    </dgm:scene3d>
+    <dgm:sp3d/>
+    <dgm:txPr/>
+    <dgm:style>
+      <a:lnRef idx="1">
+        <a:scrgbClr r="0" g="0" b="0"/>
+      </a:lnRef>
+      <a:fillRef idx="0">
+        <a:scrgbClr r="0" g="0" b="0"/>
+      </a:fillRef>
+      <a:effectRef idx="0">
+        <a:scrgbClr r="0" g="0" b="0"/>
+      </a:effectRef>
+      <a:fontRef idx="minor"/>
+    </dgm:style>
+  </dgm:styleLbl>
+  <dgm:styleLbl name="parChTrans1D4">
+    <dgm:scene3d>
+      <a:camera prst="orthographicFront"/>
+      <a:lightRig rig="threePt" dir="t"/>
+    </dgm:scene3d>
+    <dgm:sp3d/>
+    <dgm:txPr/>
+    <dgm:style>
+      <a:lnRef idx="1">
+        <a:scrgbClr r="0" g="0" b="0"/>
+      </a:lnRef>
+      <a:fillRef idx="0">
+        <a:scrgbClr r="0" g="0" b="0"/>
+      </a:fillRef>
+      <a:effectRef idx="0">
+        <a:scrgbClr r="0" g="0" b="0"/>
+      </a:effectRef>
+      <a:fontRef idx="minor"/>
+    </dgm:style>
+  </dgm:styleLbl>
+  <dgm:styleLbl name="fgAcc1">
+    <dgm:scene3d>
+      <a:camera prst="orthographicFront"/>
+      <a:lightRig rig="threePt" dir="t"/>
+    </dgm:scene3d>
+    <dgm:sp3d/>
+    <dgm:txPr/>
+    <dgm:style>
+      <a:lnRef idx="1">
+        <a:scrgbClr r="0" g="0" b="0"/>
+      </a:lnRef>
+      <a:fillRef idx="1">
+        <a:scrgbClr r="0" g="0" b="0"/>
+      </a:fillRef>
+      <a:effectRef idx="0">
+        <a:scrgbClr r="0" g="0" b="0"/>
+      </a:effectRef>
+      <a:fontRef idx="minor"/>
+    </dgm:style>
+  </dgm:styleLbl>
+  <dgm:styleLbl name="conFgAcc1">
+    <dgm:scene3d>
+      <a:camera prst="orthographicFront"/>
+      <a:lightRig rig="threePt" dir="t"/>
+    </dgm:scene3d>
+    <dgm:sp3d/>
+    <dgm:txPr/>
+    <dgm:style>
+      <a:lnRef idx="1">
+        <a:scrgbClr r="0" g="0" b="0"/>
+      </a:lnRef>
+      <a:fillRef idx="1">
+        <a:scrgbClr r="0" g="0" b="0"/>
+      </a:fillRef>
+      <a:effectRef idx="0">
+        <a:scrgbClr r="0" g="0" b="0"/>
+      </a:effectRef>
+      <a:fontRef idx="minor"/>
+    </dgm:style>
+  </dgm:styleLbl>
+  <dgm:styleLbl name="alignAcc1">
+    <dgm:scene3d>
+      <a:camera prst="orthographicFront"/>
+      <a:lightRig rig="threePt" dir="t"/>
+    </dgm:scene3d>
+    <dgm:sp3d/>
+    <dgm:txPr/>
+    <dgm:style>
+      <a:lnRef idx="1">
+        <a:scrgbClr r="0" g="0" b="0"/>
+      </a:lnRef>
+      <a:fillRef idx="1">
+        <a:scrgbClr r="0" g="0" b="0"/>
+      </a:fillRef>
+      <a:effectRef idx="0">
+        <a:scrgbClr r="0" g="0" b="0"/>
+      </a:effectRef>
+      <a:fontRef idx="minor"/>
+    </dgm:style>
+  </dgm:styleLbl>
+  <dgm:styleLbl name="trAlignAcc1">
+    <dgm:scene3d>
+      <a:camera prst="orthographicFront"/>
+      <a:lightRig rig="threePt" dir="t"/>
+    </dgm:scene3d>
+    <dgm:sp3d/>
+    <dgm:txPr/>
+    <dgm:style>
+      <a:lnRef idx="1">
+        <a:scrgbClr r="0" g="0" b="0"/>
+      </a:lnRef>
+      <a:fillRef idx="1">
+        <a:scrgbClr r="0" g="0" b="0"/>
+      </a:fillRef>
+      <a:effectRef idx="0">
+        <a:scrgbClr r="0" g="0" b="0"/>
+      </a:effectRef>
+      <a:fontRef idx="minor"/>
+    </dgm:style>
+  </dgm:styleLbl>
+  <dgm:styleLbl name="bgAcc1">
+    <dgm:scene3d>
+      <a:camera prst="orthographicFront"/>
+      <a:lightRig rig="threePt" dir="t"/>
+    </dgm:scene3d>
+    <dgm:sp3d/>
+    <dgm:txPr/>
+    <dgm:style>
+      <a:lnRef idx="1">
+        <a:scrgbClr r="0" g="0" b="0"/>
+      </a:lnRef>
+      <a:fillRef idx="1">
+        <a:scrgbClr r="0" g="0" b="0"/>
+      </a:fillRef>
+      <a:effectRef idx="0">
+        <a:scrgbClr r="0" g="0" b="0"/>
+      </a:effectRef>
+      <a:fontRef idx="minor"/>
+    </dgm:style>
+  </dgm:styleLbl>
+  <dgm:styleLbl name="solidFgAcc1">
+    <dgm:scene3d>
+      <a:camera prst="orthographicFront"/>
+      <a:lightRig rig="threePt" dir="t"/>
+    </dgm:scene3d>
+    <dgm:sp3d/>
+    <dgm:txPr/>
+    <dgm:style>
+      <a:lnRef idx="1">
+        <a:scrgbClr r="0" g="0" b="0"/>
+      </a:lnRef>
+      <a:fillRef idx="1">
+        <a:scrgbClr r="0" g="0" b="0"/>
+      </a:fillRef>
+      <a:effectRef idx="0">
+        <a:scrgbClr r="0" g="0" b="0"/>
+      </a:effectRef>
+      <a:fontRef idx="minor"/>
+    </dgm:style>
+  </dgm:styleLbl>
+  <dgm:styleLbl name="solidAlignAcc1">
+    <dgm:scene3d>
+      <a:camera prst="orthographicFront"/>
+      <a:lightRig rig="threePt" dir="t"/>
+    </dgm:scene3d>
+    <dgm:sp3d/>
+    <dgm:txPr/>
+    <dgm:style>
+      <a:lnRef idx="1">
+        <a:scrgbClr r="0" g="0" b="0"/>
+      </a:lnRef>
+      <a:fillRef idx="1">
+        <a:scrgbClr r="0" g="0" b="0"/>
+      </a:fillRef>
+      <a:effectRef idx="0">
+        <a:scrgbClr r="0" g="0" b="0"/>
+      </a:effectRef>
+      <a:fontRef idx="minor"/>
+    </dgm:style>
+  </dgm:styleLbl>
+  <dgm:styleLbl name="solidBgAcc1">
+    <dgm:scene3d>
+      <a:camera prst="orthographicFront"/>
+      <a:lightRig rig="threePt" dir="t"/>
+    </dgm:scene3d>
+    <dgm:sp3d/>
+    <dgm:txPr/>
+    <dgm:style>
+      <a:lnRef idx="1">
+        <a:scrgbClr r="0" g="0" b="0"/>
+      </a:lnRef>
+      <a:fillRef idx="1">
+        <a:scrgbClr r="0" g="0" b="0"/>
+      </a:fillRef>
+      <a:effectRef idx="0">
+        <a:scrgbClr r="0" g="0" b="0"/>
+      </a:effectRef>
+      <a:fontRef idx="minor"/>
+    </dgm:style>
+  </dgm:styleLbl>
+  <dgm:styleLbl name="fgAccFollowNode1">
+    <dgm:scene3d>
+      <a:camera prst="orthographicFront"/>
+      <a:lightRig rig="threePt" dir="t"/>
+    </dgm:scene3d>
+    <dgm:sp3d/>
+    <dgm:txPr/>
+    <dgm:style>
+      <a:lnRef idx="1">
+        <a:scrgbClr r="0" g="0" b="0"/>
+      </a:lnRef>
+      <a:fillRef idx="1">
+        <a:scrgbClr r="0" g="0" b="0"/>
+      </a:fillRef>
+      <a:effectRef idx="0">
+        <a:scrgbClr r="0" g="0" b="0"/>
+      </a:effectRef>
+      <a:fontRef idx="minor"/>
+    </dgm:style>
+  </dgm:styleLbl>
+  <dgm:styleLbl name="alignAccFollowNode1">
+    <dgm:scene3d>
+      <a:camera prst="orthographicFront"/>
+      <a:lightRig rig="threePt" dir="t"/>
+    </dgm:scene3d>
+    <dgm:sp3d/>
+    <dgm:txPr/>
+    <dgm:style>
+      <a:lnRef idx="1">
+        <a:scrgbClr r="0" g="0" b="0"/>
+      </a:lnRef>
+      <a:fillRef idx="1">
+        <a:scrgbClr r="0" g="0" b="0"/>
+      </a:fillRef>
+      <a:effectRef idx="0">
+        <a:scrgbClr r="0" g="0" b="0"/>
+      </a:effectRef>
+      <a:fontRef idx="minor"/>
+    </dgm:style>
+  </dgm:styleLbl>
+  <dgm:styleLbl name="bgAccFollowNode1">
+    <dgm:scene3d>
+      <a:camera prst="orthographicFront"/>
+      <a:lightRig rig="threePt" dir="t"/>
+    </dgm:scene3d>
+    <dgm:sp3d/>
+    <dgm:txPr/>
+    <dgm:style>
+      <a:lnRef idx="1">
+        <a:scrgbClr r="0" g="0" b="0"/>
+      </a:lnRef>
+      <a:fillRef idx="1">
+        <a:scrgbClr r="0" g="0" b="0"/>
+      </a:fillRef>
+      <a:effectRef idx="0">
+        <a:scrgbClr r="0" g="0" b="0"/>
+      </a:effectRef>
+      <a:fontRef idx="minor"/>
+    </dgm:style>
+  </dgm:styleLbl>
+  <dgm:styleLbl name="fgAcc0">
+    <dgm:scene3d>
+      <a:camera prst="orthographicFront"/>
+      <a:lightRig rig="threePt" dir="t"/>
+    </dgm:scene3d>
+    <dgm:sp3d/>
+    <dgm:txPr/>
+    <dgm:style>
+      <a:lnRef idx="1">
+        <a:scrgbClr r="0" g="0" b="0"/>
+      </a:lnRef>
+      <a:fillRef idx="1">
+        <a:scrgbClr r="0" g="0" b="0"/>
+      </a:fillRef>
+      <a:effectRef idx="0">
+        <a:scrgbClr r="0" g="0" b="0"/>
+      </a:effectRef>
+      <a:fontRef idx="minor"/>
+    </dgm:style>
+  </dgm:styleLbl>
+  <dgm:styleLbl name="fgAcc2">
+    <dgm:scene3d>
+      <a:camera prst="orthographicFront"/>
+      <a:lightRig rig="threePt" dir="t"/>
+    </dgm:scene3d>
+    <dgm:sp3d/>
+    <dgm:txPr/>
+    <dgm:style>
+      <a:lnRef idx="1">
+        <a:scrgbClr r="0" g="0" b="0"/>
+      </a:lnRef>
+      <a:fillRef idx="1">
+        <a:scrgbClr r="0" g="0" b="0"/>
+      </a:fillRef>
+      <a:effectRef idx="0">
+        <a:scrgbClr r="0" g="0" b="0"/>
+      </a:effectRef>
+      <a:fontRef idx="minor"/>
+    </dgm:style>
+  </dgm:styleLbl>
+  <dgm:styleLbl name="fgAcc3">
+    <dgm:scene3d>
+      <a:camera prst="orthographicFront"/>
+      <a:lightRig rig="threePt" dir="t"/>
+    </dgm:scene3d>
+    <dgm:sp3d/>
+    <dgm:txPr/>
+    <dgm:style>
+      <a:lnRef idx="1">
+        <a:scrgbClr r="0" g="0" b="0"/>
+      </a:lnRef>
+      <a:fillRef idx="1">
+        <a:scrgbClr r="0" g="0" b="0"/>
+      </a:fillRef>
+      <a:effectRef idx="0">
+        <a:scrgbClr r="0" g="0" b="0"/>
+      </a:effectRef>
+      <a:fontRef idx="minor"/>
+    </dgm:style>
+  </dgm:styleLbl>
+  <dgm:styleLbl name="fgAcc4">
+    <dgm:scene3d>
+      <a:camera prst="orthographicFront"/>
+      <a:lightRig rig="threePt" dir="t"/>
+    </dgm:scene3d>
+    <dgm:sp3d/>
+    <dgm:txPr/>
+    <dgm:style>
+      <a:lnRef idx="1">
+        <a:scrgbClr r="0" g="0" b="0"/>
+      </a:lnRef>
+      <a:fillRef idx="1">
+        <a:scrgbClr r="0" g="0" b="0"/>
+      </a:fillRef>
+      <a:effectRef idx="0">
+        <a:scrgbClr r="0" g="0" b="0"/>
+      </a:effectRef>
+      <a:fontRef idx="minor"/>
+    </dgm:style>
+  </dgm:styleLbl>
+  <dgm:styleLbl name="bgShp">
+    <dgm:scene3d>
+      <a:camera prst="orthographicFront"/>
+      <a:lightRig rig="threePt" dir="t"/>
+    </dgm:scene3d>
+    <dgm:sp3d/>
+    <dgm:txPr/>
+    <dgm:style>
+      <a:lnRef idx="0">
+        <a:scrgbClr r="0" g="0" b="0"/>
+      </a:lnRef>
+      <a:fillRef idx="1">
+        <a:scrgbClr r="0" g="0" b="0"/>
+      </a:fillRef>
+      <a:effectRef idx="2">
+        <a:scrgbClr r="0" g="0" b="0"/>
+      </a:effectRef>
+      <a:fontRef idx="minor"/>
+    </dgm:style>
+  </dgm:styleLbl>
+  <dgm:styleLbl name="dkBgShp">
+    <dgm:scene3d>
+      <a:camera prst="orthographicFront"/>
+      <a:lightRig rig="threePt" dir="t"/>
+    </dgm:scene3d>
+    <dgm:sp3d/>
+    <dgm:txPr/>
+    <dgm:style>
+      <a:lnRef idx="0">
+        <a:scrgbClr r="0" g="0" b="0"/>
+      </a:lnRef>
+      <a:fillRef idx="1">
+        <a:scrgbClr r="0" g="0" b="0"/>
+      </a:fillRef>
+      <a:effectRef idx="2">
+        <a:scrgbClr r="0" g="0" b="0"/>
+      </a:effectRef>
+      <a:fontRef idx="minor"/>
+    </dgm:style>
+  </dgm:styleLbl>
+  <dgm:styleLbl name="trBgShp">
+    <dgm:scene3d>
+      <a:camera prst="orthographicFront"/>
+      <a:lightRig rig="threePt" dir="t"/>
+    </dgm:scene3d>
+    <dgm:sp3d/>
+    <dgm:txPr/>
+    <dgm:style>
+      <a:lnRef idx="0">
+        <a:scrgbClr r="0" g="0" b="0"/>
+      </a:lnRef>
+      <a:fillRef idx="1">
+        <a:scrgbClr r="0" g="0" b="0"/>
+      </a:fillRef>
+      <a:effectRef idx="0">
+        <a:scrgbClr r="0" g="0" b="0"/>
+      </a:effectRef>
+      <a:fontRef idx="minor"/>
+    </dgm:style>
+  </dgm:styleLbl>
+  <dgm:styleLbl name="fgShp">
+    <dgm:scene3d>
+      <a:camera prst="orthographicFront"/>
+      <a:lightRig rig="threePt" dir="t"/>
+    </dgm:scene3d>
+    <dgm:sp3d/>
+    <dgm:txPr/>
+    <dgm:style>
+      <a:lnRef idx="0">
+        <a:scrgbClr r="0" g="0" b="0"/>
+      </a:lnRef>
+      <a:fillRef idx="3">
+        <a:scrgbClr r="0" g="0" b="0"/>
+      </a:fillRef>
+      <a:effectRef idx="2">
+        <a:scrgbClr r="0" g="0" b="0"/>
+      </a:effectRef>
+      <a:fontRef idx="minor"/>
+    </dgm:style>
+  </dgm:styleLbl>
+  <dgm:styleLbl name="revTx">
+    <dgm:scene3d>
+      <a:camera prst="orthographicFront"/>
+      <a:lightRig rig="threePt" dir="t"/>
+    </dgm:scene3d>
+    <dgm:sp3d/>
+    <dgm:txPr/>
+    <dgm:style>
+      <a:lnRef idx="0">
+        <a:scrgbClr r="0" g="0" b="0"/>
+      </a:lnRef>
+      <a:fillRef idx="0">
+        <a:scrgbClr r="0" g="0" b="0"/>
+      </a:fillRef>
+      <a:effectRef idx="0">
+        <a:scrgbClr r="0" g="0" b="0"/>
+      </a:effectRef>
+      <a:fontRef idx="minor"/>
+    </dgm:style>
+  </dgm:styleLbl>
+</dgm:styleDef>
 </file>
 
 <file path=ppt/slideLayouts/slideLayout1.xml><?xml version="1.0" encoding="utf-8"?>
@@ -339,7 +3775,7 @@
           <a:p>
             <a:fld id="{0726D8FF-294D-4458-BBC9-9C60930F203D}" type="slidenum">
               <a:rPr lang="de-CH" smtClean="0"/>
-              <a:t>‹Nr.›</a:t>
+              <a:t>‹#›</a:t>
             </a:fld>
             <a:endParaRPr lang="de-CH"/>
           </a:p>
@@ -539,7 +3975,7 @@
           <a:p>
             <a:fld id="{0726D8FF-294D-4458-BBC9-9C60930F203D}" type="slidenum">
               <a:rPr lang="de-CH" smtClean="0"/>
-              <a:t>‹Nr.›</a:t>
+              <a:t>‹#›</a:t>
             </a:fld>
             <a:endParaRPr lang="de-CH"/>
           </a:p>
@@ -749,7 +4185,7 @@
           <a:p>
             <a:fld id="{0726D8FF-294D-4458-BBC9-9C60930F203D}" type="slidenum">
               <a:rPr lang="de-CH" smtClean="0"/>
-              <a:t>‹Nr.›</a:t>
+              <a:t>‹#›</a:t>
             </a:fld>
             <a:endParaRPr lang="de-CH"/>
           </a:p>
@@ -949,7 +4385,7 @@
           <a:p>
             <a:fld id="{0726D8FF-294D-4458-BBC9-9C60930F203D}" type="slidenum">
               <a:rPr lang="de-CH" smtClean="0"/>
-              <a:t>‹Nr.›</a:t>
+              <a:t>‹#›</a:t>
             </a:fld>
             <a:endParaRPr lang="de-CH"/>
           </a:p>
@@ -1225,7 +4661,7 @@
           <a:p>
             <a:fld id="{0726D8FF-294D-4458-BBC9-9C60930F203D}" type="slidenum">
               <a:rPr lang="de-CH" smtClean="0"/>
-              <a:t>‹Nr.›</a:t>
+              <a:t>‹#›</a:t>
             </a:fld>
             <a:endParaRPr lang="de-CH"/>
           </a:p>
@@ -1493,7 +4929,7 @@
           <a:p>
             <a:fld id="{0726D8FF-294D-4458-BBC9-9C60930F203D}" type="slidenum">
               <a:rPr lang="de-CH" smtClean="0"/>
-              <a:t>‹Nr.›</a:t>
+              <a:t>‹#›</a:t>
             </a:fld>
             <a:endParaRPr lang="de-CH"/>
           </a:p>
@@ -1908,7 +5344,7 @@
           <a:p>
             <a:fld id="{0726D8FF-294D-4458-BBC9-9C60930F203D}" type="slidenum">
               <a:rPr lang="de-CH" smtClean="0"/>
-              <a:t>‹Nr.›</a:t>
+              <a:t>‹#›</a:t>
             </a:fld>
             <a:endParaRPr lang="de-CH"/>
           </a:p>
@@ -2050,7 +5486,7 @@
           <a:p>
             <a:fld id="{0726D8FF-294D-4458-BBC9-9C60930F203D}" type="slidenum">
               <a:rPr lang="de-CH" smtClean="0"/>
-              <a:t>‹Nr.›</a:t>
+              <a:t>‹#›</a:t>
             </a:fld>
             <a:endParaRPr lang="de-CH"/>
           </a:p>
@@ -2163,7 +5599,7 @@
           <a:p>
             <a:fld id="{0726D8FF-294D-4458-BBC9-9C60930F203D}" type="slidenum">
               <a:rPr lang="de-CH" smtClean="0"/>
-              <a:t>‹Nr.›</a:t>
+              <a:t>‹#›</a:t>
             </a:fld>
             <a:endParaRPr lang="de-CH"/>
           </a:p>
@@ -2476,7 +5912,7 @@
           <a:p>
             <a:fld id="{0726D8FF-294D-4458-BBC9-9C60930F203D}" type="slidenum">
               <a:rPr lang="de-CH" smtClean="0"/>
-              <a:t>‹Nr.›</a:t>
+              <a:t>‹#›</a:t>
             </a:fld>
             <a:endParaRPr lang="de-CH"/>
           </a:p>
@@ -2765,7 +6201,7 @@
           <a:p>
             <a:fld id="{0726D8FF-294D-4458-BBC9-9C60930F203D}" type="slidenum">
               <a:rPr lang="de-CH" smtClean="0"/>
-              <a:t>‹Nr.›</a:t>
+              <a:t>‹#›</a:t>
             </a:fld>
             <a:endParaRPr lang="de-CH"/>
           </a:p>
@@ -3044,7 +6480,7 @@
           <a:p>
             <a:fld id="{0726D8FF-294D-4458-BBC9-9C60930F203D}" type="slidenum">
               <a:rPr lang="de-CH" smtClean="0"/>
-              <a:t>‹Nr.›</a:t>
+              <a:t>‹#›</a:t>
             </a:fld>
             <a:endParaRPr lang="de-CH"/>
           </a:p>
@@ -3357,6 +6793,14 @@
 <file path=ppt/slides/slide1.xml><?xml version="1.0" encoding="utf-8"?>
 <p:sld xmlns:a="http://schemas.openxmlformats.org/drawingml/2006/main" xmlns:r="http://schemas.openxmlformats.org/officeDocument/2006/relationships" xmlns:p="http://schemas.openxmlformats.org/presentationml/2006/main">
   <p:cSld>
+    <p:bg>
+      <p:bgPr>
+        <a:solidFill>
+          <a:schemeClr val="bg1"/>
+        </a:solidFill>
+        <a:effectLst/>
+      </p:bgPr>
+    </p:bg>
     <p:spTree>
       <p:nvGrpSpPr>
         <p:cNvPr id="1" name=""/>
@@ -3371,6 +6815,337 @@
           <a:chExt cx="0" cy="0"/>
         </a:xfrm>
       </p:grpSpPr>
+      <p:grpSp>
+        <p:nvGrpSpPr>
+          <p:cNvPr id="1069" name="Group 1068">
+            <a:extLst>
+              <a:ext uri="{FF2B5EF4-FFF2-40B4-BE49-F238E27FC236}">
+                <a16:creationId xmlns:a16="http://schemas.microsoft.com/office/drawing/2014/main" id="{CA16F22E-4716-CA29-1F53-4AAD52955EF1}"/>
+              </a:ext>
+              <a:ext uri="{C183D7F6-B498-43B3-948B-1728B52AA6E4}">
+                <adec:decorative xmlns:adec="http://schemas.microsoft.com/office/drawing/2017/decorative" val="1"/>
+              </a:ext>
+            </a:extLst>
+          </p:cNvPr>
+          <p:cNvGrpSpPr>
+            <a:grpSpLocks noGrp="1" noUngrp="1" noRot="1" noChangeAspect="1" noMove="1" noResize="1"/>
+          </p:cNvGrpSpPr>
+          <p:nvPr>
+            <p:extLst>
+              <p:ext uri="{386F3935-93C4-4BCD-93E2-E3B085C9AB24}">
+                <p16:designElem xmlns:p16="http://schemas.microsoft.com/office/powerpoint/2015/main" val="1"/>
+              </p:ext>
+            </p:extLst>
+          </p:nvPr>
+        </p:nvGrpSpPr>
+        <p:grpSpPr>
+          <a:xfrm>
+            <a:off x="7760503" y="-18309"/>
+            <a:ext cx="4438566" cy="6883029"/>
+            <a:chOff x="7760503" y="-18309"/>
+            <a:chExt cx="4438566" cy="6883029"/>
+          </a:xfrm>
+        </p:grpSpPr>
+        <p:sp>
+          <p:nvSpPr>
+            <p:cNvPr id="1070" name="Rectangle 1069">
+              <a:extLst>
+                <a:ext uri="{FF2B5EF4-FFF2-40B4-BE49-F238E27FC236}">
+                  <a16:creationId xmlns:a16="http://schemas.microsoft.com/office/drawing/2014/main" id="{59412336-19ED-F153-443B-C46CDBED6246}"/>
+                </a:ext>
+                <a:ext uri="{C183D7F6-B498-43B3-948B-1728B52AA6E4}">
+                  <adec:decorative xmlns:adec="http://schemas.microsoft.com/office/drawing/2017/decorative" val="1"/>
+                </a:ext>
+              </a:extLst>
+            </p:cNvPr>
+            <p:cNvSpPr/>
+            <p:nvPr>
+              <p:extLst>
+                <p:ext uri="{386F3935-93C4-4BCD-93E2-E3B085C9AB24}">
+                  <p16:designElem xmlns:p16="http://schemas.microsoft.com/office/powerpoint/2015/main" val="1"/>
+                </p:ext>
+              </p:extLst>
+            </p:nvPr>
+          </p:nvSpPr>
+          <p:spPr>
+            <a:xfrm>
+              <a:off x="7760512" y="-11580"/>
+              <a:ext cx="4431490" cy="6876300"/>
+            </a:xfrm>
+            <a:prstGeom prst="rect">
+              <a:avLst/>
+            </a:prstGeom>
+            <a:gradFill>
+              <a:gsLst>
+                <a:gs pos="7000">
+                  <a:schemeClr val="accent2"/>
+                </a:gs>
+                <a:gs pos="100000">
+                  <a:schemeClr val="accent5"/>
+                </a:gs>
+              </a:gsLst>
+              <a:lin ang="4200000" scaled="0"/>
+            </a:gradFill>
+            <a:ln>
+              <a:noFill/>
+            </a:ln>
+          </p:spPr>
+          <p:style>
+            <a:lnRef idx="2">
+              <a:schemeClr val="accent1">
+                <a:shade val="50000"/>
+              </a:schemeClr>
+            </a:lnRef>
+            <a:fillRef idx="1">
+              <a:schemeClr val="accent1"/>
+            </a:fillRef>
+            <a:effectRef idx="0">
+              <a:schemeClr val="accent1"/>
+            </a:effectRef>
+            <a:fontRef idx="minor">
+              <a:schemeClr val="lt1"/>
+            </a:fontRef>
+          </p:style>
+          <p:txBody>
+            <a:bodyPr rtlCol="0" anchor="ctr"/>
+            <a:lstStyle/>
+            <a:p>
+              <a:pPr algn="ctr"/>
+              <a:endParaRPr lang="en-US"/>
+            </a:p>
+          </p:txBody>
+        </p:sp>
+        <p:sp>
+          <p:nvSpPr>
+            <p:cNvPr id="1071" name="Rectangle 1070">
+              <a:extLst>
+                <a:ext uri="{FF2B5EF4-FFF2-40B4-BE49-F238E27FC236}">
+                  <a16:creationId xmlns:a16="http://schemas.microsoft.com/office/drawing/2014/main" id="{1506AA53-E761-6881-5941-313119CC761B}"/>
+                </a:ext>
+                <a:ext uri="{C183D7F6-B498-43B3-948B-1728B52AA6E4}">
+                  <adec:decorative xmlns:adec="http://schemas.microsoft.com/office/drawing/2017/decorative" val="1"/>
+                </a:ext>
+              </a:extLst>
+            </p:cNvPr>
+            <p:cNvSpPr/>
+            <p:nvPr>
+              <p:extLst>
+                <p:ext uri="{386F3935-93C4-4BCD-93E2-E3B085C9AB24}">
+                  <p16:designElem xmlns:p16="http://schemas.microsoft.com/office/powerpoint/2015/main" val="1"/>
+                </p:ext>
+              </p:extLst>
+            </p:nvPr>
+          </p:nvSpPr>
+          <p:spPr>
+            <a:xfrm rot="10800000">
+              <a:off x="7760503" y="1713600"/>
+              <a:ext cx="4431496" cy="5144400"/>
+            </a:xfrm>
+            <a:prstGeom prst="rect">
+              <a:avLst/>
+            </a:prstGeom>
+            <a:gradFill flip="none" rotWithShape="1">
+              <a:gsLst>
+                <a:gs pos="0">
+                  <a:schemeClr val="accent5">
+                    <a:lumMod val="75000"/>
+                  </a:schemeClr>
+                </a:gs>
+                <a:gs pos="60000">
+                  <a:schemeClr val="accent5">
+                    <a:lumMod val="60000"/>
+                    <a:lumOff val="40000"/>
+                    <a:alpha val="0"/>
+                  </a:schemeClr>
+                </a:gs>
+              </a:gsLst>
+              <a:path path="circle">
+                <a:fillToRect r="100000" b="100000"/>
+              </a:path>
+              <a:tileRect l="-100000" t="-100000"/>
+            </a:gradFill>
+            <a:ln w="12700" cap="flat" cmpd="sng" algn="ctr">
+              <a:noFill/>
+              <a:prstDash val="solid"/>
+              <a:miter lim="800000"/>
+            </a:ln>
+            <a:effectLst/>
+          </p:spPr>
+          <p:style>
+            <a:lnRef idx="2">
+              <a:schemeClr val="accent1">
+                <a:shade val="50000"/>
+              </a:schemeClr>
+            </a:lnRef>
+            <a:fillRef idx="1">
+              <a:schemeClr val="accent1"/>
+            </a:fillRef>
+            <a:effectRef idx="0">
+              <a:schemeClr val="accent1"/>
+            </a:effectRef>
+            <a:fontRef idx="minor">
+              <a:schemeClr val="lt1"/>
+            </a:fontRef>
+          </p:style>
+          <p:txBody>
+            <a:bodyPr rtlCol="0" anchor="ctr"/>
+            <a:lstStyle/>
+            <a:p>
+              <a:pPr algn="r"/>
+              <a:endParaRPr lang="en-US"/>
+            </a:p>
+          </p:txBody>
+        </p:sp>
+        <p:sp>
+          <p:nvSpPr>
+            <p:cNvPr id="1072" name="Rectangle 1071">
+              <a:extLst>
+                <a:ext uri="{FF2B5EF4-FFF2-40B4-BE49-F238E27FC236}">
+                  <a16:creationId xmlns:a16="http://schemas.microsoft.com/office/drawing/2014/main" id="{844707E7-29B6-36B5-B4C4-6160DFDB98F5}"/>
+                </a:ext>
+                <a:ext uri="{C183D7F6-B498-43B3-948B-1728B52AA6E4}">
+                  <adec:decorative xmlns:adec="http://schemas.microsoft.com/office/drawing/2017/decorative" val="1"/>
+                </a:ext>
+              </a:extLst>
+            </p:cNvPr>
+            <p:cNvSpPr/>
+            <p:nvPr>
+              <p:extLst>
+                <p:ext uri="{386F3935-93C4-4BCD-93E2-E3B085C9AB24}">
+                  <p16:designElem xmlns:p16="http://schemas.microsoft.com/office/powerpoint/2015/main" val="1"/>
+                </p:ext>
+              </p:extLst>
+            </p:nvPr>
+          </p:nvSpPr>
+          <p:spPr>
+            <a:xfrm>
+              <a:off x="7760509" y="-11586"/>
+              <a:ext cx="3264743" cy="6876300"/>
+            </a:xfrm>
+            <a:prstGeom prst="rect">
+              <a:avLst/>
+            </a:prstGeom>
+            <a:gradFill flip="none" rotWithShape="1">
+              <a:gsLst>
+                <a:gs pos="3000">
+                  <a:schemeClr val="accent2">
+                    <a:lumMod val="60000"/>
+                    <a:lumOff val="40000"/>
+                    <a:alpha val="78000"/>
+                  </a:schemeClr>
+                </a:gs>
+                <a:gs pos="42000">
+                  <a:schemeClr val="accent2">
+                    <a:alpha val="0"/>
+                  </a:schemeClr>
+                </a:gs>
+              </a:gsLst>
+              <a:lin ang="3000000" scaled="0"/>
+              <a:tileRect/>
+            </a:gradFill>
+            <a:ln>
+              <a:noFill/>
+            </a:ln>
+          </p:spPr>
+          <p:style>
+            <a:lnRef idx="2">
+              <a:schemeClr val="accent1">
+                <a:shade val="50000"/>
+              </a:schemeClr>
+            </a:lnRef>
+            <a:fillRef idx="1">
+              <a:schemeClr val="accent1"/>
+            </a:fillRef>
+            <a:effectRef idx="0">
+              <a:schemeClr val="accent1"/>
+            </a:effectRef>
+            <a:fontRef idx="minor">
+              <a:schemeClr val="lt1"/>
+            </a:fontRef>
+          </p:style>
+          <p:txBody>
+            <a:bodyPr rtlCol="0" anchor="ctr"/>
+            <a:lstStyle/>
+            <a:p>
+              <a:pPr algn="ctr"/>
+              <a:endParaRPr lang="en-US"/>
+            </a:p>
+          </p:txBody>
+        </p:sp>
+        <p:sp>
+          <p:nvSpPr>
+            <p:cNvPr id="1073" name="Rectangle 1072">
+              <a:extLst>
+                <a:ext uri="{FF2B5EF4-FFF2-40B4-BE49-F238E27FC236}">
+                  <a16:creationId xmlns:a16="http://schemas.microsoft.com/office/drawing/2014/main" id="{2C1A8476-48ED-D7D6-F383-338B2F00A1BC}"/>
+                </a:ext>
+                <a:ext uri="{C183D7F6-B498-43B3-948B-1728B52AA6E4}">
+                  <adec:decorative xmlns:adec="http://schemas.microsoft.com/office/drawing/2017/decorative" val="1"/>
+                </a:ext>
+              </a:extLst>
+            </p:cNvPr>
+            <p:cNvSpPr/>
+            <p:nvPr>
+              <p:extLst>
+                <p:ext uri="{386F3935-93C4-4BCD-93E2-E3B085C9AB24}">
+                  <p16:designElem xmlns:p16="http://schemas.microsoft.com/office/powerpoint/2015/main" val="1"/>
+                </p:ext>
+              </p:extLst>
+            </p:nvPr>
+          </p:nvSpPr>
+          <p:spPr>
+            <a:xfrm rot="16200000">
+              <a:off x="6547151" y="1202115"/>
+              <a:ext cx="6872341" cy="4431494"/>
+            </a:xfrm>
+            <a:prstGeom prst="rect">
+              <a:avLst/>
+            </a:prstGeom>
+            <a:gradFill>
+              <a:gsLst>
+                <a:gs pos="0">
+                  <a:schemeClr val="accent5">
+                    <a:alpha val="86000"/>
+                  </a:schemeClr>
+                </a:gs>
+                <a:gs pos="57000">
+                  <a:schemeClr val="accent2">
+                    <a:alpha val="0"/>
+                  </a:schemeClr>
+                </a:gs>
+              </a:gsLst>
+              <a:lin ang="13800000" scaled="0"/>
+            </a:gradFill>
+            <a:ln>
+              <a:noFill/>
+            </a:ln>
+          </p:spPr>
+          <p:style>
+            <a:lnRef idx="2">
+              <a:schemeClr val="accent1">
+                <a:shade val="50000"/>
+              </a:schemeClr>
+            </a:lnRef>
+            <a:fillRef idx="1">
+              <a:schemeClr val="accent1"/>
+            </a:fillRef>
+            <a:effectRef idx="0">
+              <a:schemeClr val="accent1"/>
+            </a:effectRef>
+            <a:fontRef idx="minor">
+              <a:schemeClr val="lt1"/>
+            </a:fontRef>
+          </p:style>
+          <p:txBody>
+            <a:bodyPr rtlCol="0" anchor="ctr"/>
+            <a:lstStyle/>
+            <a:p>
+              <a:pPr algn="ctr"/>
+              <a:endParaRPr lang="en-US"/>
+            </a:p>
+          </p:txBody>
+        </p:sp>
+      </p:grpSp>
       <p:sp>
         <p:nvSpPr>
           <p:cNvPr id="2" name="Titel 1">
@@ -3387,16 +7162,90 @@
             <p:ph type="ctrTitle"/>
           </p:nvPr>
         </p:nvSpPr>
-        <p:spPr/>
+        <p:spPr>
+          <a:xfrm>
+            <a:off x="8005485" y="1516258"/>
+            <a:ext cx="3636306" cy="3136500"/>
+          </a:xfrm>
+        </p:spPr>
         <p:txBody>
-          <a:bodyPr/>
+          <a:bodyPr anchor="t">
+            <a:normAutofit/>
+          </a:bodyPr>
           <a:lstStyle/>
           <a:p>
-            <a:r>
-              <a:rPr lang="de-CH" dirty="0" err="1"/>
-              <a:t>Sharit</a:t>
-            </a:r>
-            <a:endParaRPr lang="de-CH" dirty="0"/>
+            <a:pPr algn="l"/>
+            <a:r>
+              <a:rPr lang="de-CH" sz="3200">
+                <a:solidFill>
+                  <a:srgbClr val="FFFFFF"/>
+                </a:solidFill>
+              </a:rPr>
+              <a:t>Share </a:t>
+            </a:r>
+            <a:r>
+              <a:rPr lang="de-CH" sz="3200" err="1">
+                <a:solidFill>
+                  <a:srgbClr val="FFFFFF"/>
+                </a:solidFill>
+              </a:rPr>
+              <a:t>your</a:t>
+            </a:r>
+            <a:r>
+              <a:rPr lang="de-CH" sz="3200">
+                <a:solidFill>
+                  <a:srgbClr val="FFFFFF"/>
+                </a:solidFill>
+              </a:rPr>
+              <a:t> </a:t>
+            </a:r>
+            <a:r>
+              <a:rPr lang="de-CH" sz="3200" err="1">
+                <a:solidFill>
+                  <a:srgbClr val="FFFFFF"/>
+                </a:solidFill>
+              </a:rPr>
+              <a:t>life</a:t>
+            </a:r>
+            <a:r>
+              <a:rPr lang="de-CH" sz="3200">
+                <a:solidFill>
+                  <a:srgbClr val="FFFFFF"/>
+                </a:solidFill>
+              </a:rPr>
+              <a:t>. </a:t>
+            </a:r>
+            <a:r>
+              <a:rPr lang="de-CH" sz="3200" err="1">
+                <a:solidFill>
+                  <a:srgbClr val="FFFFFF"/>
+                </a:solidFill>
+              </a:rPr>
+              <a:t>Now</a:t>
+            </a:r>
+            <a:r>
+              <a:rPr lang="de-CH" sz="3200">
+                <a:solidFill>
+                  <a:srgbClr val="FFFFFF"/>
+                </a:solidFill>
+              </a:rPr>
+              <a:t>.</a:t>
+            </a:r>
+            <a:br>
+              <a:rPr lang="de-CH" sz="3200">
+                <a:solidFill>
+                  <a:srgbClr val="FFFFFF"/>
+                </a:solidFill>
+              </a:rPr>
+            </a:br>
+            <a:r>
+              <a:rPr lang="de-CH" sz="3200">
+                <a:solidFill>
+                  <a:srgbClr val="FFFFFF"/>
+                </a:solidFill>
+              </a:rPr>
+              <a:t> </a:t>
+            </a:r>
           </a:p>
         </p:txBody>
       </p:sp>
@@ -3416,19 +7265,2559 @@
             <p:ph type="subTitle" idx="1"/>
           </p:nvPr>
         </p:nvSpPr>
-        <p:spPr/>
+        <p:spPr>
+          <a:xfrm>
+            <a:off x="8002121" y="5034401"/>
+            <a:ext cx="3962400" cy="1217971"/>
+          </a:xfrm>
+        </p:spPr>
         <p:txBody>
-          <a:bodyPr/>
+          <a:bodyPr anchor="ctr">
+            <a:normAutofit/>
+          </a:bodyPr>
           <a:lstStyle/>
           <a:p>
-            <a:endParaRPr lang="de-CH"/>
+            <a:pPr algn="l"/>
+            <a:r>
+              <a:rPr lang="de-CH" sz="2000">
+                <a:solidFill>
+                  <a:srgbClr val="FFFFFF"/>
+                </a:solidFill>
+              </a:rPr>
+              <a:t>Von </a:t>
+            </a:r>
+            <a:r>
+              <a:rPr lang="de-CH" sz="2000" err="1">
+                <a:solidFill>
+                  <a:srgbClr val="FFFFFF"/>
+                </a:solidFill>
+              </a:rPr>
+              <a:t>Vuk</a:t>
+            </a:r>
+            <a:r>
+              <a:rPr lang="de-CH" sz="2000">
+                <a:solidFill>
+                  <a:srgbClr val="FFFFFF"/>
+                </a:solidFill>
+              </a:rPr>
+              <a:t> </a:t>
+            </a:r>
+            <a:r>
+              <a:rPr lang="de-CH" sz="2000" err="1">
+                <a:solidFill>
+                  <a:srgbClr val="FFFFFF"/>
+                </a:solidFill>
+              </a:rPr>
+              <a:t>Tanaskovic</a:t>
+            </a:r>
+            <a:r>
+              <a:rPr lang="de-CH" sz="2000">
+                <a:solidFill>
+                  <a:srgbClr val="FFFFFF"/>
+                </a:solidFill>
+              </a:rPr>
+              <a:t>, Elion Krasniqi, Luka Coric und Lukas Grüter</a:t>
+            </a:r>
+          </a:p>
+        </p:txBody>
+      </p:sp>
+      <p:pic>
+        <p:nvPicPr>
+          <p:cNvPr id="1026" name="Picture 2" descr="Sharit – Apps bei Google Play">
+            <a:extLst>
+              <a:ext uri="{FF2B5EF4-FFF2-40B4-BE49-F238E27FC236}">
+                <a16:creationId xmlns:a16="http://schemas.microsoft.com/office/drawing/2014/main" id="{3D481D99-69BF-45D4-36B4-B450E4052FAD}"/>
+              </a:ext>
+            </a:extLst>
+          </p:cNvPr>
+          <p:cNvPicPr>
+            <a:picLocks noChangeAspect="1" noChangeArrowheads="1"/>
+          </p:cNvPicPr>
+          <p:nvPr/>
+        </p:nvPicPr>
+        <p:blipFill rotWithShape="1">
+          <a:blip r:embed="rId2">
+            <a:extLst>
+              <a:ext uri="{28A0092B-C50C-407E-A947-70E740481C1C}">
+                <a14:useLocalDpi xmlns:a14="http://schemas.microsoft.com/office/drawing/2010/main" val="0"/>
+              </a:ext>
+            </a:extLst>
+          </a:blip>
+          <a:srcRect t="6232" r="-1" b="5212"/>
+          <a:stretch/>
+        </p:blipFill>
+        <p:spPr bwMode="auto">
+          <a:xfrm>
+            <a:off x="1" y="-7623"/>
+            <a:ext cx="7760508" cy="6872343"/>
+          </a:xfrm>
+          <a:prstGeom prst="rect">
+            <a:avLst/>
+          </a:prstGeom>
+          <a:noFill/>
+          <a:extLst>
+            <a:ext uri="{909E8E84-426E-40DD-AFC4-6F175D3DCCD1}">
+              <a14:hiddenFill xmlns:a14="http://schemas.microsoft.com/office/drawing/2010/main">
+                <a:solidFill>
+                  <a:srgbClr val="FFFFFF"/>
+                </a:solidFill>
+              </a14:hiddenFill>
+            </a:ext>
+          </a:extLst>
+        </p:spPr>
+      </p:pic>
+    </p:spTree>
+    <p:extLst>
+      <p:ext uri="{BB962C8B-B14F-4D97-AF65-F5344CB8AC3E}">
+        <p14:creationId xmlns:p14="http://schemas.microsoft.com/office/powerpoint/2010/main" val="663256495"/>
+      </p:ext>
+    </p:extLst>
+  </p:cSld>
+  <p:clrMapOvr>
+    <a:masterClrMapping/>
+  </p:clrMapOvr>
+  <p:timing>
+    <p:tnLst>
+      <p:par>
+        <p:cTn id="1" dur="indefinite" restart="never" nodeType="tmRoot">
+          <p:childTnLst>
+            <p:seq concurrent="1" nextAc="seek">
+              <p:cTn id="2" dur="indefinite" nodeType="mainSeq">
+                <p:childTnLst>
+                  <p:par>
+                    <p:cTn id="3" fill="hold">
+                      <p:stCondLst>
+                        <p:cond delay="indefinite"/>
+                        <p:cond evt="onBegin" delay="0">
+                          <p:tn val="2"/>
+                        </p:cond>
+                      </p:stCondLst>
+                      <p:childTnLst>
+                        <p:par>
+                          <p:cTn id="4" fill="hold">
+                            <p:stCondLst>
+                              <p:cond delay="0"/>
+                            </p:stCondLst>
+                            <p:childTnLst>
+                              <p:par>
+                                <p:cTn id="5" presetID="10" presetClass="entr" presetSubtype="0" fill="hold" grpId="0" nodeType="withEffect">
+                                  <p:stCondLst>
+                                    <p:cond delay="1000"/>
+                                  </p:stCondLst>
+                                  <p:iterate>
+                                    <p:tmPct val="10000"/>
+                                  </p:iterate>
+                                  <p:childTnLst>
+                                    <p:set>
+                                      <p:cBhvr>
+                                        <p:cTn id="6" dur="1" fill="hold">
+                                          <p:stCondLst>
+                                            <p:cond delay="0"/>
+                                          </p:stCondLst>
+                                        </p:cTn>
+                                        <p:tgtEl>
+                                          <p:spTgt spid="2"/>
+                                        </p:tgtEl>
+                                        <p:attrNameLst>
+                                          <p:attrName>style.visibility</p:attrName>
+                                        </p:attrNameLst>
+                                      </p:cBhvr>
+                                      <p:to>
+                                        <p:strVal val="visible"/>
+                                      </p:to>
+                                    </p:set>
+                                    <p:animEffect transition="in" filter="fade">
+                                      <p:cBhvr>
+                                        <p:cTn id="7" dur="700"/>
+                                        <p:tgtEl>
+                                          <p:spTgt spid="2"/>
+                                        </p:tgtEl>
+                                      </p:cBhvr>
+                                    </p:animEffect>
+                                  </p:childTnLst>
+                                </p:cTn>
+                              </p:par>
+                            </p:childTnLst>
+                          </p:cTn>
+                        </p:par>
+                      </p:childTnLst>
+                    </p:cTn>
+                  </p:par>
+                </p:childTnLst>
+              </p:cTn>
+              <p:prevCondLst>
+                <p:cond evt="onPrev" delay="0">
+                  <p:tgtEl>
+                    <p:sldTgt/>
+                  </p:tgtEl>
+                </p:cond>
+              </p:prevCondLst>
+              <p:nextCondLst>
+                <p:cond evt="onNext" delay="0">
+                  <p:tgtEl>
+                    <p:sldTgt/>
+                  </p:tgtEl>
+                </p:cond>
+              </p:nextCondLst>
+            </p:seq>
+          </p:childTnLst>
+        </p:cTn>
+      </p:par>
+    </p:tnLst>
+    <p:bldLst>
+      <p:bldP spid="2" grpId="0"/>
+    </p:bldLst>
+  </p:timing>
+</p:sld>
+</file>
+
+<file path=ppt/slides/slide2.xml><?xml version="1.0" encoding="utf-8"?>
+<p:sld xmlns:a="http://schemas.openxmlformats.org/drawingml/2006/main" xmlns:r="http://schemas.openxmlformats.org/officeDocument/2006/relationships" xmlns:p="http://schemas.openxmlformats.org/presentationml/2006/main">
+  <p:cSld>
+    <p:bg>
+      <p:bgPr>
+        <a:solidFill>
+          <a:schemeClr val="bg1"/>
+        </a:solidFill>
+        <a:effectLst/>
+      </p:bgPr>
+    </p:bg>
+    <p:spTree>
+      <p:nvGrpSpPr>
+        <p:cNvPr id="1" name=""/>
+        <p:cNvGrpSpPr/>
+        <p:nvPr/>
+      </p:nvGrpSpPr>
+      <p:grpSpPr>
+        <a:xfrm>
+          <a:off x="0" y="0"/>
+          <a:ext cx="0" cy="0"/>
+          <a:chOff x="0" y="0"/>
+          <a:chExt cx="0" cy="0"/>
+        </a:xfrm>
+      </p:grpSpPr>
+      <p:sp useBgFill="1">
+        <p:nvSpPr>
+          <p:cNvPr id="2078" name="Rectangle 2077">
+            <a:extLst>
+              <a:ext uri="{FF2B5EF4-FFF2-40B4-BE49-F238E27FC236}">
+                <a16:creationId xmlns:a16="http://schemas.microsoft.com/office/drawing/2014/main" id="{8181FC64-B306-4821-98E2-780662EFC486}"/>
+              </a:ext>
+              <a:ext uri="{C183D7F6-B498-43B3-948B-1728B52AA6E4}">
+                <adec:decorative xmlns:adec="http://schemas.microsoft.com/office/drawing/2017/decorative" val="1"/>
+              </a:ext>
+            </a:extLst>
+          </p:cNvPr>
+          <p:cNvSpPr>
+            <a:spLocks noGrp="1" noRot="1" noChangeAspect="1" noMove="1" noResize="1" noEditPoints="1" noAdjustHandles="1" noChangeArrowheads="1" noChangeShapeType="1" noTextEdit="1"/>
+          </p:cNvSpPr>
+          <p:nvPr>
+            <p:extLst>
+              <p:ext uri="{386F3935-93C4-4BCD-93E2-E3B085C9AB24}">
+                <p16:designElem xmlns:p16="http://schemas.microsoft.com/office/powerpoint/2015/main" val="1"/>
+              </p:ext>
+            </p:extLst>
+          </p:nvPr>
+        </p:nvSpPr>
+        <p:spPr>
+          <a:xfrm>
+            <a:off x="305" y="0"/>
+            <a:ext cx="12191695" cy="6858000"/>
+          </a:xfrm>
+          <a:prstGeom prst="rect">
+            <a:avLst/>
+          </a:prstGeom>
+          <a:ln>
+            <a:noFill/>
+          </a:ln>
+        </p:spPr>
+        <p:style>
+          <a:lnRef idx="2">
+            <a:schemeClr val="accent1">
+              <a:shade val="50000"/>
+            </a:schemeClr>
+          </a:lnRef>
+          <a:fillRef idx="1">
+            <a:schemeClr val="accent1"/>
+          </a:fillRef>
+          <a:effectRef idx="0">
+            <a:schemeClr val="accent1"/>
+          </a:effectRef>
+          <a:fontRef idx="minor">
+            <a:schemeClr val="lt1"/>
+          </a:fontRef>
+        </p:style>
+        <p:txBody>
+          <a:bodyPr rtlCol="0" anchor="ctr"/>
+          <a:lstStyle/>
+          <a:p>
+            <a:pPr marL="0" marR="0" lvl="0" indent="0" algn="ctr" defTabSz="457200" rtl="0" eaLnBrk="1" fontAlgn="auto" latinLnBrk="0" hangingPunct="1">
+              <a:lnSpc>
+                <a:spcPct val="100000"/>
+              </a:lnSpc>
+              <a:spcBef>
+                <a:spcPts val="0"/>
+              </a:spcBef>
+              <a:spcAft>
+                <a:spcPts val="0"/>
+              </a:spcAft>
+              <a:buClrTx/>
+              <a:buSzTx/>
+              <a:buFontTx/>
+              <a:buNone/>
+              <a:tabLst/>
+              <a:defRPr/>
+            </a:pPr>
+            <a:endParaRPr kumimoji="0" lang="en-US" sz="1800" b="0" i="0" u="none" strike="noStrike" kern="1200" cap="none" spc="0" normalizeH="0" baseline="0" noProof="0">
+              <a:ln>
+                <a:noFill/>
+              </a:ln>
+              <a:solidFill>
+                <a:prstClr val="white"/>
+              </a:solidFill>
+              <a:effectLst/>
+              <a:uLnTx/>
+              <a:uFillTx/>
+              <a:latin typeface="Meiryo"/>
+              <a:ea typeface="+mn-ea"/>
+              <a:cs typeface="+mn-cs"/>
+            </a:endParaRPr>
+          </a:p>
+        </p:txBody>
+      </p:sp>
+      <p:pic>
+        <p:nvPicPr>
+          <p:cNvPr id="2050" name="Picture 2" descr="Alles was Sie über Social Media Marketing wissen müssen – COPE Content  Performance Group">
+            <a:extLst>
+              <a:ext uri="{FF2B5EF4-FFF2-40B4-BE49-F238E27FC236}">
+                <a16:creationId xmlns:a16="http://schemas.microsoft.com/office/drawing/2014/main" id="{949B8B60-BB81-DFD1-D032-47F8C107398A}"/>
+              </a:ext>
+            </a:extLst>
+          </p:cNvPr>
+          <p:cNvPicPr>
+            <a:picLocks noChangeAspect="1" noChangeArrowheads="1"/>
+          </p:cNvPicPr>
+          <p:nvPr/>
+        </p:nvPicPr>
+        <p:blipFill rotWithShape="1">
+          <a:blip r:embed="rId2">
+            <a:extLst>
+              <a:ext uri="{28A0092B-C50C-407E-A947-70E740481C1C}">
+                <a14:useLocalDpi xmlns:a14="http://schemas.microsoft.com/office/drawing/2010/main" val="0"/>
+              </a:ext>
+            </a:extLst>
+          </a:blip>
+          <a:srcRect l="15508" r="2905"/>
+          <a:stretch/>
+        </p:blipFill>
+        <p:spPr bwMode="auto">
+          <a:xfrm>
+            <a:off x="20" y="10"/>
+            <a:ext cx="9947062" cy="6857990"/>
+          </a:xfrm>
+          <a:prstGeom prst="rect">
+            <a:avLst/>
+          </a:prstGeom>
+          <a:noFill/>
+          <a:extLst>
+            <a:ext uri="{909E8E84-426E-40DD-AFC4-6F175D3DCCD1}">
+              <a14:hiddenFill xmlns:a14="http://schemas.microsoft.com/office/drawing/2010/main">
+                <a:solidFill>
+                  <a:srgbClr val="FFFFFF"/>
+                </a:solidFill>
+              </a14:hiddenFill>
+            </a:ext>
+          </a:extLst>
+        </p:spPr>
+      </p:pic>
+      <p:sp>
+        <p:nvSpPr>
+          <p:cNvPr id="2080" name="Freeform: Shape 2079">
+            <a:extLst>
+              <a:ext uri="{FF2B5EF4-FFF2-40B4-BE49-F238E27FC236}">
+                <a16:creationId xmlns:a16="http://schemas.microsoft.com/office/drawing/2014/main" id="{5871FC61-DD4E-47D4-81FD-8A7E7D12B371}"/>
+              </a:ext>
+              <a:ext uri="{C183D7F6-B498-43B3-948B-1728B52AA6E4}">
+                <adec:decorative xmlns:adec="http://schemas.microsoft.com/office/drawing/2017/decorative" val="1"/>
+              </a:ext>
+            </a:extLst>
+          </p:cNvPr>
+          <p:cNvSpPr>
+            <a:spLocks noGrp="1" noRot="1" noChangeAspect="1" noMove="1" noResize="1" noEditPoints="1" noAdjustHandles="1" noChangeArrowheads="1" noChangeShapeType="1" noTextEdit="1"/>
+          </p:cNvSpPr>
+          <p:nvPr>
+            <p:extLst>
+              <p:ext uri="{386F3935-93C4-4BCD-93E2-E3B085C9AB24}">
+                <p16:designElem xmlns:p16="http://schemas.microsoft.com/office/powerpoint/2015/main" val="1"/>
+              </p:ext>
+            </p:extLst>
+          </p:nvPr>
+        </p:nvSpPr>
+        <p:spPr>
+          <a:xfrm flipH="1">
+            <a:off x="6986049" y="0"/>
+            <a:ext cx="5205951" cy="6858000"/>
+          </a:xfrm>
+          <a:custGeom>
+            <a:avLst/>
+            <a:gdLst>
+              <a:gd name="connsiteX0" fmla="*/ 0 w 5205951"/>
+              <a:gd name="connsiteY0" fmla="*/ 0 h 6858000"/>
+              <a:gd name="connsiteX1" fmla="*/ 1709529 w 5205951"/>
+              <a:gd name="connsiteY1" fmla="*/ 0 h 6858000"/>
+              <a:gd name="connsiteX2" fmla="*/ 2489695 w 5205951"/>
+              <a:gd name="connsiteY2" fmla="*/ 0 h 6858000"/>
+              <a:gd name="connsiteX3" fmla="*/ 3582928 w 5205951"/>
+              <a:gd name="connsiteY3" fmla="*/ 0 h 6858000"/>
+              <a:gd name="connsiteX4" fmla="*/ 3605052 w 5205951"/>
+              <a:gd name="connsiteY4" fmla="*/ 14997 h 6858000"/>
+              <a:gd name="connsiteX5" fmla="*/ 5205951 w 5205951"/>
+              <a:gd name="connsiteY5" fmla="*/ 3621656 h 6858000"/>
+              <a:gd name="connsiteX6" fmla="*/ 3331601 w 5205951"/>
+              <a:gd name="connsiteY6" fmla="*/ 6374814 h 6858000"/>
+              <a:gd name="connsiteX7" fmla="*/ 2814953 w 5205951"/>
+              <a:gd name="connsiteY7" fmla="*/ 6780599 h 6858000"/>
+              <a:gd name="connsiteX8" fmla="*/ 2703197 w 5205951"/>
+              <a:gd name="connsiteY8" fmla="*/ 6858000 h 6858000"/>
+              <a:gd name="connsiteX9" fmla="*/ 2489695 w 5205951"/>
+              <a:gd name="connsiteY9" fmla="*/ 6858000 h 6858000"/>
+              <a:gd name="connsiteX10" fmla="*/ 1709529 w 5205951"/>
+              <a:gd name="connsiteY10" fmla="*/ 6858000 h 6858000"/>
+              <a:gd name="connsiteX11" fmla="*/ 0 w 5205951"/>
+              <a:gd name="connsiteY11" fmla="*/ 6858000 h 6858000"/>
+            </a:gdLst>
+            <a:ahLst/>
+            <a:cxnLst>
+              <a:cxn ang="0">
+                <a:pos x="connsiteX0" y="connsiteY0"/>
+              </a:cxn>
+              <a:cxn ang="0">
+                <a:pos x="connsiteX1" y="connsiteY1"/>
+              </a:cxn>
+              <a:cxn ang="0">
+                <a:pos x="connsiteX2" y="connsiteY2"/>
+              </a:cxn>
+              <a:cxn ang="0">
+                <a:pos x="connsiteX3" y="connsiteY3"/>
+              </a:cxn>
+              <a:cxn ang="0">
+                <a:pos x="connsiteX4" y="connsiteY4"/>
+              </a:cxn>
+              <a:cxn ang="0">
+                <a:pos x="connsiteX5" y="connsiteY5"/>
+              </a:cxn>
+              <a:cxn ang="0">
+                <a:pos x="connsiteX6" y="connsiteY6"/>
+              </a:cxn>
+              <a:cxn ang="0">
+                <a:pos x="connsiteX7" y="connsiteY7"/>
+              </a:cxn>
+              <a:cxn ang="0">
+                <a:pos x="connsiteX8" y="connsiteY8"/>
+              </a:cxn>
+              <a:cxn ang="0">
+                <a:pos x="connsiteX9" y="connsiteY9"/>
+              </a:cxn>
+              <a:cxn ang="0">
+                <a:pos x="connsiteX10" y="connsiteY10"/>
+              </a:cxn>
+              <a:cxn ang="0">
+                <a:pos x="connsiteX11" y="connsiteY11"/>
+              </a:cxn>
+            </a:cxnLst>
+            <a:rect l="l" t="t" r="r" b="b"/>
+            <a:pathLst>
+              <a:path w="5205951" h="6858000">
+                <a:moveTo>
+                  <a:pt x="0" y="0"/>
+                </a:moveTo>
+                <a:lnTo>
+                  <a:pt x="1709529" y="0"/>
+                </a:lnTo>
+                <a:lnTo>
+                  <a:pt x="2489695" y="0"/>
+                </a:lnTo>
+                <a:lnTo>
+                  <a:pt x="3582928" y="0"/>
+                </a:lnTo>
+                <a:lnTo>
+                  <a:pt x="3605052" y="14997"/>
+                </a:lnTo>
+                <a:cubicBezTo>
+                  <a:pt x="4632215" y="754641"/>
+                  <a:pt x="5205951" y="2093192"/>
+                  <a:pt x="5205951" y="3621656"/>
+                </a:cubicBezTo>
+                <a:cubicBezTo>
+                  <a:pt x="5205951" y="4969131"/>
+                  <a:pt x="4277226" y="5602839"/>
+                  <a:pt x="3331601" y="6374814"/>
+                </a:cubicBezTo>
+                <a:cubicBezTo>
+                  <a:pt x="3159398" y="6515397"/>
+                  <a:pt x="2988771" y="6653108"/>
+                  <a:pt x="2814953" y="6780599"/>
+                </a:cubicBezTo>
+                <a:lnTo>
+                  <a:pt x="2703197" y="6858000"/>
+                </a:lnTo>
+                <a:lnTo>
+                  <a:pt x="2489695" y="6858000"/>
+                </a:lnTo>
+                <a:lnTo>
+                  <a:pt x="1709529" y="6858000"/>
+                </a:lnTo>
+                <a:lnTo>
+                  <a:pt x="0" y="6858000"/>
+                </a:lnTo>
+                <a:close/>
+              </a:path>
+            </a:pathLst>
+          </a:custGeom>
+          <a:solidFill>
+            <a:srgbClr val="FFFFFF">
+              <a:alpha val="60000"/>
+            </a:srgbClr>
+          </a:solidFill>
+          <a:ln>
+            <a:noFill/>
+          </a:ln>
+        </p:spPr>
+        <p:style>
+          <a:lnRef idx="2">
+            <a:schemeClr val="accent1">
+              <a:shade val="50000"/>
+            </a:schemeClr>
+          </a:lnRef>
+          <a:fillRef idx="1">
+            <a:schemeClr val="accent1"/>
+          </a:fillRef>
+          <a:effectRef idx="0">
+            <a:schemeClr val="accent1"/>
+          </a:effectRef>
+          <a:fontRef idx="minor">
+            <a:schemeClr val="lt1"/>
+          </a:fontRef>
+        </p:style>
+        <p:txBody>
+          <a:bodyPr wrap="square" rtlCol="0" anchor="ctr">
+            <a:noAutofit/>
+          </a:bodyPr>
+          <a:lstStyle/>
+          <a:p>
+            <a:pPr algn="ctr"/>
+            <a:endParaRPr lang="en-US"/>
+          </a:p>
+        </p:txBody>
+      </p:sp>
+      <p:sp useBgFill="1">
+        <p:nvSpPr>
+          <p:cNvPr id="2082" name="Freeform: Shape 2081">
+            <a:extLst>
+              <a:ext uri="{FF2B5EF4-FFF2-40B4-BE49-F238E27FC236}">
+                <a16:creationId xmlns:a16="http://schemas.microsoft.com/office/drawing/2014/main" id="{F9EC3F91-A75C-4F74-867E-E4C28C13546B}"/>
+              </a:ext>
+              <a:ext uri="{C183D7F6-B498-43B3-948B-1728B52AA6E4}">
+                <adec:decorative xmlns:adec="http://schemas.microsoft.com/office/drawing/2017/decorative" val="1"/>
+              </a:ext>
+            </a:extLst>
+          </p:cNvPr>
+          <p:cNvSpPr>
+            <a:spLocks noGrp="1" noRot="1" noChangeAspect="1" noMove="1" noResize="1" noEditPoints="1" noAdjustHandles="1" noChangeArrowheads="1" noChangeShapeType="1" noTextEdit="1"/>
+          </p:cNvSpPr>
+          <p:nvPr>
+            <p:extLst>
+              <p:ext uri="{386F3935-93C4-4BCD-93E2-E3B085C9AB24}">
+                <p16:designElem xmlns:p16="http://schemas.microsoft.com/office/powerpoint/2015/main" val="1"/>
+              </p:ext>
+            </p:extLst>
+          </p:nvPr>
+        </p:nvSpPr>
+        <p:spPr>
+          <a:xfrm>
+            <a:off x="7148226" y="0"/>
+            <a:ext cx="5043774" cy="6858000"/>
+          </a:xfrm>
+          <a:custGeom>
+            <a:avLst/>
+            <a:gdLst>
+              <a:gd name="connsiteX0" fmla="*/ 1648981 w 5043774"/>
+              <a:gd name="connsiteY0" fmla="*/ 0 h 6858000"/>
+              <a:gd name="connsiteX1" fmla="*/ 2759699 w 5043774"/>
+              <a:gd name="connsiteY1" fmla="*/ 0 h 6858000"/>
+              <a:gd name="connsiteX2" fmla="*/ 3379301 w 5043774"/>
+              <a:gd name="connsiteY2" fmla="*/ 0 h 6858000"/>
+              <a:gd name="connsiteX3" fmla="*/ 3552342 w 5043774"/>
+              <a:gd name="connsiteY3" fmla="*/ 0 h 6858000"/>
+              <a:gd name="connsiteX4" fmla="*/ 4617166 w 5043774"/>
+              <a:gd name="connsiteY4" fmla="*/ 0 h 6858000"/>
+              <a:gd name="connsiteX5" fmla="*/ 4786130 w 5043774"/>
+              <a:gd name="connsiteY5" fmla="*/ 0 h 6858000"/>
+              <a:gd name="connsiteX6" fmla="*/ 4980168 w 5043774"/>
+              <a:gd name="connsiteY6" fmla="*/ 0 h 6858000"/>
+              <a:gd name="connsiteX7" fmla="*/ 5043774 w 5043774"/>
+              <a:gd name="connsiteY7" fmla="*/ 0 h 6858000"/>
+              <a:gd name="connsiteX8" fmla="*/ 5043774 w 5043774"/>
+              <a:gd name="connsiteY8" fmla="*/ 6858000 h 6858000"/>
+              <a:gd name="connsiteX9" fmla="*/ 4980168 w 5043774"/>
+              <a:gd name="connsiteY9" fmla="*/ 6858000 h 6858000"/>
+              <a:gd name="connsiteX10" fmla="*/ 4786130 w 5043774"/>
+              <a:gd name="connsiteY10" fmla="*/ 6858000 h 6858000"/>
+              <a:gd name="connsiteX11" fmla="*/ 4617166 w 5043774"/>
+              <a:gd name="connsiteY11" fmla="*/ 6858000 h 6858000"/>
+              <a:gd name="connsiteX12" fmla="*/ 3552342 w 5043774"/>
+              <a:gd name="connsiteY12" fmla="*/ 6858000 h 6858000"/>
+              <a:gd name="connsiteX13" fmla="*/ 3379301 w 5043774"/>
+              <a:gd name="connsiteY13" fmla="*/ 6858000 h 6858000"/>
+              <a:gd name="connsiteX14" fmla="*/ 2759699 w 5043774"/>
+              <a:gd name="connsiteY14" fmla="*/ 6858000 h 6858000"/>
+              <a:gd name="connsiteX15" fmla="*/ 2542782 w 5043774"/>
+              <a:gd name="connsiteY15" fmla="*/ 6858000 h 6858000"/>
+              <a:gd name="connsiteX16" fmla="*/ 2429239 w 5043774"/>
+              <a:gd name="connsiteY16" fmla="*/ 6780599 h 6858000"/>
+              <a:gd name="connsiteX17" fmla="*/ 1904328 w 5043774"/>
+              <a:gd name="connsiteY17" fmla="*/ 6374814 h 6858000"/>
+              <a:gd name="connsiteX18" fmla="*/ 0 w 5043774"/>
+              <a:gd name="connsiteY18" fmla="*/ 3621656 h 6858000"/>
+              <a:gd name="connsiteX19" fmla="*/ 1626503 w 5043774"/>
+              <a:gd name="connsiteY19" fmla="*/ 14997 h 6858000"/>
+            </a:gdLst>
+            <a:ahLst/>
+            <a:cxnLst>
+              <a:cxn ang="0">
+                <a:pos x="connsiteX0" y="connsiteY0"/>
+              </a:cxn>
+              <a:cxn ang="0">
+                <a:pos x="connsiteX1" y="connsiteY1"/>
+              </a:cxn>
+              <a:cxn ang="0">
+                <a:pos x="connsiteX2" y="connsiteY2"/>
+              </a:cxn>
+              <a:cxn ang="0">
+                <a:pos x="connsiteX3" y="connsiteY3"/>
+              </a:cxn>
+              <a:cxn ang="0">
+                <a:pos x="connsiteX4" y="connsiteY4"/>
+              </a:cxn>
+              <a:cxn ang="0">
+                <a:pos x="connsiteX5" y="connsiteY5"/>
+              </a:cxn>
+              <a:cxn ang="0">
+                <a:pos x="connsiteX6" y="connsiteY6"/>
+              </a:cxn>
+              <a:cxn ang="0">
+                <a:pos x="connsiteX7" y="connsiteY7"/>
+              </a:cxn>
+              <a:cxn ang="0">
+                <a:pos x="connsiteX8" y="connsiteY8"/>
+              </a:cxn>
+              <a:cxn ang="0">
+                <a:pos x="connsiteX9" y="connsiteY9"/>
+              </a:cxn>
+              <a:cxn ang="0">
+                <a:pos x="connsiteX10" y="connsiteY10"/>
+              </a:cxn>
+              <a:cxn ang="0">
+                <a:pos x="connsiteX11" y="connsiteY11"/>
+              </a:cxn>
+              <a:cxn ang="0">
+                <a:pos x="connsiteX12" y="connsiteY12"/>
+              </a:cxn>
+              <a:cxn ang="0">
+                <a:pos x="connsiteX13" y="connsiteY13"/>
+              </a:cxn>
+              <a:cxn ang="0">
+                <a:pos x="connsiteX14" y="connsiteY14"/>
+              </a:cxn>
+              <a:cxn ang="0">
+                <a:pos x="connsiteX15" y="connsiteY15"/>
+              </a:cxn>
+              <a:cxn ang="0">
+                <a:pos x="connsiteX16" y="connsiteY16"/>
+              </a:cxn>
+              <a:cxn ang="0">
+                <a:pos x="connsiteX17" y="connsiteY17"/>
+              </a:cxn>
+              <a:cxn ang="0">
+                <a:pos x="connsiteX18" y="connsiteY18"/>
+              </a:cxn>
+              <a:cxn ang="0">
+                <a:pos x="connsiteX19" y="connsiteY19"/>
+              </a:cxn>
+            </a:cxnLst>
+            <a:rect l="l" t="t" r="r" b="b"/>
+            <a:pathLst>
+              <a:path w="5043774" h="6858000">
+                <a:moveTo>
+                  <a:pt x="1648981" y="0"/>
+                </a:moveTo>
+                <a:lnTo>
+                  <a:pt x="2759699" y="0"/>
+                </a:lnTo>
+                <a:lnTo>
+                  <a:pt x="3379301" y="0"/>
+                </a:lnTo>
+                <a:lnTo>
+                  <a:pt x="3552342" y="0"/>
+                </a:lnTo>
+                <a:lnTo>
+                  <a:pt x="4617166" y="0"/>
+                </a:lnTo>
+                <a:lnTo>
+                  <a:pt x="4786130" y="0"/>
+                </a:lnTo>
+                <a:lnTo>
+                  <a:pt x="4980168" y="0"/>
+                </a:lnTo>
+                <a:lnTo>
+                  <a:pt x="5043774" y="0"/>
+                </a:lnTo>
+                <a:lnTo>
+                  <a:pt x="5043774" y="6858000"/>
+                </a:lnTo>
+                <a:lnTo>
+                  <a:pt x="4980168" y="6858000"/>
+                </a:lnTo>
+                <a:lnTo>
+                  <a:pt x="4786130" y="6858000"/>
+                </a:lnTo>
+                <a:lnTo>
+                  <a:pt x="4617166" y="6858000"/>
+                </a:lnTo>
+                <a:lnTo>
+                  <a:pt x="3552342" y="6858000"/>
+                </a:lnTo>
+                <a:lnTo>
+                  <a:pt x="3379301" y="6858000"/>
+                </a:lnTo>
+                <a:lnTo>
+                  <a:pt x="2759699" y="6858000"/>
+                </a:lnTo>
+                <a:lnTo>
+                  <a:pt x="2542782" y="6858000"/>
+                </a:lnTo>
+                <a:lnTo>
+                  <a:pt x="2429239" y="6780599"/>
+                </a:lnTo>
+                <a:cubicBezTo>
+                  <a:pt x="2252641" y="6653108"/>
+                  <a:pt x="2079285" y="6515397"/>
+                  <a:pt x="1904328" y="6374814"/>
+                </a:cubicBezTo>
+                <a:cubicBezTo>
+                  <a:pt x="943579" y="5602839"/>
+                  <a:pt x="0" y="4969131"/>
+                  <a:pt x="0" y="3621656"/>
+                </a:cubicBezTo>
+                <a:cubicBezTo>
+                  <a:pt x="0" y="2093192"/>
+                  <a:pt x="582912" y="754641"/>
+                  <a:pt x="1626503" y="14997"/>
+                </a:cubicBezTo>
+                <a:close/>
+              </a:path>
+            </a:pathLst>
+          </a:custGeom>
+          <a:solidFill>
+            <a:schemeClr val="bg2">
+              <a:tint val="95000"/>
+              <a:satMod val="170000"/>
+            </a:schemeClr>
+          </a:solidFill>
+          <a:ln>
+            <a:noFill/>
+          </a:ln>
+        </p:spPr>
+        <p:style>
+          <a:lnRef idx="2">
+            <a:schemeClr val="accent1">
+              <a:shade val="50000"/>
+            </a:schemeClr>
+          </a:lnRef>
+          <a:fillRef idx="1">
+            <a:schemeClr val="accent1"/>
+          </a:fillRef>
+          <a:effectRef idx="0">
+            <a:schemeClr val="accent1"/>
+          </a:effectRef>
+          <a:fontRef idx="minor">
+            <a:schemeClr val="lt1"/>
+          </a:fontRef>
+        </p:style>
+        <p:txBody>
+          <a:bodyPr wrap="square" rtlCol="0" anchor="ctr">
+            <a:noAutofit/>
+          </a:bodyPr>
+          <a:lstStyle/>
+          <a:p>
+            <a:pPr algn="ctr"/>
+            <a:endParaRPr lang="en-US">
+              <a:solidFill>
+                <a:prstClr val="white"/>
+              </a:solidFill>
+              <a:latin typeface="Meiryo"/>
+            </a:endParaRPr>
+          </a:p>
+        </p:txBody>
+      </p:sp>
+      <p:sp>
+        <p:nvSpPr>
+          <p:cNvPr id="2084" name="Freeform: Shape 2083">
+            <a:extLst>
+              <a:ext uri="{FF2B5EF4-FFF2-40B4-BE49-F238E27FC236}">
+                <a16:creationId xmlns:a16="http://schemas.microsoft.com/office/drawing/2014/main" id="{829A1E2C-5AC8-40FC-99E9-832069D39792}"/>
+              </a:ext>
+              <a:ext uri="{C183D7F6-B498-43B3-948B-1728B52AA6E4}">
+                <adec:decorative xmlns:adec="http://schemas.microsoft.com/office/drawing/2017/decorative" val="1"/>
+              </a:ext>
+            </a:extLst>
+          </p:cNvPr>
+          <p:cNvSpPr>
+            <a:spLocks noGrp="1" noRot="1" noChangeAspect="1" noMove="1" noResize="1" noEditPoints="1" noAdjustHandles="1" noChangeArrowheads="1" noChangeShapeType="1" noTextEdit="1"/>
+          </p:cNvSpPr>
+          <p:nvPr>
+            <p:extLst>
+              <p:ext uri="{386F3935-93C4-4BCD-93E2-E3B085C9AB24}">
+                <p16:designElem xmlns:p16="http://schemas.microsoft.com/office/powerpoint/2015/main" val="1"/>
+              </p:ext>
+            </p:extLst>
+          </p:nvPr>
+        </p:nvSpPr>
+        <p:spPr>
+          <a:xfrm flipH="1">
+            <a:off x="6697013" y="0"/>
+            <a:ext cx="2529723" cy="6858000"/>
+          </a:xfrm>
+          <a:custGeom>
+            <a:avLst/>
+            <a:gdLst>
+              <a:gd name="connsiteX0" fmla="*/ 1258269 w 2529723"/>
+              <a:gd name="connsiteY0" fmla="*/ 0 h 6858000"/>
+              <a:gd name="connsiteX1" fmla="*/ 1275627 w 2529723"/>
+              <a:gd name="connsiteY1" fmla="*/ 0 h 6858000"/>
+              <a:gd name="connsiteX2" fmla="*/ 1302560 w 2529723"/>
+              <a:gd name="connsiteY2" fmla="*/ 24338 h 6858000"/>
+              <a:gd name="connsiteX3" fmla="*/ 2522825 w 2529723"/>
+              <a:gd name="connsiteY3" fmla="*/ 3678515 h 6858000"/>
+              <a:gd name="connsiteX4" fmla="*/ 557500 w 2529723"/>
+              <a:gd name="connsiteY4" fmla="*/ 6451411 h 6858000"/>
+              <a:gd name="connsiteX5" fmla="*/ 32482 w 2529723"/>
+              <a:gd name="connsiteY5" fmla="*/ 6849373 h 6858000"/>
+              <a:gd name="connsiteX6" fmla="*/ 19531 w 2529723"/>
+              <a:gd name="connsiteY6" fmla="*/ 6858000 h 6858000"/>
+              <a:gd name="connsiteX7" fmla="*/ 0 w 2529723"/>
+              <a:gd name="connsiteY7" fmla="*/ 6858000 h 6858000"/>
+              <a:gd name="connsiteX8" fmla="*/ 14202 w 2529723"/>
+              <a:gd name="connsiteY8" fmla="*/ 6848540 h 6858000"/>
+              <a:gd name="connsiteX9" fmla="*/ 539221 w 2529723"/>
+              <a:gd name="connsiteY9" fmla="*/ 6450578 h 6858000"/>
+              <a:gd name="connsiteX10" fmla="*/ 2504546 w 2529723"/>
+              <a:gd name="connsiteY10" fmla="*/ 3677682 h 6858000"/>
+              <a:gd name="connsiteX11" fmla="*/ 1284280 w 2529723"/>
+              <a:gd name="connsiteY11" fmla="*/ 23504 h 6858000"/>
+            </a:gdLst>
+            <a:ahLst/>
+            <a:cxnLst>
+              <a:cxn ang="0">
+                <a:pos x="connsiteX0" y="connsiteY0"/>
+              </a:cxn>
+              <a:cxn ang="0">
+                <a:pos x="connsiteX1" y="connsiteY1"/>
+              </a:cxn>
+              <a:cxn ang="0">
+                <a:pos x="connsiteX2" y="connsiteY2"/>
+              </a:cxn>
+              <a:cxn ang="0">
+                <a:pos x="connsiteX3" y="connsiteY3"/>
+              </a:cxn>
+              <a:cxn ang="0">
+                <a:pos x="connsiteX4" y="connsiteY4"/>
+              </a:cxn>
+              <a:cxn ang="0">
+                <a:pos x="connsiteX5" y="connsiteY5"/>
+              </a:cxn>
+              <a:cxn ang="0">
+                <a:pos x="connsiteX6" y="connsiteY6"/>
+              </a:cxn>
+              <a:cxn ang="0">
+                <a:pos x="connsiteX7" y="connsiteY7"/>
+              </a:cxn>
+              <a:cxn ang="0">
+                <a:pos x="connsiteX8" y="connsiteY8"/>
+              </a:cxn>
+              <a:cxn ang="0">
+                <a:pos x="connsiteX9" y="connsiteY9"/>
+              </a:cxn>
+              <a:cxn ang="0">
+                <a:pos x="connsiteX10" y="connsiteY10"/>
+              </a:cxn>
+              <a:cxn ang="0">
+                <a:pos x="connsiteX11" y="connsiteY11"/>
+              </a:cxn>
+            </a:cxnLst>
+            <a:rect l="l" t="t" r="r" b="b"/>
+            <a:pathLst>
+              <a:path w="2529723" h="6858000">
+                <a:moveTo>
+                  <a:pt x="1258269" y="0"/>
+                </a:moveTo>
+                <a:lnTo>
+                  <a:pt x="1275627" y="0"/>
+                </a:lnTo>
+                <a:lnTo>
+                  <a:pt x="1302560" y="24338"/>
+                </a:lnTo>
+                <a:cubicBezTo>
+                  <a:pt x="2156831" y="855667"/>
+                  <a:pt x="2590622" y="2191755"/>
+                  <a:pt x="2522825" y="3678515"/>
+                </a:cubicBezTo>
+                <a:cubicBezTo>
+                  <a:pt x="2459072" y="5076606"/>
+                  <a:pt x="1519830" y="5692656"/>
+                  <a:pt x="557500" y="6451411"/>
+                </a:cubicBezTo>
+                <a:cubicBezTo>
+                  <a:pt x="382255" y="6589587"/>
+                  <a:pt x="208689" y="6724853"/>
+                  <a:pt x="32482" y="6849373"/>
+                </a:cubicBezTo>
+                <a:lnTo>
+                  <a:pt x="19531" y="6858000"/>
+                </a:lnTo>
+                <a:lnTo>
+                  <a:pt x="0" y="6858000"/>
+                </a:lnTo>
+                <a:lnTo>
+                  <a:pt x="14202" y="6848540"/>
+                </a:lnTo>
+                <a:cubicBezTo>
+                  <a:pt x="190409" y="6724020"/>
+                  <a:pt x="363976" y="6588754"/>
+                  <a:pt x="539221" y="6450578"/>
+                </a:cubicBezTo>
+                <a:cubicBezTo>
+                  <a:pt x="1501550" y="5691822"/>
+                  <a:pt x="2440792" y="5075773"/>
+                  <a:pt x="2504546" y="3677682"/>
+                </a:cubicBezTo>
+                <a:cubicBezTo>
+                  <a:pt x="2572343" y="2190921"/>
+                  <a:pt x="2138551" y="854834"/>
+                  <a:pt x="1284280" y="23504"/>
+                </a:cubicBezTo>
+                <a:close/>
+              </a:path>
+            </a:pathLst>
+          </a:custGeom>
+          <a:solidFill>
+            <a:srgbClr val="FFFFFF">
+              <a:alpha val="70000"/>
+            </a:srgbClr>
+          </a:solidFill>
+          <a:ln>
+            <a:noFill/>
+          </a:ln>
+        </p:spPr>
+        <p:style>
+          <a:lnRef idx="2">
+            <a:schemeClr val="accent1">
+              <a:shade val="50000"/>
+            </a:schemeClr>
+          </a:lnRef>
+          <a:fillRef idx="1">
+            <a:schemeClr val="accent1"/>
+          </a:fillRef>
+          <a:effectRef idx="0">
+            <a:schemeClr val="accent1"/>
+          </a:effectRef>
+          <a:fontRef idx="minor">
+            <a:schemeClr val="lt1"/>
+          </a:fontRef>
+        </p:style>
+        <p:txBody>
+          <a:bodyPr wrap="square" rtlCol="0" anchor="ctr">
+            <a:noAutofit/>
+          </a:bodyPr>
+          <a:lstStyle/>
+          <a:p>
+            <a:pPr marL="0" marR="0" lvl="0" indent="0" algn="ctr" defTabSz="457200" rtl="0" eaLnBrk="1" fontAlgn="auto" latinLnBrk="0" hangingPunct="1">
+              <a:lnSpc>
+                <a:spcPct val="100000"/>
+              </a:lnSpc>
+              <a:spcBef>
+                <a:spcPts val="0"/>
+              </a:spcBef>
+              <a:spcAft>
+                <a:spcPts val="0"/>
+              </a:spcAft>
+              <a:buClrTx/>
+              <a:buSzTx/>
+              <a:buFontTx/>
+              <a:buNone/>
+              <a:tabLst/>
+              <a:defRPr/>
+            </a:pPr>
+            <a:endParaRPr kumimoji="0" lang="en-US" sz="1800" b="0" i="0" u="none" strike="noStrike" kern="1200" cap="none" spc="0" normalizeH="0" baseline="0" noProof="0">
+              <a:ln>
+                <a:noFill/>
+              </a:ln>
+              <a:solidFill>
+                <a:prstClr val="white"/>
+              </a:solidFill>
+              <a:effectLst/>
+              <a:uLnTx/>
+              <a:uFillTx/>
+              <a:latin typeface="Meiryo"/>
+              <a:ea typeface="+mn-ea"/>
+              <a:cs typeface="+mn-cs"/>
+            </a:endParaRPr>
+          </a:p>
+        </p:txBody>
+      </p:sp>
+      <p:sp>
+        <p:nvSpPr>
+          <p:cNvPr id="2" name="Titel 1">
+            <a:extLst>
+              <a:ext uri="{FF2B5EF4-FFF2-40B4-BE49-F238E27FC236}">
+                <a16:creationId xmlns:a16="http://schemas.microsoft.com/office/drawing/2014/main" id="{303EFF36-1A3F-2040-A5A9-9E88B2D8FCDA}"/>
+              </a:ext>
+            </a:extLst>
+          </p:cNvPr>
+          <p:cNvSpPr>
+            <a:spLocks noGrp="1"/>
+          </p:cNvSpPr>
+          <p:nvPr>
+            <p:ph type="title"/>
+          </p:nvPr>
+        </p:nvSpPr>
+        <p:spPr>
+          <a:xfrm>
+            <a:off x="8046720" y="1045597"/>
+            <a:ext cx="3633746" cy="1588422"/>
+          </a:xfrm>
+        </p:spPr>
+        <p:txBody>
+          <a:bodyPr anchor="b">
+            <a:normAutofit/>
+          </a:bodyPr>
+          <a:lstStyle/>
+          <a:p>
+            <a:r>
+              <a:rPr lang="de-CH" sz="3600"/>
+              <a:t>Inhaltsverzeichnis</a:t>
+            </a:r>
+          </a:p>
+        </p:txBody>
+      </p:sp>
+      <p:sp>
+        <p:nvSpPr>
+          <p:cNvPr id="2070" name="Inhaltsplatzhalter 2">
+            <a:extLst>
+              <a:ext uri="{FF2B5EF4-FFF2-40B4-BE49-F238E27FC236}">
+                <a16:creationId xmlns:a16="http://schemas.microsoft.com/office/drawing/2014/main" id="{FE5318A0-B627-EE39-5D13-82124A74704B}"/>
+              </a:ext>
+            </a:extLst>
+          </p:cNvPr>
+          <p:cNvSpPr>
+            <a:spLocks noGrp="1"/>
+          </p:cNvSpPr>
+          <p:nvPr>
+            <p:ph idx="1"/>
+          </p:nvPr>
+        </p:nvSpPr>
+        <p:spPr>
+          <a:xfrm>
+            <a:off x="8046719" y="2722729"/>
+            <a:ext cx="3633747" cy="2700062"/>
+          </a:xfrm>
+        </p:spPr>
+        <p:txBody>
+          <a:bodyPr>
+            <a:normAutofit/>
+          </a:bodyPr>
+          <a:lstStyle/>
+          <a:p>
+            <a:r>
+              <a:rPr lang="de-CH" sz="2000"/>
+              <a:t>Sinn und Zweck</a:t>
+            </a:r>
+          </a:p>
+          <a:p>
+            <a:r>
+              <a:rPr lang="de-CH" sz="2000"/>
+              <a:t>Posts</a:t>
+            </a:r>
+          </a:p>
+          <a:p>
+            <a:r>
+              <a:rPr lang="de-CH" sz="2000"/>
+              <a:t>Nutzerdaten </a:t>
+            </a:r>
+          </a:p>
+          <a:p>
+            <a:r>
+              <a:rPr lang="de-CH" sz="2000"/>
+              <a:t>Finanzierung </a:t>
+            </a:r>
+          </a:p>
+          <a:p>
+            <a:pPr marL="0" indent="0">
+              <a:buNone/>
+            </a:pPr>
+            <a:endParaRPr lang="de-CH" sz="2000"/>
+          </a:p>
+          <a:p>
+            <a:pPr marL="0" indent="0">
+              <a:buNone/>
+            </a:pPr>
+            <a:endParaRPr lang="de-CH" sz="2000"/>
+          </a:p>
+          <a:p>
+            <a:endParaRPr lang="de-CH" sz="2000"/>
+          </a:p>
+          <a:p>
+            <a:endParaRPr lang="de-CH" sz="2000"/>
           </a:p>
         </p:txBody>
       </p:sp>
     </p:spTree>
     <p:extLst>
       <p:ext uri="{BB962C8B-B14F-4D97-AF65-F5344CB8AC3E}">
-        <p14:creationId xmlns:p14="http://schemas.microsoft.com/office/powerpoint/2010/main" val="663256495"/>
+        <p14:creationId xmlns:p14="http://schemas.microsoft.com/office/powerpoint/2010/main" val="4100619207"/>
+      </p:ext>
+    </p:extLst>
+  </p:cSld>
+  <p:clrMapOvr>
+    <a:masterClrMapping/>
+  </p:clrMapOvr>
+</p:sld>
+</file>
+
+<file path=ppt/slides/slide3.xml><?xml version="1.0" encoding="utf-8"?>
+<p:sld xmlns:a="http://schemas.openxmlformats.org/drawingml/2006/main" xmlns:r="http://schemas.openxmlformats.org/officeDocument/2006/relationships" xmlns:p="http://schemas.openxmlformats.org/presentationml/2006/main">
+  <p:cSld>
+    <p:bg>
+      <p:bgPr>
+        <a:solidFill>
+          <a:schemeClr val="bg1"/>
+        </a:solidFill>
+        <a:effectLst/>
+      </p:bgPr>
+    </p:bg>
+    <p:spTree>
+      <p:nvGrpSpPr>
+        <p:cNvPr id="1" name=""/>
+        <p:cNvGrpSpPr/>
+        <p:nvPr/>
+      </p:nvGrpSpPr>
+      <p:grpSpPr>
+        <a:xfrm>
+          <a:off x="0" y="0"/>
+          <a:ext cx="0" cy="0"/>
+          <a:chOff x="0" y="0"/>
+          <a:chExt cx="0" cy="0"/>
+        </a:xfrm>
+      </p:grpSpPr>
+      <p:sp useBgFill="1">
+        <p:nvSpPr>
+          <p:cNvPr id="9" name="Slide Background">
+            <a:extLst>
+              <a:ext uri="{FF2B5EF4-FFF2-40B4-BE49-F238E27FC236}">
+                <a16:creationId xmlns:a16="http://schemas.microsoft.com/office/drawing/2014/main" id="{C0763A76-9F1C-4FC5-82B7-DD475DA461B2}"/>
+              </a:ext>
+              <a:ext uri="{C183D7F6-B498-43B3-948B-1728B52AA6E4}">
+                <adec:decorative xmlns:adec="http://schemas.microsoft.com/office/drawing/2017/decorative" val="1"/>
+              </a:ext>
+            </a:extLst>
+          </p:cNvPr>
+          <p:cNvSpPr>
+            <a:spLocks noGrp="1" noRot="1" noChangeAspect="1" noMove="1" noResize="1" noEditPoints="1" noAdjustHandles="1" noChangeArrowheads="1" noChangeShapeType="1" noTextEdit="1"/>
+          </p:cNvSpPr>
+          <p:nvPr>
+            <p:extLst>
+              <p:ext uri="{386F3935-93C4-4BCD-93E2-E3B085C9AB24}">
+                <p16:designElem xmlns:p16="http://schemas.microsoft.com/office/powerpoint/2015/main" val="1"/>
+              </p:ext>
+            </p:extLst>
+          </p:nvPr>
+        </p:nvSpPr>
+        <p:spPr bwMode="white">
+          <a:xfrm>
+            <a:off x="-1" y="0"/>
+            <a:ext cx="12191999" cy="6858000"/>
+          </a:xfrm>
+          <a:prstGeom prst="rect">
+            <a:avLst/>
+          </a:prstGeom>
+          <a:ln>
+            <a:noFill/>
+          </a:ln>
+        </p:spPr>
+        <p:style>
+          <a:lnRef idx="2">
+            <a:schemeClr val="accent1">
+              <a:shade val="50000"/>
+            </a:schemeClr>
+          </a:lnRef>
+          <a:fillRef idx="1">
+            <a:schemeClr val="accent1"/>
+          </a:fillRef>
+          <a:effectRef idx="0">
+            <a:schemeClr val="accent1"/>
+          </a:effectRef>
+          <a:fontRef idx="minor">
+            <a:schemeClr val="lt1"/>
+          </a:fontRef>
+        </p:style>
+        <p:txBody>
+          <a:bodyPr rtlCol="0" anchor="ctr"/>
+          <a:lstStyle>
+            <a:defPPr>
+              <a:defRPr lang="en-US"/>
+            </a:defPPr>
+            <a:lvl1pPr marL="0" algn="l" defTabSz="914400" rtl="0" eaLnBrk="1" latinLnBrk="0" hangingPunct="1">
+              <a:defRPr sz="1800" kern="1200">
+                <a:solidFill>
+                  <a:schemeClr val="lt1"/>
+                </a:solidFill>
+                <a:latin typeface="+mn-lt"/>
+                <a:ea typeface="+mn-ea"/>
+                <a:cs typeface="+mn-cs"/>
+              </a:defRPr>
+            </a:lvl1pPr>
+            <a:lvl2pPr marL="457200" algn="l" defTabSz="914400" rtl="0" eaLnBrk="1" latinLnBrk="0" hangingPunct="1">
+              <a:defRPr sz="1800" kern="1200">
+                <a:solidFill>
+                  <a:schemeClr val="lt1"/>
+                </a:solidFill>
+                <a:latin typeface="+mn-lt"/>
+                <a:ea typeface="+mn-ea"/>
+                <a:cs typeface="+mn-cs"/>
+              </a:defRPr>
+            </a:lvl2pPr>
+            <a:lvl3pPr marL="914400" algn="l" defTabSz="914400" rtl="0" eaLnBrk="1" latinLnBrk="0" hangingPunct="1">
+              <a:defRPr sz="1800" kern="1200">
+                <a:solidFill>
+                  <a:schemeClr val="lt1"/>
+                </a:solidFill>
+                <a:latin typeface="+mn-lt"/>
+                <a:ea typeface="+mn-ea"/>
+                <a:cs typeface="+mn-cs"/>
+              </a:defRPr>
+            </a:lvl3pPr>
+            <a:lvl4pPr marL="1371600" algn="l" defTabSz="914400" rtl="0" eaLnBrk="1" latinLnBrk="0" hangingPunct="1">
+              <a:defRPr sz="1800" kern="1200">
+                <a:solidFill>
+                  <a:schemeClr val="lt1"/>
+                </a:solidFill>
+                <a:latin typeface="+mn-lt"/>
+                <a:ea typeface="+mn-ea"/>
+                <a:cs typeface="+mn-cs"/>
+              </a:defRPr>
+            </a:lvl4pPr>
+            <a:lvl5pPr marL="1828800" algn="l" defTabSz="914400" rtl="0" eaLnBrk="1" latinLnBrk="0" hangingPunct="1">
+              <a:defRPr sz="1800" kern="1200">
+                <a:solidFill>
+                  <a:schemeClr val="lt1"/>
+                </a:solidFill>
+                <a:latin typeface="+mn-lt"/>
+                <a:ea typeface="+mn-ea"/>
+                <a:cs typeface="+mn-cs"/>
+              </a:defRPr>
+            </a:lvl5pPr>
+            <a:lvl6pPr marL="2286000" algn="l" defTabSz="914400" rtl="0" eaLnBrk="1" latinLnBrk="0" hangingPunct="1">
+              <a:defRPr sz="1800" kern="1200">
+                <a:solidFill>
+                  <a:schemeClr val="lt1"/>
+                </a:solidFill>
+                <a:latin typeface="+mn-lt"/>
+                <a:ea typeface="+mn-ea"/>
+                <a:cs typeface="+mn-cs"/>
+              </a:defRPr>
+            </a:lvl6pPr>
+            <a:lvl7pPr marL="2743200" algn="l" defTabSz="914400" rtl="0" eaLnBrk="1" latinLnBrk="0" hangingPunct="1">
+              <a:defRPr sz="1800" kern="1200">
+                <a:solidFill>
+                  <a:schemeClr val="lt1"/>
+                </a:solidFill>
+                <a:latin typeface="+mn-lt"/>
+                <a:ea typeface="+mn-ea"/>
+                <a:cs typeface="+mn-cs"/>
+              </a:defRPr>
+            </a:lvl7pPr>
+            <a:lvl8pPr marL="3200400" algn="l" defTabSz="914400" rtl="0" eaLnBrk="1" latinLnBrk="0" hangingPunct="1">
+              <a:defRPr sz="1800" kern="1200">
+                <a:solidFill>
+                  <a:schemeClr val="lt1"/>
+                </a:solidFill>
+                <a:latin typeface="+mn-lt"/>
+                <a:ea typeface="+mn-ea"/>
+                <a:cs typeface="+mn-cs"/>
+              </a:defRPr>
+            </a:lvl8pPr>
+            <a:lvl9pPr marL="3657600" algn="l" defTabSz="914400" rtl="0" eaLnBrk="1" latinLnBrk="0" hangingPunct="1">
+              <a:defRPr sz="1800" kern="1200">
+                <a:solidFill>
+                  <a:schemeClr val="lt1"/>
+                </a:solidFill>
+                <a:latin typeface="+mn-lt"/>
+                <a:ea typeface="+mn-ea"/>
+                <a:cs typeface="+mn-cs"/>
+              </a:defRPr>
+            </a:lvl9pPr>
+          </a:lstStyle>
+          <a:p>
+            <a:pPr algn="ctr"/>
+            <a:endParaRPr lang="en-US"/>
+          </a:p>
+        </p:txBody>
+      </p:sp>
+      <p:sp useBgFill="1">
+        <p:nvSpPr>
+          <p:cNvPr id="11" name="Rectangle 10">
+            <a:extLst>
+              <a:ext uri="{FF2B5EF4-FFF2-40B4-BE49-F238E27FC236}">
+                <a16:creationId xmlns:a16="http://schemas.microsoft.com/office/drawing/2014/main" id="{E81BF4F6-F2CF-4984-9D14-D6966D92F99F}"/>
+              </a:ext>
+              <a:ext uri="{C183D7F6-B498-43B3-948B-1728B52AA6E4}">
+                <adec:decorative xmlns:adec="http://schemas.microsoft.com/office/drawing/2017/decorative" val="1"/>
+              </a:ext>
+            </a:extLst>
+          </p:cNvPr>
+          <p:cNvSpPr>
+            <a:spLocks noGrp="1" noRot="1" noChangeAspect="1" noMove="1" noResize="1" noEditPoints="1" noAdjustHandles="1" noChangeArrowheads="1" noChangeShapeType="1" noTextEdit="1"/>
+          </p:cNvSpPr>
+          <p:nvPr>
+            <p:extLst>
+              <p:ext uri="{386F3935-93C4-4BCD-93E2-E3B085C9AB24}">
+                <p16:designElem xmlns:p16="http://schemas.microsoft.com/office/powerpoint/2015/main" val="1"/>
+              </p:ext>
+            </p:extLst>
+          </p:nvPr>
+        </p:nvSpPr>
+        <p:spPr>
+          <a:xfrm>
+            <a:off x="1" y="0"/>
+            <a:ext cx="8522446" cy="2285999"/>
+          </a:xfrm>
+          <a:prstGeom prst="rect">
+            <a:avLst/>
+          </a:prstGeom>
+          <a:ln>
+            <a:noFill/>
+          </a:ln>
+          <a:effectLst>
+            <a:outerShdw blurRad="596900" dist="304800" dir="7140000" sx="90000" sy="90000" algn="t" rotWithShape="0">
+              <a:srgbClr val="000000">
+                <a:alpha val="15000"/>
+              </a:srgbClr>
+            </a:outerShdw>
+          </a:effectLst>
+        </p:spPr>
+        <p:style>
+          <a:lnRef idx="2">
+            <a:schemeClr val="accent1">
+              <a:shade val="50000"/>
+            </a:schemeClr>
+          </a:lnRef>
+          <a:fillRef idx="1">
+            <a:schemeClr val="accent1"/>
+          </a:fillRef>
+          <a:effectRef idx="0">
+            <a:schemeClr val="accent1"/>
+          </a:effectRef>
+          <a:fontRef idx="minor">
+            <a:schemeClr val="lt1"/>
+          </a:fontRef>
+        </p:style>
+        <p:txBody>
+          <a:bodyPr rtlCol="0" anchor="ctr"/>
+          <a:lstStyle/>
+          <a:p>
+            <a:pPr algn="ctr"/>
+            <a:endParaRPr lang="en-US"/>
+          </a:p>
+        </p:txBody>
+      </p:sp>
+      <p:sp>
+        <p:nvSpPr>
+          <p:cNvPr id="2" name="Titel 1">
+            <a:extLst>
+              <a:ext uri="{FF2B5EF4-FFF2-40B4-BE49-F238E27FC236}">
+                <a16:creationId xmlns:a16="http://schemas.microsoft.com/office/drawing/2014/main" id="{9FFC64C8-7059-602E-A776-8DBDB254C056}"/>
+              </a:ext>
+            </a:extLst>
+          </p:cNvPr>
+          <p:cNvSpPr>
+            <a:spLocks noGrp="1"/>
+          </p:cNvSpPr>
+          <p:nvPr>
+            <p:ph type="title"/>
+          </p:nvPr>
+        </p:nvSpPr>
+        <p:spPr>
+          <a:xfrm>
+            <a:off x="761803" y="350196"/>
+            <a:ext cx="4646904" cy="1624520"/>
+          </a:xfrm>
+        </p:spPr>
+        <p:txBody>
+          <a:bodyPr anchor="ctr">
+            <a:normAutofit/>
+          </a:bodyPr>
+          <a:lstStyle/>
+          <a:p>
+            <a:r>
+              <a:rPr lang="de-CH" sz="4000"/>
+              <a:t>Sinn und Zweck</a:t>
+            </a:r>
+          </a:p>
+        </p:txBody>
+      </p:sp>
+      <p:sp>
+        <p:nvSpPr>
+          <p:cNvPr id="3" name="Inhaltsplatzhalter 2">
+            <a:extLst>
+              <a:ext uri="{FF2B5EF4-FFF2-40B4-BE49-F238E27FC236}">
+                <a16:creationId xmlns:a16="http://schemas.microsoft.com/office/drawing/2014/main" id="{20D99F67-7BE6-E432-A3A2-3A80C0EB9ECD}"/>
+              </a:ext>
+            </a:extLst>
+          </p:cNvPr>
+          <p:cNvSpPr>
+            <a:spLocks noGrp="1"/>
+          </p:cNvSpPr>
+          <p:nvPr>
+            <p:ph idx="1"/>
+          </p:nvPr>
+        </p:nvSpPr>
+        <p:spPr>
+          <a:xfrm>
+            <a:off x="761802" y="2743200"/>
+            <a:ext cx="4646905" cy="3613149"/>
+          </a:xfrm>
+        </p:spPr>
+        <p:txBody>
+          <a:bodyPr anchor="ctr">
+            <a:normAutofit/>
+          </a:bodyPr>
+          <a:lstStyle/>
+          <a:p>
+            <a:r>
+              <a:rPr lang="de-CH" sz="2000"/>
+              <a:t>Hobbys teilen</a:t>
+            </a:r>
+          </a:p>
+          <a:p>
+            <a:pPr lvl="1"/>
+            <a:r>
+              <a:rPr lang="de-CH" sz="2000"/>
+              <a:t>Bsp. Sport, Kunst, Lifestyle</a:t>
+            </a:r>
+          </a:p>
+          <a:p>
+            <a:r>
+              <a:rPr lang="de-CH" sz="2000"/>
+              <a:t>Interessegruppen für verschiedene Hobbys</a:t>
+            </a:r>
+          </a:p>
+          <a:p>
+            <a:pPr lvl="1"/>
+            <a:r>
+              <a:rPr lang="de-CH" sz="2000"/>
+              <a:t>Aktivitäten können geteilt werden</a:t>
+            </a:r>
+          </a:p>
+          <a:p>
+            <a:pPr lvl="1"/>
+            <a:r>
+              <a:rPr lang="de-CH" sz="2000"/>
+              <a:t>Neue Freundschaften</a:t>
+            </a:r>
+          </a:p>
+          <a:p>
+            <a:r>
+              <a:rPr lang="de-CH" sz="2000"/>
+              <a:t>Menschen werden für Sport begeistert</a:t>
+            </a:r>
+          </a:p>
+          <a:p>
+            <a:pPr lvl="1"/>
+            <a:r>
+              <a:rPr lang="de-CH" sz="2000"/>
+              <a:t>Gute Gesundheit</a:t>
+            </a:r>
+          </a:p>
+          <a:p>
+            <a:pPr lvl="1"/>
+            <a:r>
+              <a:rPr lang="de-CH" sz="2000"/>
+              <a:t>Bewegung</a:t>
+            </a:r>
+          </a:p>
+          <a:p>
+            <a:pPr lvl="1"/>
+            <a:r>
+              <a:rPr lang="de-CH" sz="2000"/>
+              <a:t>Spass</a:t>
+            </a:r>
+          </a:p>
+        </p:txBody>
+      </p:sp>
+      <p:pic>
+        <p:nvPicPr>
+          <p:cNvPr id="5" name="Picture 4" descr="Gewichte und Trainingskleidung">
+            <a:extLst>
+              <a:ext uri="{FF2B5EF4-FFF2-40B4-BE49-F238E27FC236}">
+                <a16:creationId xmlns:a16="http://schemas.microsoft.com/office/drawing/2014/main" id="{90F8A56F-5C16-0C35-6AAD-D61C4B93F899}"/>
+              </a:ext>
+            </a:extLst>
+          </p:cNvPr>
+          <p:cNvPicPr>
+            <a:picLocks noChangeAspect="1"/>
+          </p:cNvPicPr>
+          <p:nvPr/>
+        </p:nvPicPr>
+        <p:blipFill rotWithShape="1">
+          <a:blip r:embed="rId2"/>
+          <a:srcRect l="18419" r="22268" b="-3"/>
+          <a:stretch/>
+        </p:blipFill>
+        <p:spPr>
+          <a:xfrm>
+            <a:off x="6096000" y="1"/>
+            <a:ext cx="6102825" cy="6858000"/>
+          </a:xfrm>
+          <a:prstGeom prst="rect">
+            <a:avLst/>
+          </a:prstGeom>
+        </p:spPr>
+      </p:pic>
+    </p:spTree>
+    <p:extLst>
+      <p:ext uri="{BB962C8B-B14F-4D97-AF65-F5344CB8AC3E}">
+        <p14:creationId xmlns:p14="http://schemas.microsoft.com/office/powerpoint/2010/main" val="2348188411"/>
+      </p:ext>
+    </p:extLst>
+  </p:cSld>
+  <p:clrMapOvr>
+    <a:masterClrMapping/>
+  </p:clrMapOvr>
+</p:sld>
+</file>
+
+<file path=ppt/slides/slide4.xml><?xml version="1.0" encoding="utf-8"?>
+<p:sld xmlns:a="http://schemas.openxmlformats.org/drawingml/2006/main" xmlns:r="http://schemas.openxmlformats.org/officeDocument/2006/relationships" xmlns:p="http://schemas.openxmlformats.org/presentationml/2006/main">
+  <p:cSld>
+    <p:bg>
+      <p:bgPr>
+        <a:solidFill>
+          <a:schemeClr val="bg1"/>
+        </a:solidFill>
+        <a:effectLst/>
+      </p:bgPr>
+    </p:bg>
+    <p:spTree>
+      <p:nvGrpSpPr>
+        <p:cNvPr id="1" name=""/>
+        <p:cNvGrpSpPr/>
+        <p:nvPr/>
+      </p:nvGrpSpPr>
+      <p:grpSpPr>
+        <a:xfrm>
+          <a:off x="0" y="0"/>
+          <a:ext cx="0" cy="0"/>
+          <a:chOff x="0" y="0"/>
+          <a:chExt cx="0" cy="0"/>
+        </a:xfrm>
+      </p:grpSpPr>
+      <p:sp useBgFill="1">
+        <p:nvSpPr>
+          <p:cNvPr id="9" name="Slide Background">
+            <a:extLst>
+              <a:ext uri="{FF2B5EF4-FFF2-40B4-BE49-F238E27FC236}">
+                <a16:creationId xmlns:a16="http://schemas.microsoft.com/office/drawing/2014/main" id="{C0763A76-9F1C-4FC5-82B7-DD475DA461B2}"/>
+              </a:ext>
+              <a:ext uri="{C183D7F6-B498-43B3-948B-1728B52AA6E4}">
+                <adec:decorative xmlns:adec="http://schemas.microsoft.com/office/drawing/2017/decorative" val="1"/>
+              </a:ext>
+            </a:extLst>
+          </p:cNvPr>
+          <p:cNvSpPr>
+            <a:spLocks noGrp="1" noRot="1" noChangeAspect="1" noMove="1" noResize="1" noEditPoints="1" noAdjustHandles="1" noChangeArrowheads="1" noChangeShapeType="1" noTextEdit="1"/>
+          </p:cNvSpPr>
+          <p:nvPr>
+            <p:extLst>
+              <p:ext uri="{386F3935-93C4-4BCD-93E2-E3B085C9AB24}">
+                <p16:designElem xmlns:p16="http://schemas.microsoft.com/office/powerpoint/2015/main" val="1"/>
+              </p:ext>
+            </p:extLst>
+          </p:nvPr>
+        </p:nvSpPr>
+        <p:spPr bwMode="white">
+          <a:xfrm>
+            <a:off x="-1" y="0"/>
+            <a:ext cx="12191999" cy="6858000"/>
+          </a:xfrm>
+          <a:prstGeom prst="rect">
+            <a:avLst/>
+          </a:prstGeom>
+          <a:ln>
+            <a:noFill/>
+          </a:ln>
+        </p:spPr>
+        <p:style>
+          <a:lnRef idx="2">
+            <a:schemeClr val="accent1">
+              <a:shade val="50000"/>
+            </a:schemeClr>
+          </a:lnRef>
+          <a:fillRef idx="1">
+            <a:schemeClr val="accent1"/>
+          </a:fillRef>
+          <a:effectRef idx="0">
+            <a:schemeClr val="accent1"/>
+          </a:effectRef>
+          <a:fontRef idx="minor">
+            <a:schemeClr val="lt1"/>
+          </a:fontRef>
+        </p:style>
+        <p:txBody>
+          <a:bodyPr rtlCol="0" anchor="ctr"/>
+          <a:lstStyle>
+            <a:defPPr>
+              <a:defRPr lang="en-US"/>
+            </a:defPPr>
+            <a:lvl1pPr marL="0" algn="l" defTabSz="914400" rtl="0" eaLnBrk="1" latinLnBrk="0" hangingPunct="1">
+              <a:defRPr sz="1800" kern="1200">
+                <a:solidFill>
+                  <a:schemeClr val="lt1"/>
+                </a:solidFill>
+                <a:latin typeface="+mn-lt"/>
+                <a:ea typeface="+mn-ea"/>
+                <a:cs typeface="+mn-cs"/>
+              </a:defRPr>
+            </a:lvl1pPr>
+            <a:lvl2pPr marL="457200" algn="l" defTabSz="914400" rtl="0" eaLnBrk="1" latinLnBrk="0" hangingPunct="1">
+              <a:defRPr sz="1800" kern="1200">
+                <a:solidFill>
+                  <a:schemeClr val="lt1"/>
+                </a:solidFill>
+                <a:latin typeface="+mn-lt"/>
+                <a:ea typeface="+mn-ea"/>
+                <a:cs typeface="+mn-cs"/>
+              </a:defRPr>
+            </a:lvl2pPr>
+            <a:lvl3pPr marL="914400" algn="l" defTabSz="914400" rtl="0" eaLnBrk="1" latinLnBrk="0" hangingPunct="1">
+              <a:defRPr sz="1800" kern="1200">
+                <a:solidFill>
+                  <a:schemeClr val="lt1"/>
+                </a:solidFill>
+                <a:latin typeface="+mn-lt"/>
+                <a:ea typeface="+mn-ea"/>
+                <a:cs typeface="+mn-cs"/>
+              </a:defRPr>
+            </a:lvl3pPr>
+            <a:lvl4pPr marL="1371600" algn="l" defTabSz="914400" rtl="0" eaLnBrk="1" latinLnBrk="0" hangingPunct="1">
+              <a:defRPr sz="1800" kern="1200">
+                <a:solidFill>
+                  <a:schemeClr val="lt1"/>
+                </a:solidFill>
+                <a:latin typeface="+mn-lt"/>
+                <a:ea typeface="+mn-ea"/>
+                <a:cs typeface="+mn-cs"/>
+              </a:defRPr>
+            </a:lvl4pPr>
+            <a:lvl5pPr marL="1828800" algn="l" defTabSz="914400" rtl="0" eaLnBrk="1" latinLnBrk="0" hangingPunct="1">
+              <a:defRPr sz="1800" kern="1200">
+                <a:solidFill>
+                  <a:schemeClr val="lt1"/>
+                </a:solidFill>
+                <a:latin typeface="+mn-lt"/>
+                <a:ea typeface="+mn-ea"/>
+                <a:cs typeface="+mn-cs"/>
+              </a:defRPr>
+            </a:lvl5pPr>
+            <a:lvl6pPr marL="2286000" algn="l" defTabSz="914400" rtl="0" eaLnBrk="1" latinLnBrk="0" hangingPunct="1">
+              <a:defRPr sz="1800" kern="1200">
+                <a:solidFill>
+                  <a:schemeClr val="lt1"/>
+                </a:solidFill>
+                <a:latin typeface="+mn-lt"/>
+                <a:ea typeface="+mn-ea"/>
+                <a:cs typeface="+mn-cs"/>
+              </a:defRPr>
+            </a:lvl6pPr>
+            <a:lvl7pPr marL="2743200" algn="l" defTabSz="914400" rtl="0" eaLnBrk="1" latinLnBrk="0" hangingPunct="1">
+              <a:defRPr sz="1800" kern="1200">
+                <a:solidFill>
+                  <a:schemeClr val="lt1"/>
+                </a:solidFill>
+                <a:latin typeface="+mn-lt"/>
+                <a:ea typeface="+mn-ea"/>
+                <a:cs typeface="+mn-cs"/>
+              </a:defRPr>
+            </a:lvl7pPr>
+            <a:lvl8pPr marL="3200400" algn="l" defTabSz="914400" rtl="0" eaLnBrk="1" latinLnBrk="0" hangingPunct="1">
+              <a:defRPr sz="1800" kern="1200">
+                <a:solidFill>
+                  <a:schemeClr val="lt1"/>
+                </a:solidFill>
+                <a:latin typeface="+mn-lt"/>
+                <a:ea typeface="+mn-ea"/>
+                <a:cs typeface="+mn-cs"/>
+              </a:defRPr>
+            </a:lvl8pPr>
+            <a:lvl9pPr marL="3657600" algn="l" defTabSz="914400" rtl="0" eaLnBrk="1" latinLnBrk="0" hangingPunct="1">
+              <a:defRPr sz="1800" kern="1200">
+                <a:solidFill>
+                  <a:schemeClr val="lt1"/>
+                </a:solidFill>
+                <a:latin typeface="+mn-lt"/>
+                <a:ea typeface="+mn-ea"/>
+                <a:cs typeface="+mn-cs"/>
+              </a:defRPr>
+            </a:lvl9pPr>
+          </a:lstStyle>
+          <a:p>
+            <a:pPr algn="ctr"/>
+            <a:endParaRPr lang="en-US"/>
+          </a:p>
+        </p:txBody>
+      </p:sp>
+      <p:sp useBgFill="1">
+        <p:nvSpPr>
+          <p:cNvPr id="11" name="Rectangle 10">
+            <a:extLst>
+              <a:ext uri="{FF2B5EF4-FFF2-40B4-BE49-F238E27FC236}">
+                <a16:creationId xmlns:a16="http://schemas.microsoft.com/office/drawing/2014/main" id="{E81BF4F6-F2CF-4984-9D14-D6966D92F99F}"/>
+              </a:ext>
+              <a:ext uri="{C183D7F6-B498-43B3-948B-1728B52AA6E4}">
+                <adec:decorative xmlns:adec="http://schemas.microsoft.com/office/drawing/2017/decorative" val="1"/>
+              </a:ext>
+            </a:extLst>
+          </p:cNvPr>
+          <p:cNvSpPr>
+            <a:spLocks noGrp="1" noRot="1" noChangeAspect="1" noMove="1" noResize="1" noEditPoints="1" noAdjustHandles="1" noChangeArrowheads="1" noChangeShapeType="1" noTextEdit="1"/>
+          </p:cNvSpPr>
+          <p:nvPr>
+            <p:extLst>
+              <p:ext uri="{386F3935-93C4-4BCD-93E2-E3B085C9AB24}">
+                <p16:designElem xmlns:p16="http://schemas.microsoft.com/office/powerpoint/2015/main" val="1"/>
+              </p:ext>
+            </p:extLst>
+          </p:nvPr>
+        </p:nvSpPr>
+        <p:spPr>
+          <a:xfrm>
+            <a:off x="1" y="0"/>
+            <a:ext cx="8522446" cy="2285999"/>
+          </a:xfrm>
+          <a:prstGeom prst="rect">
+            <a:avLst/>
+          </a:prstGeom>
+          <a:ln>
+            <a:noFill/>
+          </a:ln>
+          <a:effectLst>
+            <a:outerShdw blurRad="596900" dist="304800" dir="7140000" sx="90000" sy="90000" algn="t" rotWithShape="0">
+              <a:srgbClr val="000000">
+                <a:alpha val="15000"/>
+              </a:srgbClr>
+            </a:outerShdw>
+          </a:effectLst>
+        </p:spPr>
+        <p:style>
+          <a:lnRef idx="2">
+            <a:schemeClr val="accent1">
+              <a:shade val="50000"/>
+            </a:schemeClr>
+          </a:lnRef>
+          <a:fillRef idx="1">
+            <a:schemeClr val="accent1"/>
+          </a:fillRef>
+          <a:effectRef idx="0">
+            <a:schemeClr val="accent1"/>
+          </a:effectRef>
+          <a:fontRef idx="minor">
+            <a:schemeClr val="lt1"/>
+          </a:fontRef>
+        </p:style>
+        <p:txBody>
+          <a:bodyPr rtlCol="0" anchor="ctr"/>
+          <a:lstStyle/>
+          <a:p>
+            <a:pPr algn="ctr"/>
+            <a:endParaRPr lang="en-US"/>
+          </a:p>
+        </p:txBody>
+      </p:sp>
+      <p:sp>
+        <p:nvSpPr>
+          <p:cNvPr id="2" name="Titel 1">
+            <a:extLst>
+              <a:ext uri="{FF2B5EF4-FFF2-40B4-BE49-F238E27FC236}">
+                <a16:creationId xmlns:a16="http://schemas.microsoft.com/office/drawing/2014/main" id="{3258E229-C486-D96C-FBBB-AC129B1FC8EE}"/>
+              </a:ext>
+            </a:extLst>
+          </p:cNvPr>
+          <p:cNvSpPr>
+            <a:spLocks noGrp="1"/>
+          </p:cNvSpPr>
+          <p:nvPr>
+            <p:ph type="title"/>
+          </p:nvPr>
+        </p:nvSpPr>
+        <p:spPr>
+          <a:xfrm>
+            <a:off x="761803" y="350196"/>
+            <a:ext cx="4646904" cy="1624520"/>
+          </a:xfrm>
+        </p:spPr>
+        <p:txBody>
+          <a:bodyPr anchor="ctr">
+            <a:normAutofit/>
+          </a:bodyPr>
+          <a:lstStyle/>
+          <a:p>
+            <a:r>
+              <a:rPr lang="de-CH" sz="4000"/>
+              <a:t>Posts</a:t>
+            </a:r>
+          </a:p>
+        </p:txBody>
+      </p:sp>
+      <p:sp>
+        <p:nvSpPr>
+          <p:cNvPr id="3" name="Inhaltsplatzhalter 2">
+            <a:extLst>
+              <a:ext uri="{FF2B5EF4-FFF2-40B4-BE49-F238E27FC236}">
+                <a16:creationId xmlns:a16="http://schemas.microsoft.com/office/drawing/2014/main" id="{2BC30E9F-52E1-745F-8AE7-4D63C415B45A}"/>
+              </a:ext>
+            </a:extLst>
+          </p:cNvPr>
+          <p:cNvSpPr>
+            <a:spLocks noGrp="1"/>
+          </p:cNvSpPr>
+          <p:nvPr>
+            <p:ph idx="1"/>
+          </p:nvPr>
+        </p:nvSpPr>
+        <p:spPr>
+          <a:xfrm>
+            <a:off x="761802" y="2743200"/>
+            <a:ext cx="4937850" cy="3613149"/>
+          </a:xfrm>
+        </p:spPr>
+        <p:txBody>
+          <a:bodyPr vert="horz" lIns="91440" tIns="45720" rIns="91440" bIns="45720" rtlCol="0" anchor="ctr">
+            <a:normAutofit/>
+          </a:bodyPr>
+          <a:lstStyle/>
+          <a:p>
+            <a:r>
+              <a:rPr lang="de-CH" sz="2000"/>
+              <a:t>Einmal täglich kann gepostet werden</a:t>
+            </a:r>
+          </a:p>
+          <a:p>
+            <a:pPr lvl="1"/>
+            <a:r>
+              <a:rPr lang="de-CH" sz="2000"/>
+              <a:t>Videos oder Bilder</a:t>
+            </a:r>
+          </a:p>
+          <a:p>
+            <a:pPr lvl="1"/>
+            <a:r>
+              <a:rPr lang="de-CH" sz="2000"/>
+              <a:t>Es soll möglichst authentisch sein.</a:t>
+            </a:r>
+          </a:p>
+          <a:p>
+            <a:r>
+              <a:rPr lang="de-CH" sz="2000"/>
+              <a:t>Einschränkungen</a:t>
+            </a:r>
+          </a:p>
+          <a:p>
+            <a:pPr lvl="1"/>
+            <a:r>
+              <a:rPr lang="de-CH" sz="2000"/>
+              <a:t>Keine Extremsportarten </a:t>
+            </a:r>
+            <a:r>
+              <a:rPr lang="de-CH" sz="2000">
+                <a:sym typeface="Wingdings" panose="05000000000000000000" pitchFamily="2" charset="2"/>
+              </a:rPr>
+              <a:t> Gesundheitsgefährdend!</a:t>
+            </a:r>
+          </a:p>
+          <a:p>
+            <a:pPr lvl="1"/>
+            <a:r>
+              <a:rPr lang="de-CH" sz="2000">
+                <a:sym typeface="Wingdings" panose="05000000000000000000" pitchFamily="2" charset="2"/>
+              </a:rPr>
+              <a:t>Keine Gewalt und intime Bilder</a:t>
+            </a:r>
+            <a:endParaRPr lang="de-CH" sz="2000"/>
+          </a:p>
+        </p:txBody>
+      </p:sp>
+      <p:pic>
+        <p:nvPicPr>
+          <p:cNvPr id="5" name="Picture 4" descr="Ausrufezeichen vor gelbem Hintergrund">
+            <a:extLst>
+              <a:ext uri="{FF2B5EF4-FFF2-40B4-BE49-F238E27FC236}">
+                <a16:creationId xmlns:a16="http://schemas.microsoft.com/office/drawing/2014/main" id="{2516A2E7-4C12-CC34-964E-DBFF9792D2EA}"/>
+              </a:ext>
+            </a:extLst>
+          </p:cNvPr>
+          <p:cNvPicPr>
+            <a:picLocks noChangeAspect="1"/>
+          </p:cNvPicPr>
+          <p:nvPr/>
+        </p:nvPicPr>
+        <p:blipFill rotWithShape="1">
+          <a:blip r:embed="rId2"/>
+          <a:srcRect l="23165" r="10096" b="3"/>
+          <a:stretch/>
+        </p:blipFill>
+        <p:spPr>
+          <a:xfrm>
+            <a:off x="6096000" y="1"/>
+            <a:ext cx="6102825" cy="6858000"/>
+          </a:xfrm>
+          <a:prstGeom prst="rect">
+            <a:avLst/>
+          </a:prstGeom>
+        </p:spPr>
+      </p:pic>
+    </p:spTree>
+    <p:extLst>
+      <p:ext uri="{BB962C8B-B14F-4D97-AF65-F5344CB8AC3E}">
+        <p14:creationId xmlns:p14="http://schemas.microsoft.com/office/powerpoint/2010/main" val="980266862"/>
+      </p:ext>
+    </p:extLst>
+  </p:cSld>
+  <p:clrMapOvr>
+    <a:masterClrMapping/>
+  </p:clrMapOvr>
+</p:sld>
+</file>
+
+<file path=ppt/slides/slide5.xml><?xml version="1.0" encoding="utf-8"?>
+<p:sld xmlns:a="http://schemas.openxmlformats.org/drawingml/2006/main" xmlns:r="http://schemas.openxmlformats.org/officeDocument/2006/relationships" xmlns:p="http://schemas.openxmlformats.org/presentationml/2006/main">
+  <p:cSld>
+    <p:bg>
+      <p:bgPr>
+        <a:solidFill>
+          <a:schemeClr val="bg1"/>
+        </a:solidFill>
+        <a:effectLst/>
+      </p:bgPr>
+    </p:bg>
+    <p:spTree>
+      <p:nvGrpSpPr>
+        <p:cNvPr id="1" name=""/>
+        <p:cNvGrpSpPr/>
+        <p:nvPr/>
+      </p:nvGrpSpPr>
+      <p:grpSpPr>
+        <a:xfrm>
+          <a:off x="0" y="0"/>
+          <a:ext cx="0" cy="0"/>
+          <a:chOff x="0" y="0"/>
+          <a:chExt cx="0" cy="0"/>
+        </a:xfrm>
+      </p:grpSpPr>
+      <p:pic>
+        <p:nvPicPr>
+          <p:cNvPr id="6" name="Picture 5">
+            <a:extLst>
+              <a:ext uri="{FF2B5EF4-FFF2-40B4-BE49-F238E27FC236}">
+                <a16:creationId xmlns:a16="http://schemas.microsoft.com/office/drawing/2014/main" id="{65FB823D-7E75-BB23-A641-A87A828A6F55}"/>
+              </a:ext>
+            </a:extLst>
+          </p:cNvPr>
+          <p:cNvPicPr>
+            <a:picLocks noChangeAspect="1"/>
+          </p:cNvPicPr>
+          <p:nvPr/>
+        </p:nvPicPr>
+        <p:blipFill rotWithShape="1">
+          <a:blip r:embed="rId2">
+            <a:duotone>
+              <a:schemeClr val="bg2">
+                <a:shade val="45000"/>
+                <a:satMod val="135000"/>
+              </a:schemeClr>
+              <a:prstClr val="white"/>
+            </a:duotone>
+          </a:blip>
+          <a:srcRect t="21312" r="9085" b="3663"/>
+          <a:stretch/>
+        </p:blipFill>
+        <p:spPr>
+          <a:xfrm>
+            <a:off x="20" y="10"/>
+            <a:ext cx="12191980" cy="6857990"/>
+          </a:xfrm>
+          <a:prstGeom prst="rect">
+            <a:avLst/>
+          </a:prstGeom>
+        </p:spPr>
+      </p:pic>
+      <p:sp>
+        <p:nvSpPr>
+          <p:cNvPr id="10" name="Rectangle 9">
+            <a:extLst>
+              <a:ext uri="{FF2B5EF4-FFF2-40B4-BE49-F238E27FC236}">
+                <a16:creationId xmlns:a16="http://schemas.microsoft.com/office/drawing/2014/main" id="{B50AB553-2A96-4A92-96F2-93548E096954}"/>
+              </a:ext>
+              <a:ext uri="{C183D7F6-B498-43B3-948B-1728B52AA6E4}">
+                <adec:decorative xmlns:adec="http://schemas.microsoft.com/office/drawing/2017/decorative" val="1"/>
+              </a:ext>
+            </a:extLst>
+          </p:cNvPr>
+          <p:cNvSpPr>
+            <a:spLocks noGrp="1" noRot="1" noChangeAspect="1" noMove="1" noResize="1" noEditPoints="1" noAdjustHandles="1" noChangeArrowheads="1" noChangeShapeType="1" noTextEdit="1"/>
+          </p:cNvSpPr>
+          <p:nvPr>
+            <p:extLst>
+              <p:ext uri="{386F3935-93C4-4BCD-93E2-E3B085C9AB24}">
+                <p16:designElem xmlns:p16="http://schemas.microsoft.com/office/powerpoint/2015/main" val="1"/>
+              </p:ext>
+            </p:extLst>
+          </p:nvPr>
+        </p:nvSpPr>
+        <p:spPr>
+          <a:xfrm>
+            <a:off x="0" y="0"/>
+            <a:ext cx="12192000" cy="6858000"/>
+          </a:xfrm>
+          <a:prstGeom prst="rect">
+            <a:avLst/>
+          </a:prstGeom>
+          <a:gradFill>
+            <a:gsLst>
+              <a:gs pos="10000">
+                <a:schemeClr val="bg2">
+                  <a:alpha val="68000"/>
+                </a:schemeClr>
+              </a:gs>
+              <a:gs pos="85000">
+                <a:schemeClr val="bg2">
+                  <a:alpha val="97000"/>
+                </a:schemeClr>
+              </a:gs>
+            </a:gsLst>
+            <a:path path="circle">
+              <a:fillToRect l="50000" t="50000" r="50000" b="50000"/>
+            </a:path>
+          </a:gradFill>
+          <a:ln>
+            <a:noFill/>
+          </a:ln>
+        </p:spPr>
+        <p:style>
+          <a:lnRef idx="2">
+            <a:schemeClr val="accent1">
+              <a:shade val="50000"/>
+            </a:schemeClr>
+          </a:lnRef>
+          <a:fillRef idx="1">
+            <a:schemeClr val="accent1"/>
+          </a:fillRef>
+          <a:effectRef idx="0">
+            <a:schemeClr val="accent1"/>
+          </a:effectRef>
+          <a:fontRef idx="minor">
+            <a:schemeClr val="lt1"/>
+          </a:fontRef>
+        </p:style>
+        <p:txBody>
+          <a:bodyPr rtlCol="0" anchor="ctr"/>
+          <a:lstStyle/>
+          <a:p>
+            <a:pPr algn="ctr"/>
+            <a:endParaRPr lang="en-US"/>
+          </a:p>
+        </p:txBody>
+      </p:sp>
+      <p:sp>
+        <p:nvSpPr>
+          <p:cNvPr id="2" name="Titel 1">
+            <a:extLst>
+              <a:ext uri="{FF2B5EF4-FFF2-40B4-BE49-F238E27FC236}">
+                <a16:creationId xmlns:a16="http://schemas.microsoft.com/office/drawing/2014/main" id="{22033292-4990-DF40-35CB-4AE85F05DD1E}"/>
+              </a:ext>
+            </a:extLst>
+          </p:cNvPr>
+          <p:cNvSpPr>
+            <a:spLocks noGrp="1"/>
+          </p:cNvSpPr>
+          <p:nvPr>
+            <p:ph type="title"/>
+          </p:nvPr>
+        </p:nvSpPr>
+        <p:spPr>
+          <a:xfrm>
+            <a:off x="838200" y="365125"/>
+            <a:ext cx="10515600" cy="1325563"/>
+          </a:xfrm>
+        </p:spPr>
+        <p:txBody>
+          <a:bodyPr>
+            <a:normAutofit/>
+          </a:bodyPr>
+          <a:lstStyle/>
+          <a:p>
+            <a:r>
+              <a:rPr lang="de-CH"/>
+              <a:t>Nutzerdaten</a:t>
+            </a:r>
+          </a:p>
+        </p:txBody>
+      </p:sp>
+      <p:graphicFrame>
+        <p:nvGraphicFramePr>
+          <p:cNvPr id="5" name="Inhaltsplatzhalter 2">
+            <a:extLst>
+              <a:ext uri="{FF2B5EF4-FFF2-40B4-BE49-F238E27FC236}">
+                <a16:creationId xmlns:a16="http://schemas.microsoft.com/office/drawing/2014/main" id="{8E3CACCF-B231-4F2D-7BCC-3418509E1588}"/>
+              </a:ext>
+            </a:extLst>
+          </p:cNvPr>
+          <p:cNvGraphicFramePr>
+            <a:graphicFrameLocks noGrp="1"/>
+          </p:cNvGraphicFramePr>
+          <p:nvPr>
+            <p:ph idx="1"/>
+            <p:extLst>
+              <p:ext uri="{D42A27DB-BD31-4B8C-83A1-F6EECF244321}">
+                <p14:modId xmlns:p14="http://schemas.microsoft.com/office/powerpoint/2010/main" val="3572277506"/>
+              </p:ext>
+            </p:extLst>
+          </p:nvPr>
+        </p:nvGraphicFramePr>
+        <p:xfrm>
+          <a:off x="838200" y="1825625"/>
+          <a:ext cx="10515600" cy="4351338"/>
+        </p:xfrm>
+        <a:graphic>
+          <a:graphicData uri="http://schemas.openxmlformats.org/drawingml/2006/diagram">
+            <dgm:relIds xmlns:dgm="http://schemas.openxmlformats.org/drawingml/2006/diagram" xmlns:r="http://schemas.openxmlformats.org/officeDocument/2006/relationships" r:dm="rId3" r:lo="rId4" r:qs="rId5" r:cs="rId6"/>
+          </a:graphicData>
+        </a:graphic>
+      </p:graphicFrame>
+    </p:spTree>
+    <p:extLst>
+      <p:ext uri="{BB962C8B-B14F-4D97-AF65-F5344CB8AC3E}">
+        <p14:creationId xmlns:p14="http://schemas.microsoft.com/office/powerpoint/2010/main" val="3112544847"/>
+      </p:ext>
+    </p:extLst>
+  </p:cSld>
+  <p:clrMapOvr>
+    <a:masterClrMapping/>
+  </p:clrMapOvr>
+</p:sld>
+</file>
+
+<file path=ppt/slides/slide6.xml><?xml version="1.0" encoding="utf-8"?>
+<p:sld xmlns:a="http://schemas.openxmlformats.org/drawingml/2006/main" xmlns:r="http://schemas.openxmlformats.org/officeDocument/2006/relationships" xmlns:p="http://schemas.openxmlformats.org/presentationml/2006/main">
+  <p:cSld>
+    <p:bg>
+      <p:bgPr>
+        <a:solidFill>
+          <a:schemeClr val="bg1"/>
+        </a:solidFill>
+        <a:effectLst/>
+      </p:bgPr>
+    </p:bg>
+    <p:spTree>
+      <p:nvGrpSpPr>
+        <p:cNvPr id="1" name=""/>
+        <p:cNvGrpSpPr/>
+        <p:nvPr/>
+      </p:nvGrpSpPr>
+      <p:grpSpPr>
+        <a:xfrm>
+          <a:off x="0" y="0"/>
+          <a:ext cx="0" cy="0"/>
+          <a:chOff x="0" y="0"/>
+          <a:chExt cx="0" cy="0"/>
+        </a:xfrm>
+      </p:grpSpPr>
+      <p:sp useBgFill="1">
+        <p:nvSpPr>
+          <p:cNvPr id="9" name="Slide Background">
+            <a:extLst>
+              <a:ext uri="{FF2B5EF4-FFF2-40B4-BE49-F238E27FC236}">
+                <a16:creationId xmlns:a16="http://schemas.microsoft.com/office/drawing/2014/main" id="{C0763A76-9F1C-4FC5-82B7-DD475DA461B2}"/>
+              </a:ext>
+              <a:ext uri="{C183D7F6-B498-43B3-948B-1728B52AA6E4}">
+                <adec:decorative xmlns:adec="http://schemas.microsoft.com/office/drawing/2017/decorative" val="1"/>
+              </a:ext>
+            </a:extLst>
+          </p:cNvPr>
+          <p:cNvSpPr>
+            <a:spLocks noGrp="1" noRot="1" noChangeAspect="1" noMove="1" noResize="1" noEditPoints="1" noAdjustHandles="1" noChangeArrowheads="1" noChangeShapeType="1" noTextEdit="1"/>
+          </p:cNvSpPr>
+          <p:nvPr>
+            <p:extLst>
+              <p:ext uri="{386F3935-93C4-4BCD-93E2-E3B085C9AB24}">
+                <p16:designElem xmlns:p16="http://schemas.microsoft.com/office/powerpoint/2015/main" val="1"/>
+              </p:ext>
+            </p:extLst>
+          </p:nvPr>
+        </p:nvSpPr>
+        <p:spPr bwMode="white">
+          <a:xfrm>
+            <a:off x="-1" y="0"/>
+            <a:ext cx="12191999" cy="6858000"/>
+          </a:xfrm>
+          <a:prstGeom prst="rect">
+            <a:avLst/>
+          </a:prstGeom>
+          <a:ln>
+            <a:noFill/>
+          </a:ln>
+        </p:spPr>
+        <p:style>
+          <a:lnRef idx="2">
+            <a:schemeClr val="accent1">
+              <a:shade val="50000"/>
+            </a:schemeClr>
+          </a:lnRef>
+          <a:fillRef idx="1">
+            <a:schemeClr val="accent1"/>
+          </a:fillRef>
+          <a:effectRef idx="0">
+            <a:schemeClr val="accent1"/>
+          </a:effectRef>
+          <a:fontRef idx="minor">
+            <a:schemeClr val="lt1"/>
+          </a:fontRef>
+        </p:style>
+        <p:txBody>
+          <a:bodyPr rtlCol="0" anchor="ctr"/>
+          <a:lstStyle>
+            <a:defPPr>
+              <a:defRPr lang="en-US"/>
+            </a:defPPr>
+            <a:lvl1pPr marL="0" algn="l" defTabSz="914400" rtl="0" eaLnBrk="1" latinLnBrk="0" hangingPunct="1">
+              <a:defRPr sz="1800" kern="1200">
+                <a:solidFill>
+                  <a:schemeClr val="lt1"/>
+                </a:solidFill>
+                <a:latin typeface="+mn-lt"/>
+                <a:ea typeface="+mn-ea"/>
+                <a:cs typeface="+mn-cs"/>
+              </a:defRPr>
+            </a:lvl1pPr>
+            <a:lvl2pPr marL="457200" algn="l" defTabSz="914400" rtl="0" eaLnBrk="1" latinLnBrk="0" hangingPunct="1">
+              <a:defRPr sz="1800" kern="1200">
+                <a:solidFill>
+                  <a:schemeClr val="lt1"/>
+                </a:solidFill>
+                <a:latin typeface="+mn-lt"/>
+                <a:ea typeface="+mn-ea"/>
+                <a:cs typeface="+mn-cs"/>
+              </a:defRPr>
+            </a:lvl2pPr>
+            <a:lvl3pPr marL="914400" algn="l" defTabSz="914400" rtl="0" eaLnBrk="1" latinLnBrk="0" hangingPunct="1">
+              <a:defRPr sz="1800" kern="1200">
+                <a:solidFill>
+                  <a:schemeClr val="lt1"/>
+                </a:solidFill>
+                <a:latin typeface="+mn-lt"/>
+                <a:ea typeface="+mn-ea"/>
+                <a:cs typeface="+mn-cs"/>
+              </a:defRPr>
+            </a:lvl3pPr>
+            <a:lvl4pPr marL="1371600" algn="l" defTabSz="914400" rtl="0" eaLnBrk="1" latinLnBrk="0" hangingPunct="1">
+              <a:defRPr sz="1800" kern="1200">
+                <a:solidFill>
+                  <a:schemeClr val="lt1"/>
+                </a:solidFill>
+                <a:latin typeface="+mn-lt"/>
+                <a:ea typeface="+mn-ea"/>
+                <a:cs typeface="+mn-cs"/>
+              </a:defRPr>
+            </a:lvl4pPr>
+            <a:lvl5pPr marL="1828800" algn="l" defTabSz="914400" rtl="0" eaLnBrk="1" latinLnBrk="0" hangingPunct="1">
+              <a:defRPr sz="1800" kern="1200">
+                <a:solidFill>
+                  <a:schemeClr val="lt1"/>
+                </a:solidFill>
+                <a:latin typeface="+mn-lt"/>
+                <a:ea typeface="+mn-ea"/>
+                <a:cs typeface="+mn-cs"/>
+              </a:defRPr>
+            </a:lvl5pPr>
+            <a:lvl6pPr marL="2286000" algn="l" defTabSz="914400" rtl="0" eaLnBrk="1" latinLnBrk="0" hangingPunct="1">
+              <a:defRPr sz="1800" kern="1200">
+                <a:solidFill>
+                  <a:schemeClr val="lt1"/>
+                </a:solidFill>
+                <a:latin typeface="+mn-lt"/>
+                <a:ea typeface="+mn-ea"/>
+                <a:cs typeface="+mn-cs"/>
+              </a:defRPr>
+            </a:lvl6pPr>
+            <a:lvl7pPr marL="2743200" algn="l" defTabSz="914400" rtl="0" eaLnBrk="1" latinLnBrk="0" hangingPunct="1">
+              <a:defRPr sz="1800" kern="1200">
+                <a:solidFill>
+                  <a:schemeClr val="lt1"/>
+                </a:solidFill>
+                <a:latin typeface="+mn-lt"/>
+                <a:ea typeface="+mn-ea"/>
+                <a:cs typeface="+mn-cs"/>
+              </a:defRPr>
+            </a:lvl7pPr>
+            <a:lvl8pPr marL="3200400" algn="l" defTabSz="914400" rtl="0" eaLnBrk="1" latinLnBrk="0" hangingPunct="1">
+              <a:defRPr sz="1800" kern="1200">
+                <a:solidFill>
+                  <a:schemeClr val="lt1"/>
+                </a:solidFill>
+                <a:latin typeface="+mn-lt"/>
+                <a:ea typeface="+mn-ea"/>
+                <a:cs typeface="+mn-cs"/>
+              </a:defRPr>
+            </a:lvl8pPr>
+            <a:lvl9pPr marL="3657600" algn="l" defTabSz="914400" rtl="0" eaLnBrk="1" latinLnBrk="0" hangingPunct="1">
+              <a:defRPr sz="1800" kern="1200">
+                <a:solidFill>
+                  <a:schemeClr val="lt1"/>
+                </a:solidFill>
+                <a:latin typeface="+mn-lt"/>
+                <a:ea typeface="+mn-ea"/>
+                <a:cs typeface="+mn-cs"/>
+              </a:defRPr>
+            </a:lvl9pPr>
+          </a:lstStyle>
+          <a:p>
+            <a:pPr algn="ctr"/>
+            <a:endParaRPr lang="en-US"/>
+          </a:p>
+        </p:txBody>
+      </p:sp>
+      <p:sp useBgFill="1">
+        <p:nvSpPr>
+          <p:cNvPr id="11" name="Rectangle 10">
+            <a:extLst>
+              <a:ext uri="{FF2B5EF4-FFF2-40B4-BE49-F238E27FC236}">
+                <a16:creationId xmlns:a16="http://schemas.microsoft.com/office/drawing/2014/main" id="{E81BF4F6-F2CF-4984-9D14-D6966D92F99F}"/>
+              </a:ext>
+              <a:ext uri="{C183D7F6-B498-43B3-948B-1728B52AA6E4}">
+                <adec:decorative xmlns:adec="http://schemas.microsoft.com/office/drawing/2017/decorative" val="1"/>
+              </a:ext>
+            </a:extLst>
+          </p:cNvPr>
+          <p:cNvSpPr>
+            <a:spLocks noGrp="1" noRot="1" noChangeAspect="1" noMove="1" noResize="1" noEditPoints="1" noAdjustHandles="1" noChangeArrowheads="1" noChangeShapeType="1" noTextEdit="1"/>
+          </p:cNvSpPr>
+          <p:nvPr>
+            <p:extLst>
+              <p:ext uri="{386F3935-93C4-4BCD-93E2-E3B085C9AB24}">
+                <p16:designElem xmlns:p16="http://schemas.microsoft.com/office/powerpoint/2015/main" val="1"/>
+              </p:ext>
+            </p:extLst>
+          </p:nvPr>
+        </p:nvSpPr>
+        <p:spPr>
+          <a:xfrm>
+            <a:off x="1" y="0"/>
+            <a:ext cx="8522446" cy="2285999"/>
+          </a:xfrm>
+          <a:prstGeom prst="rect">
+            <a:avLst/>
+          </a:prstGeom>
+          <a:ln>
+            <a:noFill/>
+          </a:ln>
+          <a:effectLst>
+            <a:outerShdw blurRad="596900" dist="304800" dir="7140000" sx="90000" sy="90000" algn="t" rotWithShape="0">
+              <a:srgbClr val="000000">
+                <a:alpha val="15000"/>
+              </a:srgbClr>
+            </a:outerShdw>
+          </a:effectLst>
+        </p:spPr>
+        <p:style>
+          <a:lnRef idx="2">
+            <a:schemeClr val="accent1">
+              <a:shade val="50000"/>
+            </a:schemeClr>
+          </a:lnRef>
+          <a:fillRef idx="1">
+            <a:schemeClr val="accent1"/>
+          </a:fillRef>
+          <a:effectRef idx="0">
+            <a:schemeClr val="accent1"/>
+          </a:effectRef>
+          <a:fontRef idx="minor">
+            <a:schemeClr val="lt1"/>
+          </a:fontRef>
+        </p:style>
+        <p:txBody>
+          <a:bodyPr rtlCol="0" anchor="ctr"/>
+          <a:lstStyle/>
+          <a:p>
+            <a:pPr algn="ctr"/>
+            <a:endParaRPr lang="en-US"/>
+          </a:p>
+        </p:txBody>
+      </p:sp>
+      <p:sp>
+        <p:nvSpPr>
+          <p:cNvPr id="2" name="Titel 1">
+            <a:extLst>
+              <a:ext uri="{FF2B5EF4-FFF2-40B4-BE49-F238E27FC236}">
+                <a16:creationId xmlns:a16="http://schemas.microsoft.com/office/drawing/2014/main" id="{DD7DADCC-D7CC-2DFA-058C-C31D573D9629}"/>
+              </a:ext>
+            </a:extLst>
+          </p:cNvPr>
+          <p:cNvSpPr>
+            <a:spLocks noGrp="1"/>
+          </p:cNvSpPr>
+          <p:nvPr>
+            <p:ph type="title"/>
+          </p:nvPr>
+        </p:nvSpPr>
+        <p:spPr>
+          <a:xfrm>
+            <a:off x="761803" y="350196"/>
+            <a:ext cx="4646904" cy="1624520"/>
+          </a:xfrm>
+        </p:spPr>
+        <p:txBody>
+          <a:bodyPr anchor="ctr">
+            <a:normAutofit/>
+          </a:bodyPr>
+          <a:lstStyle/>
+          <a:p>
+            <a:r>
+              <a:rPr lang="de-CH" sz="4000"/>
+              <a:t>Finanzierung</a:t>
+            </a:r>
+          </a:p>
+        </p:txBody>
+      </p:sp>
+      <p:sp>
+        <p:nvSpPr>
+          <p:cNvPr id="3" name="Inhaltsplatzhalter 2">
+            <a:extLst>
+              <a:ext uri="{FF2B5EF4-FFF2-40B4-BE49-F238E27FC236}">
+                <a16:creationId xmlns:a16="http://schemas.microsoft.com/office/drawing/2014/main" id="{D0D59446-0FB1-B132-667C-43E58B18BB14}"/>
+              </a:ext>
+            </a:extLst>
+          </p:cNvPr>
+          <p:cNvSpPr>
+            <a:spLocks noGrp="1"/>
+          </p:cNvSpPr>
+          <p:nvPr>
+            <p:ph idx="1"/>
+          </p:nvPr>
+        </p:nvSpPr>
+        <p:spPr>
+          <a:xfrm>
+            <a:off x="761802" y="2743200"/>
+            <a:ext cx="4646905" cy="3613149"/>
+          </a:xfrm>
+        </p:spPr>
+        <p:txBody>
+          <a:bodyPr anchor="ctr">
+            <a:normAutofit/>
+          </a:bodyPr>
+          <a:lstStyle/>
+          <a:p>
+            <a:r>
+              <a:rPr lang="de-CH" sz="2000"/>
+              <a:t>Abo Model</a:t>
+            </a:r>
+          </a:p>
+          <a:p>
+            <a:pPr lvl="1"/>
+            <a:r>
+              <a:rPr lang="de-CH" sz="2000"/>
+              <a:t>User können Premiumfunktionen freischalten</a:t>
+            </a:r>
+          </a:p>
+          <a:p>
+            <a:pPr lvl="1"/>
+            <a:r>
+              <a:rPr lang="de-CH" sz="2000"/>
+              <a:t>Verschiedene Abos</a:t>
+            </a:r>
+          </a:p>
+          <a:p>
+            <a:r>
+              <a:rPr lang="de-CH" sz="2000"/>
+              <a:t>Kooperationen mit Vereinen</a:t>
+            </a:r>
+          </a:p>
+          <a:p>
+            <a:pPr lvl="1"/>
+            <a:r>
+              <a:rPr lang="de-CH" sz="2000"/>
+              <a:t>Unterstützung durch Werbung</a:t>
+            </a:r>
+          </a:p>
+          <a:p>
+            <a:r>
+              <a:rPr lang="de-CH" sz="2000"/>
+              <a:t>Sportinfluencer</a:t>
+            </a:r>
+          </a:p>
+          <a:p>
+            <a:pPr lvl="1"/>
+            <a:r>
+              <a:rPr lang="de-CH" sz="2000"/>
+              <a:t>Erschliessung neuer Communitys</a:t>
+            </a:r>
+          </a:p>
+          <a:p>
+            <a:pPr lvl="1"/>
+            <a:endParaRPr lang="de-CH" sz="2000"/>
+          </a:p>
+        </p:txBody>
+      </p:sp>
+      <p:pic>
+        <p:nvPicPr>
+          <p:cNvPr id="5" name="Picture 4" descr="Glühbirne vor gelbem Hintergrund mit skizzierten Lichtstrahlen und Kabel">
+            <a:extLst>
+              <a:ext uri="{FF2B5EF4-FFF2-40B4-BE49-F238E27FC236}">
+                <a16:creationId xmlns:a16="http://schemas.microsoft.com/office/drawing/2014/main" id="{011F414B-376A-8DA5-6C2F-C62B5F17B788}"/>
+              </a:ext>
+            </a:extLst>
+          </p:cNvPr>
+          <p:cNvPicPr>
+            <a:picLocks noChangeAspect="1"/>
+          </p:cNvPicPr>
+          <p:nvPr/>
+        </p:nvPicPr>
+        <p:blipFill rotWithShape="1">
+          <a:blip r:embed="rId2"/>
+          <a:srcRect l="44765" r="507"/>
+          <a:stretch/>
+        </p:blipFill>
+        <p:spPr>
+          <a:xfrm>
+            <a:off x="6096000" y="1"/>
+            <a:ext cx="6102825" cy="6858000"/>
+          </a:xfrm>
+          <a:prstGeom prst="rect">
+            <a:avLst/>
+          </a:prstGeom>
+        </p:spPr>
+      </p:pic>
+    </p:spTree>
+    <p:extLst>
+      <p:ext uri="{BB962C8B-B14F-4D97-AF65-F5344CB8AC3E}">
+        <p14:creationId xmlns:p14="http://schemas.microsoft.com/office/powerpoint/2010/main" val="1108453538"/>
       </p:ext>
     </p:extLst>
   </p:cSld>
